--- a/Slides/CombustionModel.pptx
+++ b/Slides/CombustionModel.pptx
@@ -5,17 +5,15 @@
     <p:sldMasterId id="2147483660" r:id="rId4"/>
   </p:sldMasterIdLst>
   <p:notesMasterIdLst>
-    <p:notesMasterId r:id="rId10"/>
+    <p:notesMasterId r:id="rId8"/>
   </p:notesMasterIdLst>
   <p:handoutMasterIdLst>
-    <p:handoutMasterId r:id="rId11"/>
+    <p:handoutMasterId r:id="rId9"/>
   </p:handoutMasterIdLst>
   <p:sldIdLst>
-    <p:sldId id="256" r:id="rId5"/>
-    <p:sldId id="258" r:id="rId6"/>
-    <p:sldId id="259" r:id="rId7"/>
-    <p:sldId id="261" r:id="rId8"/>
-    <p:sldId id="262" r:id="rId9"/>
+    <p:sldId id="258" r:id="rId5"/>
+    <p:sldId id="259" r:id="rId6"/>
+    <p:sldId id="260" r:id="rId7"/>
   </p:sldIdLst>
   <p:sldSz cx="12192000" cy="6858000"/>
   <p:notesSz cx="7010400" cy="9296400"/>
@@ -225,7 +223,7 @@
               <a:rPr lang="en-US" smtClean="0">
                 <a:latin typeface="+mn-lt"/>
               </a:rPr>
-              <a:t>6/18/24</a:t>
+              <a:t>10/3/24</a:t>
             </a:fld>
             <a:endParaRPr lang="en-US" dirty="0">
               <a:latin typeface="+mn-lt"/>
@@ -345,7 +343,7 @@
             <a:fld id="{D7992059-949A-4D84-A84D-82EB5F97947B}" type="datetimeFigureOut">
               <a:rPr lang="en-US" smtClean="0"/>
               <a:pPr/>
-              <a:t>6/18/24</a:t>
+              <a:t>10/3/24</a:t>
             </a:fld>
             <a:endParaRPr lang="en-US" dirty="0"/>
           </a:p>
@@ -12022,158 +12020,10 @@
       </p:grpSpPr>
       <p:sp>
         <p:nvSpPr>
-          <p:cNvPr id="2" name="Title 1">
+          <p:cNvPr id="4" name="TextBox 3">
             <a:extLst>
               <a:ext uri="{FF2B5EF4-FFF2-40B4-BE49-F238E27FC236}">
-                <a16:creationId xmlns:a16="http://schemas.microsoft.com/office/drawing/2014/main" id="{E55CEF93-DE48-5442-870D-943F375717DA}"/>
-              </a:ext>
-            </a:extLst>
-          </p:cNvPr>
-          <p:cNvSpPr>
-            <a:spLocks noGrp="1"/>
-          </p:cNvSpPr>
-          <p:nvPr>
-            <p:ph type="ctrTitle"/>
-          </p:nvPr>
-        </p:nvSpPr>
-        <p:spPr>
-          <a:xfrm>
-            <a:off x="428736" y="1388962"/>
-            <a:ext cx="8678194" cy="535531"/>
-          </a:xfrm>
-        </p:spPr>
-        <p:txBody>
-          <a:bodyPr/>
-          <a:lstStyle/>
-          <a:p>
-            <a:r>
-              <a:rPr lang="en-US" dirty="0"/>
-              <a:t>Dual fuel combustion model</a:t>
-            </a:r>
-          </a:p>
-        </p:txBody>
-      </p:sp>
-      <p:sp>
-        <p:nvSpPr>
-          <p:cNvPr id="3" name="Subtitle 2">
-            <a:extLst>
-              <a:ext uri="{FF2B5EF4-FFF2-40B4-BE49-F238E27FC236}">
-                <a16:creationId xmlns:a16="http://schemas.microsoft.com/office/drawing/2014/main" id="{3C273FE8-692F-1E45-8F88-6FBEEB088B32}"/>
-              </a:ext>
-            </a:extLst>
-          </p:cNvPr>
-          <p:cNvSpPr>
-            <a:spLocks noGrp="1"/>
-          </p:cNvSpPr>
-          <p:nvPr>
-            <p:ph type="subTitle" idx="1"/>
-          </p:nvPr>
-        </p:nvSpPr>
-        <p:spPr/>
-        <p:txBody>
-          <a:bodyPr/>
-          <a:lstStyle/>
-          <a:p>
-            <a:endParaRPr lang="en-US"/>
-          </a:p>
-        </p:txBody>
-      </p:sp>
-    </p:spTree>
-    <p:extLst>
-      <p:ext uri="{BB962C8B-B14F-4D97-AF65-F5344CB8AC3E}">
-        <p14:creationId xmlns:p14="http://schemas.microsoft.com/office/powerpoint/2010/main" val="4172643671"/>
-      </p:ext>
-    </p:extLst>
-  </p:cSld>
-  <p:clrMapOvr>
-    <a:masterClrMapping/>
-  </p:clrMapOvr>
-</p:sld>
-</file>
-
-<file path=ppt/slides/slide2.xml><?xml version="1.0" encoding="utf-8"?>
-<p:sld xmlns:a="http://schemas.openxmlformats.org/drawingml/2006/main" xmlns:r="http://schemas.openxmlformats.org/officeDocument/2006/relationships" xmlns:p="http://schemas.openxmlformats.org/presentationml/2006/main">
-  <p:cSld>
-    <p:spTree>
-      <p:nvGrpSpPr>
-        <p:cNvPr id="1" name=""/>
-        <p:cNvGrpSpPr/>
-        <p:nvPr/>
-      </p:nvGrpSpPr>
-      <p:grpSpPr>
-        <a:xfrm>
-          <a:off x="0" y="0"/>
-          <a:ext cx="0" cy="0"/>
-          <a:chOff x="0" y="0"/>
-          <a:chExt cx="0" cy="0"/>
-        </a:xfrm>
-      </p:grpSpPr>
-      <p:sp>
-        <p:nvSpPr>
-          <p:cNvPr id="2" name="Title 1">
-            <a:extLst>
-              <a:ext uri="{FF2B5EF4-FFF2-40B4-BE49-F238E27FC236}">
-                <a16:creationId xmlns:a16="http://schemas.microsoft.com/office/drawing/2014/main" id="{7F6017ED-BAB7-3A95-F973-9D2632BCC5BB}"/>
-              </a:ext>
-            </a:extLst>
-          </p:cNvPr>
-          <p:cNvSpPr>
-            <a:spLocks noGrp="1"/>
-          </p:cNvSpPr>
-          <p:nvPr>
-            <p:ph type="title"/>
-          </p:nvPr>
-        </p:nvSpPr>
-        <p:spPr/>
-        <p:txBody>
-          <a:bodyPr/>
-          <a:lstStyle/>
-          <a:p>
-            <a:r>
-              <a:rPr lang="en-US" dirty="0"/>
-              <a:t>Previous engine model</a:t>
-            </a:r>
-          </a:p>
-        </p:txBody>
-      </p:sp>
-      <p:pic>
-        <p:nvPicPr>
-          <p:cNvPr id="11" name="Content Placeholder 10">
-            <a:extLst>
-              <a:ext uri="{FF2B5EF4-FFF2-40B4-BE49-F238E27FC236}">
-                <a16:creationId xmlns:a16="http://schemas.microsoft.com/office/drawing/2014/main" id="{B1CB4732-81BF-2037-92A4-C7946C8EE135}"/>
-              </a:ext>
-            </a:extLst>
-          </p:cNvPr>
-          <p:cNvPicPr>
-            <a:picLocks noGrp="1" noChangeAspect="1"/>
-          </p:cNvPicPr>
-          <p:nvPr>
-            <p:ph idx="1"/>
-          </p:nvPr>
-        </p:nvPicPr>
-        <p:blipFill>
-          <a:blip r:embed="rId2"/>
-          <a:stretch>
-            <a:fillRect/>
-          </a:stretch>
-        </p:blipFill>
-        <p:spPr>
-          <a:xfrm>
-            <a:off x="429767" y="1554044"/>
-            <a:ext cx="4342530" cy="4226259"/>
-          </a:xfrm>
-          <a:prstGeom prst="rect">
-            <a:avLst/>
-          </a:prstGeom>
-        </p:spPr>
-      </p:pic>
-      <p:sp>
-        <p:nvSpPr>
-          <p:cNvPr id="14" name="TextBox 13">
-            <a:extLst>
-              <a:ext uri="{FF2B5EF4-FFF2-40B4-BE49-F238E27FC236}">
-                <a16:creationId xmlns:a16="http://schemas.microsoft.com/office/drawing/2014/main" id="{A2740A5E-F400-692E-EE84-43A483B6B823}"/>
+                <a16:creationId xmlns:a16="http://schemas.microsoft.com/office/drawing/2014/main" id="{295B5752-83DC-BB2C-8C42-DEADF8BB1FCD}"/>
               </a:ext>
             </a:extLst>
           </p:cNvPr>
@@ -12182,8 +12032,8 @@
         </p:nvSpPr>
         <p:spPr>
           <a:xfrm>
-            <a:off x="6685041" y="658404"/>
-            <a:ext cx="4249881" cy="341632"/>
+            <a:off x="544714" y="29162"/>
+            <a:ext cx="2969231" cy="590931"/>
           </a:xfrm>
           <a:prstGeom prst="rect">
             <a:avLst/>
@@ -12204,12 +12054,12 @@
           </a:fontRef>
         </p:style>
         <p:txBody>
-          <a:bodyPr wrap="none" rtlCol="0">
+          <a:bodyPr wrap="square" rtlCol="0">
             <a:spAutoFit/>
           </a:bodyPr>
           <a:lstStyle/>
           <a:p>
-            <a:pPr algn="l">
+            <a:pPr algn="ctr">
               <a:lnSpc>
                 <a:spcPct val="90000"/>
               </a:lnSpc>
@@ -12218,17 +12068,17 @@
               <a:rPr lang="en-US" dirty="0">
                 <a:latin typeface="+mn-lt"/>
               </a:rPr>
-              <a:t>Cylinder pressure during combustion</a:t>
+              <a:t>Oak Ridge Combustion Analysis System (ORCAS)</a:t>
             </a:r>
           </a:p>
         </p:txBody>
       </p:sp>
       <p:pic>
         <p:nvPicPr>
-          <p:cNvPr id="15" name="Picture 14">
+          <p:cNvPr id="5" name="Picture 4">
             <a:extLst>
               <a:ext uri="{FF2B5EF4-FFF2-40B4-BE49-F238E27FC236}">
-                <a16:creationId xmlns:a16="http://schemas.microsoft.com/office/drawing/2014/main" id="{E5093BB7-6FEE-99E8-569A-C83C134796B6}"/>
+                <a16:creationId xmlns:a16="http://schemas.microsoft.com/office/drawing/2014/main" id="{4CF7D41B-B2AF-37D8-BC0D-8D2A968A0265}"/>
               </a:ext>
             </a:extLst>
           </p:cNvPr>
@@ -12238,168 +12088,532 @@
           <p:nvPr/>
         </p:nvPicPr>
         <p:blipFill>
-          <a:blip r:embed="rId3"/>
+          <a:blip r:embed="rId2"/>
           <a:stretch>
             <a:fillRect/>
           </a:stretch>
         </p:blipFill>
         <p:spPr>
           <a:xfrm>
-            <a:off x="5478333" y="1906261"/>
-            <a:ext cx="3209882" cy="1011113"/>
+            <a:off x="2101726" y="2134456"/>
+            <a:ext cx="1386083" cy="856109"/>
           </a:xfrm>
           <a:prstGeom prst="rect">
             <a:avLst/>
           </a:prstGeom>
-          <a:ln>
-            <a:solidFill>
-              <a:schemeClr val="tx1"/>
-            </a:solidFill>
-          </a:ln>
         </p:spPr>
       </p:pic>
-      <p:cxnSp>
-        <p:nvCxnSpPr>
-          <p:cNvPr id="17" name="Straight Arrow Connector 16">
+      <p:sp>
+        <p:nvSpPr>
+          <p:cNvPr id="7" name="TextBox 6">
             <a:extLst>
               <a:ext uri="{FF2B5EF4-FFF2-40B4-BE49-F238E27FC236}">
-                <a16:creationId xmlns:a16="http://schemas.microsoft.com/office/drawing/2014/main" id="{24709FC6-7AD1-6500-A1B6-A00819E7AEBC}"/>
+                <a16:creationId xmlns:a16="http://schemas.microsoft.com/office/drawing/2014/main" id="{FFB94D7C-CBC1-C8E0-EB73-61B531F7322A}"/>
               </a:ext>
             </a:extLst>
           </p:cNvPr>
-          <p:cNvCxnSpPr>
-            <a:stCxn id="14" idx="2"/>
-            <a:endCxn id="15" idx="0"/>
-          </p:cNvCxnSpPr>
+          <p:cNvSpPr txBox="1"/>
           <p:nvPr/>
-        </p:nvCxnSpPr>
-        <p:spPr>
-          <a:xfrm rot="5400000">
-            <a:off x="7493516" y="589794"/>
-            <a:ext cx="906225" cy="1726708"/>
-          </a:xfrm>
-          <a:prstGeom prst="bentConnector3">
-            <a:avLst>
-              <a:gd name="adj1" fmla="val 50000"/>
-            </a:avLst>
-          </a:prstGeom>
-          <a:ln w="28575">
-            <a:solidFill>
-              <a:schemeClr val="bg1">
-                <a:lumMod val="50000"/>
-              </a:schemeClr>
-            </a:solidFill>
-            <a:miter lim="800000"/>
-            <a:tailEnd type="triangle"/>
-          </a:ln>
-        </p:spPr>
-        <p:style>
-          <a:lnRef idx="1">
-            <a:schemeClr val="accent1"/>
-          </a:lnRef>
-          <a:fillRef idx="0">
-            <a:schemeClr val="accent1"/>
-          </a:fillRef>
-          <a:effectRef idx="0">
-            <a:schemeClr val="accent1"/>
-          </a:effectRef>
-          <a:fontRef idx="minor">
-            <a:schemeClr val="tx1"/>
-          </a:fontRef>
-        </p:style>
-      </p:cxnSp>
-      <p:pic>
-        <p:nvPicPr>
-          <p:cNvPr id="18" name="Picture 17">
-            <a:extLst>
-              <a:ext uri="{FF2B5EF4-FFF2-40B4-BE49-F238E27FC236}">
-                <a16:creationId xmlns:a16="http://schemas.microsoft.com/office/drawing/2014/main" id="{FB5EDDCA-A5EC-C841-74D6-A85C147EEF24}"/>
-              </a:ext>
-            </a:extLst>
-          </p:cNvPr>
-          <p:cNvPicPr>
-            <a:picLocks noChangeAspect="1"/>
-          </p:cNvPicPr>
-          <p:nvPr/>
-        </p:nvPicPr>
-        <p:blipFill>
-          <a:blip r:embed="rId4"/>
-          <a:stretch>
-            <a:fillRect/>
-          </a:stretch>
-        </p:blipFill>
+        </p:nvSpPr>
         <p:spPr>
           <a:xfrm>
-            <a:off x="5478333" y="3429000"/>
-            <a:ext cx="3209882" cy="641976"/>
+            <a:off x="1912515" y="4797635"/>
+            <a:ext cx="1531188" cy="341632"/>
           </a:xfrm>
           <a:prstGeom prst="rect">
             <a:avLst/>
           </a:prstGeom>
-          <a:ln>
-            <a:solidFill>
-              <a:schemeClr val="tx1"/>
-            </a:solidFill>
-          </a:ln>
         </p:spPr>
-      </p:pic>
-      <p:cxnSp>
-        <p:nvCxnSpPr>
-          <p:cNvPr id="20" name="Straight Arrow Connector 16">
+        <p:style>
+          <a:lnRef idx="1">
+            <a:schemeClr val="accent3"/>
+          </a:lnRef>
+          <a:fillRef idx="2">
+            <a:schemeClr val="accent3"/>
+          </a:fillRef>
+          <a:effectRef idx="1">
+            <a:schemeClr val="accent3"/>
+          </a:effectRef>
+          <a:fontRef idx="minor">
+            <a:schemeClr val="dk1"/>
+          </a:fontRef>
+        </p:style>
+        <p:txBody>
+          <a:bodyPr wrap="none" rtlCol="0">
+            <a:spAutoFit/>
+          </a:bodyPr>
+          <a:lstStyle/>
+          <a:p>
+            <a:pPr algn="l">
+              <a:lnSpc>
+                <a:spcPct val="90000"/>
+              </a:lnSpc>
+            </a:pPr>
+            <a:r>
+              <a:rPr lang="en-US" dirty="0">
+                <a:latin typeface="+mn-lt"/>
+              </a:rPr>
+              <a:t>Flow sensors</a:t>
+            </a:r>
+          </a:p>
+        </p:txBody>
+      </p:sp>
+      <p:sp>
+        <p:nvSpPr>
+          <p:cNvPr id="8" name="TextBox 7">
             <a:extLst>
               <a:ext uri="{FF2B5EF4-FFF2-40B4-BE49-F238E27FC236}">
-                <a16:creationId xmlns:a16="http://schemas.microsoft.com/office/drawing/2014/main" id="{258E823F-E4FD-EE17-2170-82E5B770F5DA}"/>
+                <a16:creationId xmlns:a16="http://schemas.microsoft.com/office/drawing/2014/main" id="{0C98A455-D52F-A4AE-9D4B-1147D03CF380}"/>
               </a:ext>
             </a:extLst>
           </p:cNvPr>
-          <p:cNvCxnSpPr>
-            <a:cxnSpLocks/>
-            <a:stCxn id="15" idx="2"/>
-            <a:endCxn id="18" idx="0"/>
-          </p:cNvCxnSpPr>
+          <p:cNvSpPr txBox="1"/>
           <p:nvPr/>
-        </p:nvCxnSpPr>
+        </p:nvSpPr>
         <p:spPr>
           <a:xfrm>
-            <a:off x="7083274" y="2917374"/>
-            <a:ext cx="0" cy="511626"/>
+            <a:off x="408069" y="4795066"/>
+            <a:ext cx="1465466" cy="341632"/>
           </a:xfrm>
-          <a:prstGeom prst="straightConnector1">
+          <a:prstGeom prst="rect">
             <a:avLst/>
           </a:prstGeom>
-          <a:ln w="28575">
-            <a:solidFill>
-              <a:schemeClr val="bg1">
-                <a:lumMod val="50000"/>
-              </a:schemeClr>
-            </a:solidFill>
-            <a:miter lim="800000"/>
-            <a:tailEnd type="triangle"/>
-          </a:ln>
         </p:spPr>
         <p:style>
           <a:lnRef idx="1">
-            <a:schemeClr val="accent1"/>
+            <a:schemeClr val="accent3"/>
           </a:lnRef>
-          <a:fillRef idx="0">
-            <a:schemeClr val="accent1"/>
+          <a:fillRef idx="2">
+            <a:schemeClr val="accent3"/>
+          </a:fillRef>
+          <a:effectRef idx="1">
+            <a:schemeClr val="accent3"/>
+          </a:effectRef>
+          <a:fontRef idx="minor">
+            <a:schemeClr val="dk1"/>
+          </a:fontRef>
+        </p:style>
+        <p:txBody>
+          <a:bodyPr wrap="none" rtlCol="0">
+            <a:spAutoFit/>
+          </a:bodyPr>
+          <a:lstStyle/>
+          <a:p>
+            <a:pPr algn="l">
+              <a:lnSpc>
+                <a:spcPct val="90000"/>
+              </a:lnSpc>
+            </a:pPr>
+            <a:r>
+              <a:rPr lang="en-US" dirty="0">
+                <a:latin typeface="+mn-lt"/>
+              </a:rPr>
+              <a:t>Eng. Speed</a:t>
+            </a:r>
+          </a:p>
+        </p:txBody>
+      </p:sp>
+      <p:sp>
+        <p:nvSpPr>
+          <p:cNvPr id="10" name="TextBox 9">
+            <a:extLst>
+              <a:ext uri="{FF2B5EF4-FFF2-40B4-BE49-F238E27FC236}">
+                <a16:creationId xmlns:a16="http://schemas.microsoft.com/office/drawing/2014/main" id="{BA714BA6-A349-7C51-BAEF-916368880D89}"/>
+              </a:ext>
+            </a:extLst>
+          </p:cNvPr>
+          <p:cNvSpPr txBox="1"/>
+          <p:nvPr/>
+        </p:nvSpPr>
+        <p:spPr>
+          <a:xfrm>
+            <a:off x="3628720" y="3224814"/>
+            <a:ext cx="2514415" cy="1588127"/>
+          </a:xfrm>
+          <a:prstGeom prst="rect">
+            <a:avLst/>
+          </a:prstGeom>
+        </p:spPr>
+        <p:style>
+          <a:lnRef idx="2">
+            <a:schemeClr val="dk1"/>
+          </a:lnRef>
+          <a:fillRef idx="1">
+            <a:schemeClr val="lt1"/>
           </a:fillRef>
           <a:effectRef idx="0">
-            <a:schemeClr val="accent1"/>
+            <a:schemeClr val="dk1"/>
           </a:effectRef>
           <a:fontRef idx="minor">
-            <a:schemeClr val="tx1"/>
+            <a:schemeClr val="dk1"/>
           </a:fontRef>
         </p:style>
-      </p:cxnSp>
+        <p:txBody>
+          <a:bodyPr wrap="square" rtlCol="0">
+            <a:spAutoFit/>
+          </a:bodyPr>
+          <a:lstStyle/>
+          <a:p>
+            <a:pPr algn="l">
+              <a:lnSpc>
+                <a:spcPct val="90000"/>
+              </a:lnSpc>
+            </a:pPr>
+            <a:r>
+              <a:rPr lang="en-US" b="1" dirty="0"/>
+              <a:t>Nominal input values (ORCAS to EONS):</a:t>
+            </a:r>
+          </a:p>
+          <a:p>
+            <a:pPr marL="285750" indent="-285750" algn="l">
+              <a:lnSpc>
+                <a:spcPct val="90000"/>
+              </a:lnSpc>
+              <a:buFont typeface="Arial" panose="020B0604020202020204" pitchFamily="34" charset="0"/>
+              <a:buChar char="•"/>
+            </a:pPr>
+            <a:r>
+              <a:rPr lang="en-US" dirty="0" err="1"/>
+              <a:t>Diesel_SOI_FF</a:t>
+            </a:r>
+            <a:endParaRPr lang="en-US" dirty="0"/>
+          </a:p>
+          <a:p>
+            <a:pPr marL="285750" indent="-285750" algn="l">
+              <a:lnSpc>
+                <a:spcPct val="90000"/>
+              </a:lnSpc>
+              <a:buFont typeface="Arial" panose="020B0604020202020204" pitchFamily="34" charset="0"/>
+              <a:buChar char="•"/>
+            </a:pPr>
+            <a:r>
+              <a:rPr lang="en-US" dirty="0" err="1"/>
+              <a:t>Diesel_fuel_FF</a:t>
+            </a:r>
+            <a:endParaRPr lang="en-US" dirty="0"/>
+          </a:p>
+          <a:p>
+            <a:pPr marL="285750" indent="-285750" algn="l">
+              <a:lnSpc>
+                <a:spcPct val="90000"/>
+              </a:lnSpc>
+              <a:buFont typeface="Arial" panose="020B0604020202020204" pitchFamily="34" charset="0"/>
+              <a:buChar char="•"/>
+            </a:pPr>
+            <a:r>
+              <a:rPr lang="en-US" dirty="0" err="1"/>
+              <a:t>Ammonia_fuel_FF</a:t>
+            </a:r>
+            <a:endParaRPr lang="en-US" dirty="0"/>
+          </a:p>
+          <a:p>
+            <a:pPr marL="285750" indent="-285750" algn="l">
+              <a:lnSpc>
+                <a:spcPct val="90000"/>
+              </a:lnSpc>
+              <a:buFont typeface="Arial" panose="020B0604020202020204" pitchFamily="34" charset="0"/>
+              <a:buChar char="•"/>
+            </a:pPr>
+            <a:r>
+              <a:rPr lang="en-US" dirty="0" err="1"/>
+              <a:t>Fresh_air_FF</a:t>
+            </a:r>
+            <a:endParaRPr lang="en-US" dirty="0"/>
+          </a:p>
+        </p:txBody>
+      </p:sp>
+      <p:sp>
+        <p:nvSpPr>
+          <p:cNvPr id="11" name="TextBox 10">
+            <a:extLst>
+              <a:ext uri="{FF2B5EF4-FFF2-40B4-BE49-F238E27FC236}">
+                <a16:creationId xmlns:a16="http://schemas.microsoft.com/office/drawing/2014/main" id="{0D962080-AE23-09F7-6D24-B449F7E9BE3B}"/>
+              </a:ext>
+            </a:extLst>
+          </p:cNvPr>
+          <p:cNvSpPr txBox="1"/>
+          <p:nvPr/>
+        </p:nvSpPr>
+        <p:spPr>
+          <a:xfrm>
+            <a:off x="6221098" y="25649"/>
+            <a:ext cx="5970902" cy="590931"/>
+          </a:xfrm>
+          <a:prstGeom prst="rect">
+            <a:avLst/>
+          </a:prstGeom>
+        </p:spPr>
+        <p:style>
+          <a:lnRef idx="1">
+            <a:schemeClr val="accent4"/>
+          </a:lnRef>
+          <a:fillRef idx="2">
+            <a:schemeClr val="accent4"/>
+          </a:fillRef>
+          <a:effectRef idx="1">
+            <a:schemeClr val="accent4"/>
+          </a:effectRef>
+          <a:fontRef idx="minor">
+            <a:schemeClr val="dk1"/>
+          </a:fontRef>
+        </p:style>
+        <p:txBody>
+          <a:bodyPr wrap="square" rtlCol="0">
+            <a:spAutoFit/>
+          </a:bodyPr>
+          <a:lstStyle/>
+          <a:p>
+            <a:pPr algn="ctr">
+              <a:lnSpc>
+                <a:spcPct val="90000"/>
+              </a:lnSpc>
+            </a:pPr>
+            <a:r>
+              <a:rPr lang="en-US" dirty="0">
+                <a:latin typeface="+mn-lt"/>
+              </a:rPr>
+              <a:t>EONS in a BOX</a:t>
+            </a:r>
+          </a:p>
+          <a:p>
+            <a:pPr algn="ctr">
+              <a:lnSpc>
+                <a:spcPct val="90000"/>
+              </a:lnSpc>
+            </a:pPr>
+            <a:endParaRPr lang="en-US" dirty="0">
+              <a:latin typeface="+mn-lt"/>
+            </a:endParaRPr>
+          </a:p>
+        </p:txBody>
+      </p:sp>
+      <p:sp>
+        <p:nvSpPr>
+          <p:cNvPr id="12" name="TextBox 11">
+            <a:extLst>
+              <a:ext uri="{FF2B5EF4-FFF2-40B4-BE49-F238E27FC236}">
+                <a16:creationId xmlns:a16="http://schemas.microsoft.com/office/drawing/2014/main" id="{3939CC2E-6D3F-E488-B477-EFDD8FC65DC7}"/>
+              </a:ext>
+            </a:extLst>
+          </p:cNvPr>
+          <p:cNvSpPr txBox="1"/>
+          <p:nvPr/>
+        </p:nvSpPr>
+        <p:spPr>
+          <a:xfrm>
+            <a:off x="6221096" y="2213257"/>
+            <a:ext cx="5970904" cy="2585323"/>
+          </a:xfrm>
+          <a:prstGeom prst="rect">
+            <a:avLst/>
+          </a:prstGeom>
+        </p:spPr>
+        <p:style>
+          <a:lnRef idx="1">
+            <a:schemeClr val="accent6"/>
+          </a:lnRef>
+          <a:fillRef idx="2">
+            <a:schemeClr val="accent6"/>
+          </a:fillRef>
+          <a:effectRef idx="1">
+            <a:schemeClr val="accent6"/>
+          </a:effectRef>
+          <a:fontRef idx="minor">
+            <a:schemeClr val="dk1"/>
+          </a:fontRef>
+        </p:style>
+        <p:txBody>
+          <a:bodyPr wrap="square" rtlCol="0">
+            <a:spAutoFit/>
+          </a:bodyPr>
+          <a:lstStyle/>
+          <a:p>
+            <a:pPr algn="l">
+              <a:lnSpc>
+                <a:spcPct val="90000"/>
+              </a:lnSpc>
+            </a:pPr>
+            <a:r>
+              <a:rPr lang="en-US" dirty="0">
+                <a:latin typeface="+mn-lt"/>
+              </a:rPr>
+              <a:t>Use feedforward engine commands to run simulator and retrain SNNs (EONS?)</a:t>
+            </a:r>
+          </a:p>
+          <a:p>
+            <a:pPr algn="l">
+              <a:lnSpc>
+                <a:spcPct val="90000"/>
+              </a:lnSpc>
+            </a:pPr>
+            <a:endParaRPr lang="en-US" dirty="0"/>
+          </a:p>
+          <a:p>
+            <a:pPr algn="l">
+              <a:lnSpc>
+                <a:spcPct val="90000"/>
+              </a:lnSpc>
+            </a:pPr>
+            <a:endParaRPr lang="en-US" dirty="0">
+              <a:latin typeface="+mn-lt"/>
+            </a:endParaRPr>
+          </a:p>
+          <a:p>
+            <a:pPr algn="l">
+              <a:lnSpc>
+                <a:spcPct val="90000"/>
+              </a:lnSpc>
+            </a:pPr>
+            <a:endParaRPr lang="en-US" dirty="0"/>
+          </a:p>
+          <a:p>
+            <a:pPr algn="l">
+              <a:lnSpc>
+                <a:spcPct val="90000"/>
+              </a:lnSpc>
+            </a:pPr>
+            <a:endParaRPr lang="en-US" dirty="0">
+              <a:latin typeface="+mn-lt"/>
+            </a:endParaRPr>
+          </a:p>
+          <a:p>
+            <a:pPr algn="l">
+              <a:lnSpc>
+                <a:spcPct val="90000"/>
+              </a:lnSpc>
+            </a:pPr>
+            <a:endParaRPr lang="en-US" dirty="0"/>
+          </a:p>
+          <a:p>
+            <a:pPr algn="l">
+              <a:lnSpc>
+                <a:spcPct val="90000"/>
+              </a:lnSpc>
+            </a:pPr>
+            <a:endParaRPr lang="en-US" dirty="0">
+              <a:latin typeface="+mn-lt"/>
+            </a:endParaRPr>
+          </a:p>
+          <a:p>
+            <a:pPr algn="l">
+              <a:lnSpc>
+                <a:spcPct val="90000"/>
+              </a:lnSpc>
+            </a:pPr>
+            <a:endParaRPr lang="en-US" dirty="0"/>
+          </a:p>
+          <a:p>
+            <a:pPr algn="l">
+              <a:lnSpc>
+                <a:spcPct val="90000"/>
+              </a:lnSpc>
+            </a:pPr>
+            <a:endParaRPr lang="en-US" dirty="0">
+              <a:latin typeface="+mn-lt"/>
+            </a:endParaRPr>
+          </a:p>
+        </p:txBody>
+      </p:sp>
+      <p:sp>
+        <p:nvSpPr>
+          <p:cNvPr id="13" name="TextBox 12">
+            <a:extLst>
+              <a:ext uri="{FF2B5EF4-FFF2-40B4-BE49-F238E27FC236}">
+                <a16:creationId xmlns:a16="http://schemas.microsoft.com/office/drawing/2014/main" id="{491AB6D7-AD9E-438B-2F20-79BFD95595A9}"/>
+              </a:ext>
+            </a:extLst>
+          </p:cNvPr>
+          <p:cNvSpPr txBox="1"/>
+          <p:nvPr/>
+        </p:nvSpPr>
+        <p:spPr>
+          <a:xfrm>
+            <a:off x="6221097" y="616580"/>
+            <a:ext cx="5970903" cy="1588127"/>
+          </a:xfrm>
+          <a:prstGeom prst="rect">
+            <a:avLst/>
+          </a:prstGeom>
+          <a:solidFill>
+            <a:srgbClr val="FFFF00"/>
+          </a:solidFill>
+        </p:spPr>
+        <p:style>
+          <a:lnRef idx="1">
+            <a:schemeClr val="accent4"/>
+          </a:lnRef>
+          <a:fillRef idx="2">
+            <a:schemeClr val="accent4"/>
+          </a:fillRef>
+          <a:effectRef idx="1">
+            <a:schemeClr val="accent4"/>
+          </a:effectRef>
+          <a:fontRef idx="minor">
+            <a:schemeClr val="dk1"/>
+          </a:fontRef>
+        </p:style>
+        <p:txBody>
+          <a:bodyPr wrap="square" rtlCol="0">
+            <a:spAutoFit/>
+          </a:bodyPr>
+          <a:lstStyle/>
+          <a:p>
+            <a:pPr algn="l">
+              <a:lnSpc>
+                <a:spcPct val="90000"/>
+              </a:lnSpc>
+            </a:pPr>
+            <a:r>
+              <a:rPr lang="en-US" dirty="0">
+                <a:latin typeface="+mn-lt"/>
+              </a:rPr>
+              <a:t>Use measured engine state to calculate diesel fuel control through the SNN (Sim Scheduler?)</a:t>
+            </a:r>
+          </a:p>
+          <a:p>
+            <a:pPr algn="l">
+              <a:lnSpc>
+                <a:spcPct val="90000"/>
+              </a:lnSpc>
+            </a:pPr>
+            <a:endParaRPr lang="en-US" dirty="0"/>
+          </a:p>
+          <a:p>
+            <a:pPr algn="l">
+              <a:lnSpc>
+                <a:spcPct val="90000"/>
+              </a:lnSpc>
+            </a:pPr>
+            <a:endParaRPr lang="en-US" dirty="0">
+              <a:latin typeface="+mn-lt"/>
+            </a:endParaRPr>
+          </a:p>
+          <a:p>
+            <a:pPr algn="l">
+              <a:lnSpc>
+                <a:spcPct val="90000"/>
+              </a:lnSpc>
+            </a:pPr>
+            <a:endParaRPr lang="en-US" dirty="0"/>
+          </a:p>
+          <a:p>
+            <a:pPr algn="l">
+              <a:lnSpc>
+                <a:spcPct val="90000"/>
+              </a:lnSpc>
+            </a:pPr>
+            <a:endParaRPr lang="en-US" dirty="0"/>
+          </a:p>
+        </p:txBody>
+      </p:sp>
       <mc:AlternateContent xmlns:mc="http://schemas.openxmlformats.org/markup-compatibility/2006">
         <mc:Choice xmlns:a14="http://schemas.microsoft.com/office/drawing/2010/main" Requires="a14">
           <p:sp>
             <p:nvSpPr>
-              <p:cNvPr id="24" name="TextBox 23">
+              <p:cNvPr id="14" name="TextBox 13">
                 <a:extLst>
                   <a:ext uri="{FF2B5EF4-FFF2-40B4-BE49-F238E27FC236}">
-                    <a16:creationId xmlns:a16="http://schemas.microsoft.com/office/drawing/2014/main" id="{9D61E005-9DE3-2F6A-4074-FA6D9B17C6DD}"/>
+                    <a16:creationId xmlns:a16="http://schemas.microsoft.com/office/drawing/2014/main" id="{2ADBA94B-453A-D727-1C9E-ABF1B5A34D2A}"/>
                   </a:ext>
                 </a:extLst>
               </p:cNvPr>
@@ -12408,8 +12622,8 @@
             </p:nvSpPr>
             <p:spPr>
               <a:xfrm>
-                <a:off x="8809981" y="1062306"/>
-                <a:ext cx="622350" cy="249299"/>
+                <a:off x="6221096" y="3628003"/>
+                <a:ext cx="2240293" cy="1010790"/>
               </a:xfrm>
               <a:prstGeom prst="rect">
                 <a:avLst/>
@@ -12417,12 +12631,12 @@
               <a:noFill/>
             </p:spPr>
             <p:txBody>
-              <a:bodyPr wrap="none" lIns="0" tIns="0" rIns="0" bIns="0" rtlCol="0">
+              <a:bodyPr wrap="none" rtlCol="0">
                 <a:spAutoFit/>
               </a:bodyPr>
               <a:lstStyle/>
               <a:p>
-                <a:pPr algn="l">
+                <a:pPr>
                   <a:lnSpc>
                     <a:spcPct val="90000"/>
                   </a:lnSpc>
@@ -12433,49 +12647,232 @@
                       <m:jc m:val="centerGroup"/>
                     </m:oMathParaPr>
                     <m:oMath xmlns:m="http://schemas.openxmlformats.org/officeDocument/2006/math">
-                      <m:sSub>
-                        <m:sSubPr>
+                      <m:d>
+                        <m:dPr>
+                          <m:begChr m:val="["/>
+                          <m:endChr m:val="]"/>
                           <m:ctrlPr>
-                            <a:rPr lang="en-US" b="0" i="1" smtClean="0">
+                            <a:rPr lang="en-US" b="0" smtClean="0">
                               <a:latin typeface="Cambria Math" panose="02040503050406030204" pitchFamily="18" charset="0"/>
                             </a:rPr>
                           </m:ctrlPr>
-                        </m:sSubPr>
+                        </m:dPr>
                         <m:e>
-                          <m:r>
-                            <a:rPr lang="en-US" b="0" i="1" smtClean="0">
-                              <a:latin typeface="Cambria Math" panose="02040503050406030204" pitchFamily="18" charset="0"/>
-                            </a:rPr>
-                            <m:t>𝑃</m:t>
-                          </m:r>
+                          <m:m>
+                            <m:mPr>
+                              <m:mcs>
+                                <m:mc>
+                                  <m:mcPr>
+                                    <m:count m:val="1"/>
+                                    <m:mcJc m:val="center"/>
+                                  </m:mcPr>
+                                </m:mc>
+                              </m:mcs>
+                              <m:ctrlPr>
+                                <a:rPr lang="en-US" b="0" smtClean="0">
+                                  <a:latin typeface="Cambria Math" panose="02040503050406030204" pitchFamily="18" charset="0"/>
+                                </a:rPr>
+                              </m:ctrlPr>
+                            </m:mPr>
+                            <m:mr>
+                              <m:e>
+                                <m:r>
+                                  <m:rPr>
+                                    <m:sty m:val="p"/>
+                                  </m:rPr>
+                                  <a:rPr lang="en-US" i="0">
+                                    <a:latin typeface="Cambria Math" panose="02040503050406030204" pitchFamily="18" charset="0"/>
+                                  </a:rPr>
+                                  <m:t>Diesel</m:t>
+                                </m:r>
+                                <m:r>
+                                  <a:rPr lang="en-US" i="0">
+                                    <a:latin typeface="Cambria Math" panose="02040503050406030204" pitchFamily="18" charset="0"/>
+                                  </a:rPr>
+                                  <m:t>_</m:t>
+                                </m:r>
+                                <m:r>
+                                  <m:rPr>
+                                    <m:sty m:val="p"/>
+                                  </m:rPr>
+                                  <a:rPr lang="en-US" i="0">
+                                    <a:latin typeface="Cambria Math" panose="02040503050406030204" pitchFamily="18" charset="0"/>
+                                  </a:rPr>
+                                  <m:t>SOI</m:t>
+                                </m:r>
+                                <m:r>
+                                  <a:rPr lang="en-US" i="0">
+                                    <a:latin typeface="Cambria Math" panose="02040503050406030204" pitchFamily="18" charset="0"/>
+                                  </a:rPr>
+                                  <m:t>_</m:t>
+                                </m:r>
+                                <m:r>
+                                  <m:rPr>
+                                    <m:sty m:val="p"/>
+                                  </m:rPr>
+                                  <a:rPr lang="en-US" i="0">
+                                    <a:latin typeface="Cambria Math" panose="02040503050406030204" pitchFamily="18" charset="0"/>
+                                  </a:rPr>
+                                  <m:t>FF</m:t>
+                                </m:r>
+                                <m:r>
+                                  <a:rPr lang="en-US" i="0">
+                                    <a:latin typeface="Cambria Math" panose="02040503050406030204" pitchFamily="18" charset="0"/>
+                                  </a:rPr>
+                                  <m:t> </m:t>
+                                </m:r>
+                              </m:e>
+                            </m:mr>
+                            <m:mr>
+                              <m:e>
+                                <m:r>
+                                  <m:rPr>
+                                    <m:sty m:val="p"/>
+                                  </m:rPr>
+                                  <a:rPr lang="en-US" i="0">
+                                    <a:latin typeface="Cambria Math" panose="02040503050406030204" pitchFamily="18" charset="0"/>
+                                  </a:rPr>
+                                  <m:t>Diesel</m:t>
+                                </m:r>
+                                <m:r>
+                                  <a:rPr lang="en-US" i="0">
+                                    <a:latin typeface="Cambria Math" panose="02040503050406030204" pitchFamily="18" charset="0"/>
+                                  </a:rPr>
+                                  <m:t>_</m:t>
+                                </m:r>
+                                <m:r>
+                                  <m:rPr>
+                                    <m:sty m:val="p"/>
+                                  </m:rPr>
+                                  <a:rPr lang="en-US" i="0">
+                                    <a:latin typeface="Cambria Math" panose="02040503050406030204" pitchFamily="18" charset="0"/>
+                                  </a:rPr>
+                                  <m:t>fuel</m:t>
+                                </m:r>
+                                <m:r>
+                                  <a:rPr lang="en-US" i="0">
+                                    <a:latin typeface="Cambria Math" panose="02040503050406030204" pitchFamily="18" charset="0"/>
+                                  </a:rPr>
+                                  <m:t>_</m:t>
+                                </m:r>
+                                <m:r>
+                                  <m:rPr>
+                                    <m:sty m:val="p"/>
+                                  </m:rPr>
+                                  <a:rPr lang="en-US" i="0">
+                                    <a:latin typeface="Cambria Math" panose="02040503050406030204" pitchFamily="18" charset="0"/>
+                                  </a:rPr>
+                                  <m:t>FF</m:t>
+                                </m:r>
+                                <m:r>
+                                  <a:rPr lang="en-US" i="0">
+                                    <a:latin typeface="Cambria Math" panose="02040503050406030204" pitchFamily="18" charset="0"/>
+                                  </a:rPr>
+                                  <m:t> </m:t>
+                                </m:r>
+                              </m:e>
+                            </m:mr>
+                            <m:mr>
+                              <m:e>
+                                <m:r>
+                                  <m:rPr>
+                                    <m:sty m:val="p"/>
+                                  </m:rPr>
+                                  <a:rPr lang="en-US" i="0">
+                                    <a:latin typeface="Cambria Math" panose="02040503050406030204" pitchFamily="18" charset="0"/>
+                                  </a:rPr>
+                                  <m:t>Ammonia</m:t>
+                                </m:r>
+                                <m:r>
+                                  <a:rPr lang="en-US" i="0">
+                                    <a:latin typeface="Cambria Math" panose="02040503050406030204" pitchFamily="18" charset="0"/>
+                                  </a:rPr>
+                                  <m:t>_</m:t>
+                                </m:r>
+                                <m:r>
+                                  <m:rPr>
+                                    <m:sty m:val="p"/>
+                                  </m:rPr>
+                                  <a:rPr lang="en-US" i="0">
+                                    <a:latin typeface="Cambria Math" panose="02040503050406030204" pitchFamily="18" charset="0"/>
+                                  </a:rPr>
+                                  <m:t>fuel</m:t>
+                                </m:r>
+                                <m:r>
+                                  <a:rPr lang="en-US" i="0">
+                                    <a:latin typeface="Cambria Math" panose="02040503050406030204" pitchFamily="18" charset="0"/>
+                                  </a:rPr>
+                                  <m:t>_</m:t>
+                                </m:r>
+                                <m:r>
+                                  <m:rPr>
+                                    <m:sty m:val="p"/>
+                                  </m:rPr>
+                                  <a:rPr lang="en-US" i="0">
+                                    <a:latin typeface="Cambria Math" panose="02040503050406030204" pitchFamily="18" charset="0"/>
+                                  </a:rPr>
+                                  <m:t>FF</m:t>
+                                </m:r>
+                                <m:r>
+                                  <a:rPr lang="en-US" i="0">
+                                    <a:latin typeface="Cambria Math" panose="02040503050406030204" pitchFamily="18" charset="0"/>
+                                  </a:rPr>
+                                  <m:t> </m:t>
+                                </m:r>
+                              </m:e>
+                            </m:mr>
+                            <m:mr>
+                              <m:e>
+                                <m:r>
+                                  <m:rPr>
+                                    <m:sty m:val="p"/>
+                                  </m:rPr>
+                                  <a:rPr lang="en-US" i="0">
+                                    <a:latin typeface="Cambria Math" panose="02040503050406030204" pitchFamily="18" charset="0"/>
+                                  </a:rPr>
+                                  <m:t>Fresh</m:t>
+                                </m:r>
+                                <m:r>
+                                  <a:rPr lang="en-US" i="0">
+                                    <a:latin typeface="Cambria Math" panose="02040503050406030204" pitchFamily="18" charset="0"/>
+                                  </a:rPr>
+                                  <m:t>_</m:t>
+                                </m:r>
+                                <m:r>
+                                  <m:rPr>
+                                    <m:sty m:val="p"/>
+                                  </m:rPr>
+                                  <a:rPr lang="en-US" i="0">
+                                    <a:latin typeface="Cambria Math" panose="02040503050406030204" pitchFamily="18" charset="0"/>
+                                  </a:rPr>
+                                  <m:t>air</m:t>
+                                </m:r>
+                                <m:r>
+                                  <a:rPr lang="en-US" i="0">
+                                    <a:latin typeface="Cambria Math" panose="02040503050406030204" pitchFamily="18" charset="0"/>
+                                  </a:rPr>
+                                  <m:t>_</m:t>
+                                </m:r>
+                                <m:r>
+                                  <m:rPr>
+                                    <m:sty m:val="p"/>
+                                  </m:rPr>
+                                  <a:rPr lang="en-US" i="0">
+                                    <a:latin typeface="Cambria Math" panose="02040503050406030204" pitchFamily="18" charset="0"/>
+                                  </a:rPr>
+                                  <m:t>FF</m:t>
+                                </m:r>
+                                <m:r>
+                                  <a:rPr lang="en-US" i="0">
+                                    <a:latin typeface="Cambria Math" panose="02040503050406030204" pitchFamily="18" charset="0"/>
+                                  </a:rPr>
+                                  <m:t> </m:t>
+                                </m:r>
+                              </m:e>
+                            </m:mr>
+                          </m:m>
                         </m:e>
-                        <m:sub>
-                          <m:r>
-                            <a:rPr lang="en-US" b="0" i="1" smtClean="0">
-                              <a:latin typeface="Cambria Math" panose="02040503050406030204" pitchFamily="18" charset="0"/>
-                            </a:rPr>
-                            <m:t>𝜃</m:t>
-                          </m:r>
-                        </m:sub>
-                      </m:sSub>
-                      <m:r>
-                        <a:rPr lang="en-US" b="0" i="1" smtClean="0">
-                          <a:latin typeface="Cambria Math" panose="02040503050406030204" pitchFamily="18" charset="0"/>
-                        </a:rPr>
-                        <m:t>[</m:t>
-                      </m:r>
-                      <m:r>
-                        <a:rPr lang="en-US" b="0" i="1" smtClean="0">
-                          <a:latin typeface="Cambria Math" panose="02040503050406030204" pitchFamily="18" charset="0"/>
-                        </a:rPr>
-                        <m:t>𝑘</m:t>
-                      </m:r>
-                      <m:r>
-                        <a:rPr lang="en-US" b="0" i="1" smtClean="0">
-                          <a:latin typeface="Cambria Math" panose="02040503050406030204" pitchFamily="18" charset="0"/>
-                        </a:rPr>
-                        <m:t>]</m:t>
-                      </m:r>
+                      </m:d>
                     </m:oMath>
                   </m:oMathPara>
                 </a14:m>
@@ -12489,10 +12886,10 @@
         <mc:Fallback>
           <p:sp>
             <p:nvSpPr>
-              <p:cNvPr id="24" name="TextBox 23">
+              <p:cNvPr id="14" name="TextBox 13">
                 <a:extLst>
                   <a:ext uri="{FF2B5EF4-FFF2-40B4-BE49-F238E27FC236}">
-                    <a16:creationId xmlns:a16="http://schemas.microsoft.com/office/drawing/2014/main" id="{9D61E005-9DE3-2F6A-4074-FA6D9B17C6DD}"/>
+                    <a16:creationId xmlns:a16="http://schemas.microsoft.com/office/drawing/2014/main" id="{2ADBA94B-453A-D727-1C9E-ABF1B5A34D2A}"/>
                   </a:ext>
                 </a:extLst>
               </p:cNvPr>
@@ -12503,16 +12900,16 @@
             </p:nvSpPr>
             <p:spPr>
               <a:xfrm>
-                <a:off x="8809981" y="1062306"/>
-                <a:ext cx="622350" cy="249299"/>
+                <a:off x="6221096" y="3628003"/>
+                <a:ext cx="2240293" cy="1010790"/>
               </a:xfrm>
               <a:prstGeom prst="rect">
                 <a:avLst/>
               </a:prstGeom>
               <a:blipFill>
-                <a:blip r:embed="rId5"/>
+                <a:blip r:embed="rId3"/>
                 <a:stretch>
-                  <a:fillRect l="-6000" t="-9524" r="-12000" b="-38095"/>
+                  <a:fillRect t="-7407" b="-12346"/>
                 </a:stretch>
               </a:blipFill>
             </p:spPr>
@@ -12535,10 +12932,10 @@
         <mc:Choice xmlns:a14="http://schemas.microsoft.com/office/drawing/2010/main" Requires="a14">
           <p:sp>
             <p:nvSpPr>
-              <p:cNvPr id="25" name="TextBox 24">
+              <p:cNvPr id="17" name="TextBox 16">
                 <a:extLst>
                   <a:ext uri="{FF2B5EF4-FFF2-40B4-BE49-F238E27FC236}">
-                    <a16:creationId xmlns:a16="http://schemas.microsoft.com/office/drawing/2014/main" id="{6A24A5AF-E4BF-2961-D801-59E7751765F9}"/>
+                    <a16:creationId xmlns:a16="http://schemas.microsoft.com/office/drawing/2014/main" id="{87FA5218-BFA6-DD86-DF81-55C5CA83B0FF}"/>
                   </a:ext>
                 </a:extLst>
               </p:cNvPr>
@@ -12547,8 +12944,8 @@
             </p:nvSpPr>
             <p:spPr>
               <a:xfrm>
-                <a:off x="7133240" y="3062674"/>
-                <a:ext cx="982257" cy="269626"/>
+                <a:off x="9358324" y="1413236"/>
+                <a:ext cx="2169505" cy="513154"/>
               </a:xfrm>
               <a:prstGeom prst="rect">
                 <a:avLst/>
@@ -12556,7 +12953,7 @@
               <a:noFill/>
             </p:spPr>
             <p:txBody>
-              <a:bodyPr wrap="none" lIns="0" tIns="0" rIns="0" bIns="0" rtlCol="0">
+              <a:bodyPr wrap="none" rtlCol="0">
                 <a:spAutoFit/>
               </a:bodyPr>
               <a:lstStyle/>
@@ -12572,49 +12969,144 @@
                       <m:jc m:val="centerGroup"/>
                     </m:oMathParaPr>
                     <m:oMath xmlns:m="http://schemas.openxmlformats.org/officeDocument/2006/math">
-                      <m:sSub>
-                        <m:sSubPr>
+                      <m:d>
+                        <m:dPr>
+                          <m:begChr m:val="["/>
+                          <m:endChr m:val="]"/>
                           <m:ctrlPr>
-                            <a:rPr lang="en-US" b="0" i="1" smtClean="0">
+                            <a:rPr lang="en-US" smtClean="0">
                               <a:latin typeface="Cambria Math" panose="02040503050406030204" pitchFamily="18" charset="0"/>
                             </a:rPr>
                           </m:ctrlPr>
-                        </m:sSubPr>
+                        </m:dPr>
                         <m:e>
-                          <m:r>
-                            <a:rPr lang="en-US" b="0" i="1" smtClean="0">
-                              <a:latin typeface="Cambria Math" panose="02040503050406030204" pitchFamily="18" charset="0"/>
-                            </a:rPr>
-                            <m:t>𝑄</m:t>
-                          </m:r>
+                          <m:m>
+                            <m:mPr>
+                              <m:mcs>
+                                <m:mc>
+                                  <m:mcPr>
+                                    <m:count m:val="1"/>
+                                    <m:mcJc m:val="center"/>
+                                  </m:mcPr>
+                                </m:mc>
+                              </m:mcs>
+                              <m:ctrlPr>
+                                <a:rPr lang="en-US" smtClean="0">
+                                  <a:latin typeface="Cambria Math" panose="02040503050406030204" pitchFamily="18" charset="0"/>
+                                </a:rPr>
+                              </m:ctrlPr>
+                            </m:mPr>
+                            <m:mr>
+                              <m:e>
+                                <m:r>
+                                  <m:rPr>
+                                    <m:sty m:val="p"/>
+                                    <m:brk m:alnAt="7"/>
+                                  </m:rPr>
+                                  <a:rPr lang="en-US" i="0">
+                                    <a:latin typeface="Cambria Math" panose="02040503050406030204" pitchFamily="18" charset="0"/>
+                                  </a:rPr>
+                                  <m:t>D</m:t>
+                                </m:r>
+                                <m:r>
+                                  <m:rPr>
+                                    <m:sty m:val="p"/>
+                                  </m:rPr>
+                                  <a:rPr lang="en-US" i="0">
+                                    <a:latin typeface="Cambria Math" panose="02040503050406030204" pitchFamily="18" charset="0"/>
+                                  </a:rPr>
+                                  <m:t>iesel</m:t>
+                                </m:r>
+                                <m:r>
+                                  <a:rPr lang="en-US" i="0">
+                                    <a:latin typeface="Cambria Math" panose="02040503050406030204" pitchFamily="18" charset="0"/>
+                                  </a:rPr>
+                                  <m:t>_</m:t>
+                                </m:r>
+                                <m:r>
+                                  <m:rPr>
+                                    <m:sty m:val="p"/>
+                                  </m:rPr>
+                                  <a:rPr lang="en-US" i="0">
+                                    <a:latin typeface="Cambria Math" panose="02040503050406030204" pitchFamily="18" charset="0"/>
+                                  </a:rPr>
+                                  <m:t>SOI</m:t>
+                                </m:r>
+                                <m:r>
+                                  <a:rPr lang="en-US" i="0">
+                                    <a:latin typeface="Cambria Math" panose="02040503050406030204" pitchFamily="18" charset="0"/>
+                                  </a:rPr>
+                                  <m:t>_</m:t>
+                                </m:r>
+                                <m:r>
+                                  <m:rPr>
+                                    <m:sty m:val="p"/>
+                                  </m:rPr>
+                                  <a:rPr lang="en-US" i="0">
+                                    <a:latin typeface="Cambria Math" panose="02040503050406030204" pitchFamily="18" charset="0"/>
+                                  </a:rPr>
+                                  <m:t>EONS</m:t>
+                                </m:r>
+                                <m:r>
+                                  <a:rPr lang="en-US" i="0">
+                                    <a:latin typeface="Cambria Math" panose="02040503050406030204" pitchFamily="18" charset="0"/>
+                                  </a:rPr>
+                                  <m:t> </m:t>
+                                </m:r>
+                              </m:e>
+                            </m:mr>
+                            <m:mr>
+                              <m:e>
+                                <m:r>
+                                  <m:rPr>
+                                    <m:sty m:val="p"/>
+                                  </m:rPr>
+                                  <a:rPr lang="en-US" i="0">
+                                    <a:latin typeface="Cambria Math" panose="02040503050406030204" pitchFamily="18" charset="0"/>
+                                  </a:rPr>
+                                  <m:t>Diesel</m:t>
+                                </m:r>
+                                <m:r>
+                                  <a:rPr lang="en-US" i="0">
+                                    <a:latin typeface="Cambria Math" panose="02040503050406030204" pitchFamily="18" charset="0"/>
+                                  </a:rPr>
+                                  <m:t>_</m:t>
+                                </m:r>
+                                <m:r>
+                                  <m:rPr>
+                                    <m:sty m:val="p"/>
+                                  </m:rPr>
+                                  <a:rPr lang="en-US" i="0">
+                                    <a:latin typeface="Cambria Math" panose="02040503050406030204" pitchFamily="18" charset="0"/>
+                                  </a:rPr>
+                                  <m:t>fuel</m:t>
+                                </m:r>
+                                <m:r>
+                                  <a:rPr lang="en-US" i="0">
+                                    <a:latin typeface="Cambria Math" panose="02040503050406030204" pitchFamily="18" charset="0"/>
+                                  </a:rPr>
+                                  <m:t>_</m:t>
+                                </m:r>
+                                <m:r>
+                                  <m:rPr>
+                                    <m:sty m:val="p"/>
+                                  </m:rPr>
+                                  <a:rPr lang="en-US" i="0">
+                                    <a:latin typeface="Cambria Math" panose="02040503050406030204" pitchFamily="18" charset="0"/>
+                                  </a:rPr>
+                                  <m:t>EONS</m:t>
+                                </m:r>
+                                <m:r>
+                                  <a:rPr lang="en-US" i="0">
+                                    <a:latin typeface="Cambria Math" panose="02040503050406030204" pitchFamily="18" charset="0"/>
+                                  </a:rPr>
+                                  <m:t> </m:t>
+                                </m:r>
+                              </m:e>
+                            </m:mr>
+                          </m:m>
                         </m:e>
-                        <m:sub>
-                          <m:r>
-                            <a:rPr lang="en-US" b="0" i="1" smtClean="0">
-                              <a:latin typeface="Cambria Math" panose="02040503050406030204" pitchFamily="18" charset="0"/>
-                            </a:rPr>
-                            <m:t>𝑔𝑟𝑜𝑠𝑠</m:t>
-                          </m:r>
-                        </m:sub>
-                      </m:sSub>
-                      <m:r>
-                        <a:rPr lang="en-US" b="0" i="1" smtClean="0">
-                          <a:latin typeface="Cambria Math" panose="02040503050406030204" pitchFamily="18" charset="0"/>
-                        </a:rPr>
-                        <m:t>[</m:t>
-                      </m:r>
-                      <m:r>
-                        <a:rPr lang="en-US" b="0" i="1" smtClean="0">
-                          <a:latin typeface="Cambria Math" panose="02040503050406030204" pitchFamily="18" charset="0"/>
-                        </a:rPr>
-                        <m:t>𝑘</m:t>
-                      </m:r>
-                      <m:r>
-                        <a:rPr lang="en-US" b="0" i="1" smtClean="0">
-                          <a:latin typeface="Cambria Math" panose="02040503050406030204" pitchFamily="18" charset="0"/>
-                        </a:rPr>
-                        <m:t>]</m:t>
-                      </m:r>
+                      </m:d>
                     </m:oMath>
                   </m:oMathPara>
                 </a14:m>
@@ -12628,10 +13120,10 @@
         <mc:Fallback>
           <p:sp>
             <p:nvSpPr>
-              <p:cNvPr id="25" name="TextBox 24">
+              <p:cNvPr id="17" name="TextBox 16">
                 <a:extLst>
                   <a:ext uri="{FF2B5EF4-FFF2-40B4-BE49-F238E27FC236}">
-                    <a16:creationId xmlns:a16="http://schemas.microsoft.com/office/drawing/2014/main" id="{6A24A5AF-E4BF-2961-D801-59E7751765F9}"/>
+                    <a16:creationId xmlns:a16="http://schemas.microsoft.com/office/drawing/2014/main" id="{87FA5218-BFA6-DD86-DF81-55C5CA83B0FF}"/>
                   </a:ext>
                 </a:extLst>
               </p:cNvPr>
@@ -12642,16 +13134,16 @@
             </p:nvSpPr>
             <p:spPr>
               <a:xfrm>
-                <a:off x="7133240" y="3062674"/>
-                <a:ext cx="982257" cy="269626"/>
+                <a:off x="9358324" y="1413236"/>
+                <a:ext cx="2169505" cy="513154"/>
               </a:xfrm>
               <a:prstGeom prst="rect">
                 <a:avLst/>
               </a:prstGeom>
               <a:blipFill>
-                <a:blip r:embed="rId6"/>
+                <a:blip r:embed="rId4"/>
                 <a:stretch>
-                  <a:fillRect l="-6410" t="-8696" r="-7692" b="-26087"/>
+                  <a:fillRect t="-7317" b="-24390"/>
                 </a:stretch>
               </a:blipFill>
             </p:spPr>
@@ -12670,61 +13162,515 @@
           </p:sp>
         </mc:Fallback>
       </mc:AlternateContent>
-      <p:pic>
-        <p:nvPicPr>
-          <p:cNvPr id="27" name="Picture 26">
+      <mc:AlternateContent xmlns:mc="http://schemas.openxmlformats.org/markup-compatibility/2006">
+        <mc:Choice xmlns:a14="http://schemas.microsoft.com/office/drawing/2010/main" Requires="a14">
+          <p:sp>
+            <p:nvSpPr>
+              <p:cNvPr id="20" name="TextBox 19">
+                <a:extLst>
+                  <a:ext uri="{FF2B5EF4-FFF2-40B4-BE49-F238E27FC236}">
+                    <a16:creationId xmlns:a16="http://schemas.microsoft.com/office/drawing/2014/main" id="{64406ED7-1C48-F8B4-83B6-F93D5EC7097D}"/>
+                  </a:ext>
+                </a:extLst>
+              </p:cNvPr>
+              <p:cNvSpPr txBox="1"/>
+              <p:nvPr/>
+            </p:nvSpPr>
+            <p:spPr>
+              <a:xfrm>
+                <a:off x="9961325" y="3628003"/>
+                <a:ext cx="2230675" cy="1010790"/>
+              </a:xfrm>
+              <a:prstGeom prst="rect">
+                <a:avLst/>
+              </a:prstGeom>
+              <a:noFill/>
+            </p:spPr>
+            <p:txBody>
+              <a:bodyPr wrap="none" rtlCol="0">
+                <a:spAutoFit/>
+              </a:bodyPr>
+              <a:lstStyle/>
+              <a:p>
+                <a:pPr>
+                  <a:lnSpc>
+                    <a:spcPct val="90000"/>
+                  </a:lnSpc>
+                </a:pPr>
+                <a14:m>
+                  <m:oMathPara xmlns:m="http://schemas.openxmlformats.org/officeDocument/2006/math">
+                    <m:oMathParaPr>
+                      <m:jc m:val="centerGroup"/>
+                    </m:oMathParaPr>
+                    <m:oMath xmlns:m="http://schemas.openxmlformats.org/officeDocument/2006/math">
+                      <m:d>
+                        <m:dPr>
+                          <m:begChr m:val="["/>
+                          <m:endChr m:val="]"/>
+                          <m:ctrlPr>
+                            <a:rPr lang="en-US" b="0" smtClean="0">
+                              <a:latin typeface="Cambria Math" panose="02040503050406030204" pitchFamily="18" charset="0"/>
+                            </a:rPr>
+                          </m:ctrlPr>
+                        </m:dPr>
+                        <m:e>
+                          <m:m>
+                            <m:mPr>
+                              <m:mcs>
+                                <m:mc>
+                                  <m:mcPr>
+                                    <m:count m:val="1"/>
+                                    <m:mcJc m:val="center"/>
+                                  </m:mcPr>
+                                </m:mc>
+                              </m:mcs>
+                              <m:ctrlPr>
+                                <a:rPr lang="en-US" b="0" smtClean="0">
+                                  <a:latin typeface="Cambria Math" panose="02040503050406030204" pitchFamily="18" charset="0"/>
+                                </a:rPr>
+                              </m:ctrlPr>
+                            </m:mPr>
+                            <m:mr>
+                              <m:e>
+                                <m:r>
+                                  <m:rPr>
+                                    <m:sty m:val="p"/>
+                                  </m:rPr>
+                                  <a:rPr lang="en-US" i="0">
+                                    <a:latin typeface="Cambria Math" panose="02040503050406030204" pitchFamily="18" charset="0"/>
+                                  </a:rPr>
+                                  <m:t>M</m:t>
+                                </m:r>
+                                <m:r>
+                                  <a:rPr lang="en-US" i="0">
+                                    <a:latin typeface="Cambria Math" panose="02040503050406030204" pitchFamily="18" charset="0"/>
+                                  </a:rPr>
+                                  <m:t>_</m:t>
+                                </m:r>
+                                <m:r>
+                                  <m:rPr>
+                                    <m:sty m:val="p"/>
+                                  </m:rPr>
+                                  <a:rPr lang="en-US" i="0">
+                                    <a:latin typeface="Cambria Math" panose="02040503050406030204" pitchFamily="18" charset="0"/>
+                                  </a:rPr>
+                                  <m:t>fuel</m:t>
+                                </m:r>
+                                <m:r>
+                                  <a:rPr lang="en-US" i="0">
+                                    <a:latin typeface="Cambria Math" panose="02040503050406030204" pitchFamily="18" charset="0"/>
+                                  </a:rPr>
+                                  <m:t>_</m:t>
+                                </m:r>
+                                <m:r>
+                                  <m:rPr>
+                                    <m:sty m:val="p"/>
+                                  </m:rPr>
+                                  <a:rPr lang="en-US" i="0">
+                                    <a:latin typeface="Cambria Math" panose="02040503050406030204" pitchFamily="18" charset="0"/>
+                                  </a:rPr>
+                                  <m:t>scaled</m:t>
+                                </m:r>
+                                <m:r>
+                                  <a:rPr lang="en-US" i="0">
+                                    <a:latin typeface="Cambria Math" panose="02040503050406030204" pitchFamily="18" charset="0"/>
+                                  </a:rPr>
+                                  <m:t>_</m:t>
+                                </m:r>
+                                <m:r>
+                                  <m:rPr>
+                                    <m:sty m:val="p"/>
+                                  </m:rPr>
+                                  <a:rPr lang="en-US" i="0">
+                                    <a:latin typeface="Cambria Math" panose="02040503050406030204" pitchFamily="18" charset="0"/>
+                                  </a:rPr>
+                                  <m:t>sim</m:t>
+                                </m:r>
+                              </m:e>
+                            </m:mr>
+                            <m:mr>
+                              <m:e>
+                                <m:r>
+                                  <m:rPr>
+                                    <m:sty m:val="p"/>
+                                  </m:rPr>
+                                  <a:rPr lang="en-US" i="0">
+                                    <a:latin typeface="Cambria Math" panose="02040503050406030204" pitchFamily="18" charset="0"/>
+                                  </a:rPr>
+                                  <m:t>M</m:t>
+                                </m:r>
+                                <m:r>
+                                  <a:rPr lang="en-US" i="0">
+                                    <a:latin typeface="Cambria Math" panose="02040503050406030204" pitchFamily="18" charset="0"/>
+                                  </a:rPr>
+                                  <m:t>_</m:t>
+                                </m:r>
+                                <m:r>
+                                  <m:rPr>
+                                    <m:sty m:val="p"/>
+                                  </m:rPr>
+                                  <a:rPr lang="en-US" b="0" i="0" smtClean="0">
+                                    <a:latin typeface="Cambria Math" panose="02040503050406030204" pitchFamily="18" charset="0"/>
+                                  </a:rPr>
+                                  <m:t>air</m:t>
+                                </m:r>
+                                <m:r>
+                                  <a:rPr lang="en-US" i="0">
+                                    <a:latin typeface="Cambria Math" panose="02040503050406030204" pitchFamily="18" charset="0"/>
+                                  </a:rPr>
+                                  <m:t>_</m:t>
+                                </m:r>
+                                <m:r>
+                                  <m:rPr>
+                                    <m:sty m:val="p"/>
+                                  </m:rPr>
+                                  <a:rPr lang="en-US" i="0">
+                                    <a:latin typeface="Cambria Math" panose="02040503050406030204" pitchFamily="18" charset="0"/>
+                                  </a:rPr>
+                                  <m:t>scaled</m:t>
+                                </m:r>
+                                <m:r>
+                                  <a:rPr lang="en-US" i="0">
+                                    <a:latin typeface="Cambria Math" panose="02040503050406030204" pitchFamily="18" charset="0"/>
+                                  </a:rPr>
+                                  <m:t>_</m:t>
+                                </m:r>
+                                <m:r>
+                                  <m:rPr>
+                                    <m:sty m:val="p"/>
+                                  </m:rPr>
+                                  <a:rPr lang="en-US" i="0">
+                                    <a:latin typeface="Cambria Math" panose="02040503050406030204" pitchFamily="18" charset="0"/>
+                                  </a:rPr>
+                                  <m:t>sim</m:t>
+                                </m:r>
+                              </m:e>
+                            </m:mr>
+                            <m:mr>
+                              <m:e>
+                                <m:r>
+                                  <m:rPr>
+                                    <m:sty m:val="p"/>
+                                  </m:rPr>
+                                  <a:rPr lang="en-US" i="0">
+                                    <a:latin typeface="Cambria Math" panose="02040503050406030204" pitchFamily="18" charset="0"/>
+                                  </a:rPr>
+                                  <m:t>CA</m:t>
+                                </m:r>
+                                <m:r>
+                                  <a:rPr lang="en-US" i="0">
+                                    <a:latin typeface="Cambria Math" panose="02040503050406030204" pitchFamily="18" charset="0"/>
+                                  </a:rPr>
+                                  <m:t>50_</m:t>
+                                </m:r>
+                                <m:r>
+                                  <m:rPr>
+                                    <m:sty m:val="p"/>
+                                  </m:rPr>
+                                  <a:rPr lang="en-US" i="0">
+                                    <a:latin typeface="Cambria Math" panose="02040503050406030204" pitchFamily="18" charset="0"/>
+                                  </a:rPr>
+                                  <m:t>scaled</m:t>
+                                </m:r>
+                                <m:r>
+                                  <a:rPr lang="en-US" i="0">
+                                    <a:latin typeface="Cambria Math" panose="02040503050406030204" pitchFamily="18" charset="0"/>
+                                  </a:rPr>
+                                  <m:t>_</m:t>
+                                </m:r>
+                                <m:r>
+                                  <m:rPr>
+                                    <m:sty m:val="p"/>
+                                  </m:rPr>
+                                  <a:rPr lang="en-US" i="0">
+                                    <a:latin typeface="Cambria Math" panose="02040503050406030204" pitchFamily="18" charset="0"/>
+                                  </a:rPr>
+                                  <m:t>sim</m:t>
+                                </m:r>
+                              </m:e>
+                            </m:mr>
+                            <m:mr>
+                              <m:e>
+                                <m:r>
+                                  <m:rPr>
+                                    <m:sty m:val="p"/>
+                                  </m:rPr>
+                                  <a:rPr lang="en-US" i="0">
+                                    <a:latin typeface="Cambria Math" panose="02040503050406030204" pitchFamily="18" charset="0"/>
+                                  </a:rPr>
+                                  <m:t>cost</m:t>
+                                </m:r>
+                                <m:r>
+                                  <a:rPr lang="en-US" i="0">
+                                    <a:latin typeface="Cambria Math" panose="02040503050406030204" pitchFamily="18" charset="0"/>
+                                  </a:rPr>
+                                  <m:t>_</m:t>
+                                </m:r>
+                                <m:r>
+                                  <m:rPr>
+                                    <m:sty m:val="p"/>
+                                  </m:rPr>
+                                  <a:rPr lang="en-US" i="0">
+                                    <a:latin typeface="Cambria Math" panose="02040503050406030204" pitchFamily="18" charset="0"/>
+                                  </a:rPr>
+                                  <m:t>c</m:t>
+                                </m:r>
+                                <m:r>
+                                  <a:rPr lang="en-US" i="0">
+                                    <a:latin typeface="Cambria Math" panose="02040503050406030204" pitchFamily="18" charset="0"/>
+                                  </a:rPr>
+                                  <m:t>_</m:t>
+                                </m:r>
+                                <m:r>
+                                  <m:rPr>
+                                    <m:sty m:val="p"/>
+                                  </m:rPr>
+                                  <a:rPr lang="en-US" i="0">
+                                    <a:latin typeface="Cambria Math" panose="02040503050406030204" pitchFamily="18" charset="0"/>
+                                  </a:rPr>
+                                  <m:t>sim</m:t>
+                                </m:r>
+                              </m:e>
+                            </m:mr>
+                          </m:m>
+                        </m:e>
+                      </m:d>
+                    </m:oMath>
+                  </m:oMathPara>
+                </a14:m>
+                <a:endParaRPr lang="en-US" dirty="0">
+                  <a:latin typeface="+mn-lt"/>
+                </a:endParaRPr>
+              </a:p>
+            </p:txBody>
+          </p:sp>
+        </mc:Choice>
+        <mc:Fallback>
+          <p:sp>
+            <p:nvSpPr>
+              <p:cNvPr id="20" name="TextBox 19">
+                <a:extLst>
+                  <a:ext uri="{FF2B5EF4-FFF2-40B4-BE49-F238E27FC236}">
+                    <a16:creationId xmlns:a16="http://schemas.microsoft.com/office/drawing/2014/main" id="{64406ED7-1C48-F8B4-83B6-F93D5EC7097D}"/>
+                  </a:ext>
+                </a:extLst>
+              </p:cNvPr>
+              <p:cNvSpPr txBox="1">
+                <a:spLocks noRot="1" noChangeAspect="1" noMove="1" noResize="1" noEditPoints="1" noAdjustHandles="1" noChangeArrowheads="1" noChangeShapeType="1" noTextEdit="1"/>
+              </p:cNvSpPr>
+              <p:nvPr/>
+            </p:nvSpPr>
+            <p:spPr>
+              <a:xfrm>
+                <a:off x="9961325" y="3628003"/>
+                <a:ext cx="2230675" cy="1010790"/>
+              </a:xfrm>
+              <a:prstGeom prst="rect">
+                <a:avLst/>
+              </a:prstGeom>
+              <a:blipFill>
+                <a:blip r:embed="rId5"/>
+                <a:stretch>
+                  <a:fillRect t="-3704" b="-3704"/>
+                </a:stretch>
+              </a:blipFill>
+            </p:spPr>
+            <p:txBody>
+              <a:bodyPr/>
+              <a:lstStyle/>
+              <a:p>
+                <a:r>
+                  <a:rPr lang="en-US">
+                    <a:noFill/>
+                  </a:rPr>
+                  <a:t> </a:t>
+                </a:r>
+              </a:p>
+            </p:txBody>
+          </p:sp>
+        </mc:Fallback>
+      </mc:AlternateContent>
+      <p:sp>
+        <p:nvSpPr>
+          <p:cNvPr id="23" name="TextBox 22">
             <a:extLst>
               <a:ext uri="{FF2B5EF4-FFF2-40B4-BE49-F238E27FC236}">
-                <a16:creationId xmlns:a16="http://schemas.microsoft.com/office/drawing/2014/main" id="{75F2CF25-E3CC-566E-BE78-93681BC07640}"/>
+                <a16:creationId xmlns:a16="http://schemas.microsoft.com/office/drawing/2014/main" id="{A47FD411-938B-2B9D-46E0-E8BDE7456150}"/>
               </a:ext>
             </a:extLst>
           </p:cNvPr>
-          <p:cNvPicPr>
-            <a:picLocks noChangeAspect="1"/>
-          </p:cNvPicPr>
+          <p:cNvSpPr txBox="1"/>
           <p:nvPr/>
-        </p:nvPicPr>
-        <p:blipFill>
-          <a:blip r:embed="rId7"/>
-          <a:stretch>
-            <a:fillRect/>
-          </a:stretch>
-        </p:blipFill>
+        </p:nvSpPr>
         <p:spPr>
           <a:xfrm>
-            <a:off x="8900802" y="1906261"/>
-            <a:ext cx="3209882" cy="452175"/>
+            <a:off x="3628720" y="789730"/>
+            <a:ext cx="2514415" cy="1338828"/>
           </a:xfrm>
           <a:prstGeom prst="rect">
             <a:avLst/>
           </a:prstGeom>
-          <a:ln>
-            <a:solidFill>
-              <a:schemeClr val="tx1"/>
-            </a:solidFill>
-          </a:ln>
         </p:spPr>
-      </p:pic>
+        <p:style>
+          <a:lnRef idx="2">
+            <a:schemeClr val="dk1"/>
+          </a:lnRef>
+          <a:fillRef idx="1">
+            <a:schemeClr val="lt1"/>
+          </a:fillRef>
+          <a:effectRef idx="0">
+            <a:schemeClr val="dk1"/>
+          </a:effectRef>
+          <a:fontRef idx="minor">
+            <a:schemeClr val="dk1"/>
+          </a:fontRef>
+        </p:style>
+        <p:txBody>
+          <a:bodyPr wrap="square" rtlCol="0">
+            <a:spAutoFit/>
+          </a:bodyPr>
+          <a:lstStyle/>
+          <a:p>
+            <a:pPr algn="l">
+              <a:lnSpc>
+                <a:spcPct val="90000"/>
+              </a:lnSpc>
+            </a:pPr>
+            <a:r>
+              <a:rPr lang="en-US" b="1" dirty="0"/>
+              <a:t>System states (ORCAS to EONS):</a:t>
+            </a:r>
+          </a:p>
+          <a:p>
+            <a:pPr marL="285750" indent="-285750" algn="l">
+              <a:lnSpc>
+                <a:spcPct val="90000"/>
+              </a:lnSpc>
+              <a:buFont typeface="Arial" panose="020B0604020202020204" pitchFamily="34" charset="0"/>
+              <a:buChar char="•"/>
+            </a:pPr>
+            <a:r>
+              <a:rPr lang="en-US" dirty="0" err="1"/>
+              <a:t>M_fuel_scaled</a:t>
+            </a:r>
+            <a:endParaRPr lang="en-US" dirty="0"/>
+          </a:p>
+          <a:p>
+            <a:pPr marL="285750" indent="-285750" algn="l">
+              <a:lnSpc>
+                <a:spcPct val="90000"/>
+              </a:lnSpc>
+              <a:buFont typeface="Arial" panose="020B0604020202020204" pitchFamily="34" charset="0"/>
+              <a:buChar char="•"/>
+            </a:pPr>
+            <a:r>
+              <a:rPr lang="en-US" dirty="0" err="1"/>
+              <a:t>M_air_scaled</a:t>
+            </a:r>
+            <a:endParaRPr lang="en-US" dirty="0"/>
+          </a:p>
+          <a:p>
+            <a:pPr marL="285750" indent="-285750" algn="l">
+              <a:lnSpc>
+                <a:spcPct val="90000"/>
+              </a:lnSpc>
+              <a:buFont typeface="Arial" panose="020B0604020202020204" pitchFamily="34" charset="0"/>
+              <a:buChar char="•"/>
+            </a:pPr>
+            <a:r>
+              <a:rPr lang="en-US" dirty="0"/>
+              <a:t>CA50_scaled</a:t>
+            </a:r>
+          </a:p>
+        </p:txBody>
+      </p:sp>
+      <p:sp>
+        <p:nvSpPr>
+          <p:cNvPr id="24" name="TextBox 23">
+            <a:extLst>
+              <a:ext uri="{FF2B5EF4-FFF2-40B4-BE49-F238E27FC236}">
+                <a16:creationId xmlns:a16="http://schemas.microsoft.com/office/drawing/2014/main" id="{720E6F7B-C84B-D90C-F475-2782A88E6939}"/>
+              </a:ext>
+            </a:extLst>
+          </p:cNvPr>
+          <p:cNvSpPr txBox="1"/>
+          <p:nvPr/>
+        </p:nvSpPr>
+        <p:spPr>
+          <a:xfrm>
+            <a:off x="3628720" y="4812941"/>
+            <a:ext cx="2514415" cy="840230"/>
+          </a:xfrm>
+          <a:prstGeom prst="rect">
+            <a:avLst/>
+          </a:prstGeom>
+        </p:spPr>
+        <p:style>
+          <a:lnRef idx="2">
+            <a:schemeClr val="dk1"/>
+          </a:lnRef>
+          <a:fillRef idx="1">
+            <a:schemeClr val="lt1"/>
+          </a:fillRef>
+          <a:effectRef idx="0">
+            <a:schemeClr val="dk1"/>
+          </a:effectRef>
+          <a:fontRef idx="minor">
+            <a:schemeClr val="dk1"/>
+          </a:fontRef>
+        </p:style>
+        <p:txBody>
+          <a:bodyPr wrap="square" rtlCol="0">
+            <a:spAutoFit/>
+          </a:bodyPr>
+          <a:lstStyle/>
+          <a:p>
+            <a:pPr algn="l">
+              <a:lnSpc>
+                <a:spcPct val="90000"/>
+              </a:lnSpc>
+            </a:pPr>
+            <a:r>
+              <a:rPr lang="en-US" b="1" dirty="0"/>
+              <a:t>Cost function (ORCAS to EONS):</a:t>
+            </a:r>
+          </a:p>
+          <a:p>
+            <a:pPr marL="285750" indent="-285750">
+              <a:lnSpc>
+                <a:spcPct val="90000"/>
+              </a:lnSpc>
+              <a:buFont typeface="Arial" panose="020B0604020202020204" pitchFamily="34" charset="0"/>
+              <a:buChar char="•"/>
+            </a:pPr>
+            <a:r>
+              <a:rPr lang="en-US" dirty="0" err="1"/>
+              <a:t>cost_c</a:t>
+            </a:r>
+            <a:endParaRPr lang="en-US" dirty="0"/>
+          </a:p>
+        </p:txBody>
+      </p:sp>
       <p:cxnSp>
         <p:nvCxnSpPr>
-          <p:cNvPr id="29" name="Straight Arrow Connector 16">
+          <p:cNvPr id="26" name="Straight Arrow Connector 25">
             <a:extLst>
               <a:ext uri="{FF2B5EF4-FFF2-40B4-BE49-F238E27FC236}">
-                <a16:creationId xmlns:a16="http://schemas.microsoft.com/office/drawing/2014/main" id="{C8122BEF-CB4B-E9FA-9693-043E21997AF6}"/>
+                <a16:creationId xmlns:a16="http://schemas.microsoft.com/office/drawing/2014/main" id="{40074301-AEDE-6470-5AAB-8D94431B782B}"/>
               </a:ext>
             </a:extLst>
           </p:cNvPr>
           <p:cNvCxnSpPr>
             <a:cxnSpLocks/>
-            <a:stCxn id="14" idx="2"/>
-            <a:endCxn id="27" idx="0"/>
+            <a:stCxn id="7" idx="0"/>
+            <a:endCxn id="69" idx="2"/>
           </p:cNvCxnSpPr>
           <p:nvPr/>
         </p:nvCxnSpPr>
         <p:spPr>
-          <a:xfrm rot="16200000" flipH="1">
-            <a:off x="9204750" y="605267"/>
-            <a:ext cx="906225" cy="1695761"/>
+          <a:xfrm rot="16200000" flipV="1">
+            <a:off x="2210987" y="4330513"/>
+            <a:ext cx="260650" cy="673594"/>
           </a:xfrm>
           <a:prstGeom prst="bentConnector3">
             <a:avLst>
@@ -12758,931 +13704,24 @@
       </p:cxnSp>
       <p:cxnSp>
         <p:nvCxnSpPr>
-          <p:cNvPr id="35" name="Straight Arrow Connector 16">
+          <p:cNvPr id="27" name="Straight Arrow Connector 25">
             <a:extLst>
               <a:ext uri="{FF2B5EF4-FFF2-40B4-BE49-F238E27FC236}">
-                <a16:creationId xmlns:a16="http://schemas.microsoft.com/office/drawing/2014/main" id="{8253E7BB-9B0E-B293-F0B6-4B0014238676}"/>
+                <a16:creationId xmlns:a16="http://schemas.microsoft.com/office/drawing/2014/main" id="{A8F36F75-360B-25E2-C80A-4F114413002B}"/>
               </a:ext>
             </a:extLst>
           </p:cNvPr>
           <p:cNvCxnSpPr>
             <a:cxnSpLocks/>
-            <a:stCxn id="27" idx="2"/>
-            <a:endCxn id="41" idx="0"/>
+            <a:stCxn id="8" idx="0"/>
+            <a:endCxn id="69" idx="2"/>
           </p:cNvCxnSpPr>
           <p:nvPr/>
         </p:nvCxnSpPr>
         <p:spPr>
-          <a:xfrm flipH="1">
-            <a:off x="10496152" y="2358436"/>
-            <a:ext cx="9591" cy="971437"/>
-          </a:xfrm>
-          <a:prstGeom prst="straightConnector1">
-            <a:avLst/>
-          </a:prstGeom>
-          <a:ln w="28575">
-            <a:solidFill>
-              <a:schemeClr val="bg1">
-                <a:lumMod val="50000"/>
-              </a:schemeClr>
-            </a:solidFill>
-            <a:miter lim="800000"/>
-            <a:tailEnd type="triangle"/>
-          </a:ln>
-        </p:spPr>
-        <p:style>
-          <a:lnRef idx="1">
-            <a:schemeClr val="accent1"/>
-          </a:lnRef>
-          <a:fillRef idx="0">
-            <a:schemeClr val="accent1"/>
-          </a:fillRef>
-          <a:effectRef idx="0">
-            <a:schemeClr val="accent1"/>
-          </a:effectRef>
-          <a:fontRef idx="minor">
-            <a:schemeClr val="tx1"/>
-          </a:fontRef>
-        </p:style>
-      </p:cxnSp>
-      <mc:AlternateContent xmlns:mc="http://schemas.openxmlformats.org/markup-compatibility/2006">
-        <mc:Choice xmlns:a14="http://schemas.microsoft.com/office/drawing/2010/main" Requires="a14">
-          <p:sp>
-            <p:nvSpPr>
-              <p:cNvPr id="38" name="TextBox 37">
-                <a:extLst>
-                  <a:ext uri="{FF2B5EF4-FFF2-40B4-BE49-F238E27FC236}">
-                    <a16:creationId xmlns:a16="http://schemas.microsoft.com/office/drawing/2014/main" id="{C7422C45-3EA0-CEBD-146A-1FFDA0C90B33}"/>
-                  </a:ext>
-                </a:extLst>
-              </p:cNvPr>
-              <p:cNvSpPr txBox="1"/>
-              <p:nvPr/>
-            </p:nvSpPr>
-            <p:spPr>
-              <a:xfrm>
-                <a:off x="10548598" y="2452675"/>
-                <a:ext cx="772647" cy="249299"/>
-              </a:xfrm>
-              <a:prstGeom prst="rect">
-                <a:avLst/>
-              </a:prstGeom>
-              <a:noFill/>
-            </p:spPr>
-            <p:txBody>
-              <a:bodyPr wrap="none" lIns="0" tIns="0" rIns="0" bIns="0" rtlCol="0">
-                <a:spAutoFit/>
-              </a:bodyPr>
-              <a:lstStyle/>
-              <a:p>
-                <a:pPr algn="l">
-                  <a:lnSpc>
-                    <a:spcPct val="90000"/>
-                  </a:lnSpc>
-                </a:pPr>
-                <a14:m>
-                  <m:oMathPara xmlns:m="http://schemas.openxmlformats.org/officeDocument/2006/math">
-                    <m:oMathParaPr>
-                      <m:jc m:val="centerGroup"/>
-                    </m:oMathParaPr>
-                    <m:oMath xmlns:m="http://schemas.openxmlformats.org/officeDocument/2006/math">
-                      <m:sSub>
-                        <m:sSubPr>
-                          <m:ctrlPr>
-                            <a:rPr lang="en-US" b="0" i="1" smtClean="0">
-                              <a:latin typeface="Cambria Math" panose="02040503050406030204" pitchFamily="18" charset="0"/>
-                            </a:rPr>
-                          </m:ctrlPr>
-                        </m:sSubPr>
-                        <m:e>
-                          <m:r>
-                            <a:rPr lang="en-US" b="0" i="1" smtClean="0">
-                              <a:latin typeface="Cambria Math" panose="02040503050406030204" pitchFamily="18" charset="0"/>
-                            </a:rPr>
-                            <m:t>𝑋</m:t>
-                          </m:r>
-                        </m:e>
-                        <m:sub>
-                          <m:r>
-                            <a:rPr lang="en-US" b="0" i="1" smtClean="0">
-                              <a:latin typeface="Cambria Math" panose="02040503050406030204" pitchFamily="18" charset="0"/>
-                            </a:rPr>
-                            <m:t>𝑟𝑒𝑠</m:t>
-                          </m:r>
-                        </m:sub>
-                      </m:sSub>
-                      <m:r>
-                        <a:rPr lang="en-US" b="0" i="1" smtClean="0">
-                          <a:latin typeface="Cambria Math" panose="02040503050406030204" pitchFamily="18" charset="0"/>
-                        </a:rPr>
-                        <m:t>[</m:t>
-                      </m:r>
-                      <m:r>
-                        <a:rPr lang="en-US" b="0" i="1" smtClean="0">
-                          <a:latin typeface="Cambria Math" panose="02040503050406030204" pitchFamily="18" charset="0"/>
-                        </a:rPr>
-                        <m:t>𝑘</m:t>
-                      </m:r>
-                      <m:r>
-                        <a:rPr lang="en-US" b="0" i="1" smtClean="0">
-                          <a:latin typeface="Cambria Math" panose="02040503050406030204" pitchFamily="18" charset="0"/>
-                        </a:rPr>
-                        <m:t>]</m:t>
-                      </m:r>
-                    </m:oMath>
-                  </m:oMathPara>
-                </a14:m>
-                <a:endParaRPr lang="en-US" dirty="0">
-                  <a:latin typeface="+mn-lt"/>
-                </a:endParaRPr>
-              </a:p>
-            </p:txBody>
-          </p:sp>
-        </mc:Choice>
-        <mc:Fallback>
-          <p:sp>
-            <p:nvSpPr>
-              <p:cNvPr id="38" name="TextBox 37">
-                <a:extLst>
-                  <a:ext uri="{FF2B5EF4-FFF2-40B4-BE49-F238E27FC236}">
-                    <a16:creationId xmlns:a16="http://schemas.microsoft.com/office/drawing/2014/main" id="{C7422C45-3EA0-CEBD-146A-1FFDA0C90B33}"/>
-                  </a:ext>
-                </a:extLst>
-              </p:cNvPr>
-              <p:cNvSpPr txBox="1">
-                <a:spLocks noRot="1" noChangeAspect="1" noMove="1" noResize="1" noEditPoints="1" noAdjustHandles="1" noChangeArrowheads="1" noChangeShapeType="1" noTextEdit="1"/>
-              </p:cNvSpPr>
-              <p:nvPr/>
-            </p:nvSpPr>
-            <p:spPr>
-              <a:xfrm>
-                <a:off x="10548598" y="2452675"/>
-                <a:ext cx="772647" cy="249299"/>
-              </a:xfrm>
-              <a:prstGeom prst="rect">
-                <a:avLst/>
-              </a:prstGeom>
-              <a:blipFill>
-                <a:blip r:embed="rId8"/>
-                <a:stretch>
-                  <a:fillRect l="-4839" t="-9524" r="-9677" b="-38095"/>
-                </a:stretch>
-              </a:blipFill>
-            </p:spPr>
-            <p:txBody>
-              <a:bodyPr/>
-              <a:lstStyle/>
-              <a:p>
-                <a:r>
-                  <a:rPr lang="en-US">
-                    <a:noFill/>
-                  </a:rPr>
-                  <a:t> </a:t>
-                </a:r>
-              </a:p>
-            </p:txBody>
-          </p:sp>
-        </mc:Fallback>
-      </mc:AlternateContent>
-      <p:sp>
-        <p:nvSpPr>
-          <p:cNvPr id="39" name="TextBox 38">
-            <a:extLst>
-              <a:ext uri="{FF2B5EF4-FFF2-40B4-BE49-F238E27FC236}">
-                <a16:creationId xmlns:a16="http://schemas.microsoft.com/office/drawing/2014/main" id="{3CFB56D0-E2D0-A145-E487-38E3325897C3}"/>
-              </a:ext>
-            </a:extLst>
-          </p:cNvPr>
-          <p:cNvSpPr txBox="1"/>
-          <p:nvPr/>
-        </p:nvSpPr>
-        <p:spPr>
-          <a:xfrm>
-            <a:off x="7038404" y="4393246"/>
-            <a:ext cx="1649811" cy="840230"/>
-          </a:xfrm>
-          <a:prstGeom prst="rect">
-            <a:avLst/>
-          </a:prstGeom>
-        </p:spPr>
-        <p:style>
-          <a:lnRef idx="1">
-            <a:schemeClr val="accent2"/>
-          </a:lnRef>
-          <a:fillRef idx="2">
-            <a:schemeClr val="accent2"/>
-          </a:fillRef>
-          <a:effectRef idx="1">
-            <a:schemeClr val="accent2"/>
-          </a:effectRef>
-          <a:fontRef idx="minor">
-            <a:schemeClr val="dk1"/>
-          </a:fontRef>
-        </p:style>
-        <p:txBody>
-          <a:bodyPr wrap="none" rtlCol="0">
-            <a:spAutoFit/>
-          </a:bodyPr>
-          <a:lstStyle/>
-          <a:p>
-            <a:pPr algn="l">
-              <a:lnSpc>
-                <a:spcPct val="90000"/>
-              </a:lnSpc>
-            </a:pPr>
-            <a:r>
-              <a:rPr lang="en-US" dirty="0">
-                <a:latin typeface="+mn-lt"/>
-              </a:rPr>
-              <a:t>PFI Ammonia</a:t>
-            </a:r>
-          </a:p>
-          <a:p>
-            <a:pPr algn="l">
-              <a:lnSpc>
-                <a:spcPct val="90000"/>
-              </a:lnSpc>
-            </a:pPr>
-            <a:r>
-              <a:rPr lang="en-US" dirty="0">
-                <a:latin typeface="+mn-lt"/>
-              </a:rPr>
-              <a:t>DI diesel</a:t>
-            </a:r>
-          </a:p>
-          <a:p>
-            <a:pPr algn="l">
-              <a:lnSpc>
-                <a:spcPct val="90000"/>
-              </a:lnSpc>
-            </a:pPr>
-            <a:r>
-              <a:rPr lang="en-US" dirty="0">
-                <a:latin typeface="+mn-lt"/>
-              </a:rPr>
-              <a:t>Fresh air</a:t>
-            </a:r>
-          </a:p>
-        </p:txBody>
-      </p:sp>
-      <p:sp>
-        <p:nvSpPr>
-          <p:cNvPr id="41" name="TextBox 40">
-            <a:extLst>
-              <a:ext uri="{FF2B5EF4-FFF2-40B4-BE49-F238E27FC236}">
-                <a16:creationId xmlns:a16="http://schemas.microsoft.com/office/drawing/2014/main" id="{F2FFC0A9-55CE-4C9A-DA85-77AC680848E2}"/>
-              </a:ext>
-            </a:extLst>
-          </p:cNvPr>
-          <p:cNvSpPr txBox="1"/>
-          <p:nvPr/>
-        </p:nvSpPr>
-        <p:spPr>
-          <a:xfrm>
-            <a:off x="9364271" y="3329873"/>
-            <a:ext cx="2263761" cy="840230"/>
-          </a:xfrm>
-          <a:prstGeom prst="rect">
-            <a:avLst/>
-          </a:prstGeom>
-          <a:noFill/>
-          <a:ln>
-            <a:solidFill>
-              <a:schemeClr val="tx1"/>
-            </a:solidFill>
-          </a:ln>
-        </p:spPr>
-        <p:txBody>
-          <a:bodyPr wrap="none" rtlCol="0">
-            <a:spAutoFit/>
-          </a:bodyPr>
-          <a:lstStyle/>
-          <a:p>
-            <a:pPr algn="l">
-              <a:lnSpc>
-                <a:spcPct val="90000"/>
-              </a:lnSpc>
-            </a:pPr>
-            <a:r>
-              <a:rPr lang="en-US" dirty="0">
-                <a:latin typeface="+mn-lt"/>
-              </a:rPr>
-              <a:t>Residual ammonia</a:t>
-            </a:r>
-          </a:p>
-          <a:p>
-            <a:pPr algn="l">
-              <a:lnSpc>
-                <a:spcPct val="90000"/>
-              </a:lnSpc>
-            </a:pPr>
-            <a:r>
-              <a:rPr lang="en-US" dirty="0">
-                <a:latin typeface="+mn-lt"/>
-              </a:rPr>
-              <a:t>Residual diesel</a:t>
-            </a:r>
-          </a:p>
-          <a:p>
-            <a:pPr algn="l">
-              <a:lnSpc>
-                <a:spcPct val="90000"/>
-              </a:lnSpc>
-            </a:pPr>
-            <a:r>
-              <a:rPr lang="en-US" dirty="0">
-                <a:latin typeface="+mn-lt"/>
-              </a:rPr>
-              <a:t>Residual air</a:t>
-            </a:r>
-          </a:p>
-        </p:txBody>
-      </p:sp>
-      <mc:AlternateContent xmlns:mc="http://schemas.openxmlformats.org/markup-compatibility/2006">
-        <mc:Choice xmlns:a14="http://schemas.microsoft.com/office/drawing/2010/main" Requires="a14">
-          <p:sp>
-            <p:nvSpPr>
-              <p:cNvPr id="42" name="TextBox 41">
-                <a:extLst>
-                  <a:ext uri="{FF2B5EF4-FFF2-40B4-BE49-F238E27FC236}">
-                    <a16:creationId xmlns:a16="http://schemas.microsoft.com/office/drawing/2014/main" id="{C01A2EFD-3511-A66F-2080-FEB75BCC719F}"/>
-                  </a:ext>
-                </a:extLst>
-              </p:cNvPr>
-              <p:cNvSpPr txBox="1"/>
-              <p:nvPr/>
-            </p:nvSpPr>
-            <p:spPr>
-              <a:xfrm>
-                <a:off x="8736516" y="3382439"/>
-                <a:ext cx="579454" cy="249299"/>
-              </a:xfrm>
-              <a:prstGeom prst="rect">
-                <a:avLst/>
-              </a:prstGeom>
-              <a:noFill/>
-            </p:spPr>
-            <p:txBody>
-              <a:bodyPr wrap="none" lIns="0" tIns="0" rIns="0" bIns="0" rtlCol="0">
-                <a:spAutoFit/>
-              </a:bodyPr>
-              <a:lstStyle/>
-              <a:p>
-                <a:pPr algn="l">
-                  <a:lnSpc>
-                    <a:spcPct val="90000"/>
-                  </a:lnSpc>
-                </a:pPr>
-                <a14:m>
-                  <m:oMathPara xmlns:m="http://schemas.openxmlformats.org/officeDocument/2006/math">
-                    <m:oMathParaPr>
-                      <m:jc m:val="centerGroup"/>
-                    </m:oMathParaPr>
-                    <m:oMath xmlns:m="http://schemas.openxmlformats.org/officeDocument/2006/math">
-                      <m:sSub>
-                        <m:sSubPr>
-                          <m:ctrlPr>
-                            <a:rPr lang="en-US" b="0" i="1" smtClean="0">
-                              <a:latin typeface="Cambria Math" panose="02040503050406030204" pitchFamily="18" charset="0"/>
-                            </a:rPr>
-                          </m:ctrlPr>
-                        </m:sSubPr>
-                        <m:e>
-                          <m:r>
-                            <a:rPr lang="en-US" b="0" i="1" smtClean="0">
-                              <a:latin typeface="Cambria Math" panose="02040503050406030204" pitchFamily="18" charset="0"/>
-                            </a:rPr>
-                            <m:t>𝜂</m:t>
-                          </m:r>
-                        </m:e>
-                        <m:sub>
-                          <m:r>
-                            <a:rPr lang="en-US" b="0" i="1" smtClean="0">
-                              <a:latin typeface="Cambria Math" panose="02040503050406030204" pitchFamily="18" charset="0"/>
-                            </a:rPr>
-                            <m:t>𝑐</m:t>
-                          </m:r>
-                        </m:sub>
-                      </m:sSub>
-                      <m:r>
-                        <a:rPr lang="en-US" b="0" i="1" smtClean="0">
-                          <a:latin typeface="Cambria Math" panose="02040503050406030204" pitchFamily="18" charset="0"/>
-                        </a:rPr>
-                        <m:t>[</m:t>
-                      </m:r>
-                      <m:r>
-                        <a:rPr lang="en-US" b="0" i="1" smtClean="0">
-                          <a:latin typeface="Cambria Math" panose="02040503050406030204" pitchFamily="18" charset="0"/>
-                        </a:rPr>
-                        <m:t>𝑘</m:t>
-                      </m:r>
-                      <m:r>
-                        <a:rPr lang="en-US" b="0" i="1" smtClean="0">
-                          <a:latin typeface="Cambria Math" panose="02040503050406030204" pitchFamily="18" charset="0"/>
-                        </a:rPr>
-                        <m:t>]</m:t>
-                      </m:r>
-                    </m:oMath>
-                  </m:oMathPara>
-                </a14:m>
-                <a:endParaRPr lang="en-US" dirty="0">
-                  <a:latin typeface="+mn-lt"/>
-                </a:endParaRPr>
-              </a:p>
-            </p:txBody>
-          </p:sp>
-        </mc:Choice>
-        <mc:Fallback>
-          <p:sp>
-            <p:nvSpPr>
-              <p:cNvPr id="42" name="TextBox 41">
-                <a:extLst>
-                  <a:ext uri="{FF2B5EF4-FFF2-40B4-BE49-F238E27FC236}">
-                    <a16:creationId xmlns:a16="http://schemas.microsoft.com/office/drawing/2014/main" id="{C01A2EFD-3511-A66F-2080-FEB75BCC719F}"/>
-                  </a:ext>
-                </a:extLst>
-              </p:cNvPr>
-              <p:cNvSpPr txBox="1">
-                <a:spLocks noRot="1" noChangeAspect="1" noMove="1" noResize="1" noEditPoints="1" noAdjustHandles="1" noChangeArrowheads="1" noChangeShapeType="1" noTextEdit="1"/>
-              </p:cNvSpPr>
-              <p:nvPr/>
-            </p:nvSpPr>
-            <p:spPr>
-              <a:xfrm>
-                <a:off x="8736516" y="3382439"/>
-                <a:ext cx="579454" cy="249299"/>
-              </a:xfrm>
-              <a:prstGeom prst="rect">
-                <a:avLst/>
-              </a:prstGeom>
-              <a:blipFill>
-                <a:blip r:embed="rId9"/>
-                <a:stretch>
-                  <a:fillRect l="-6383" t="-9524" r="-12766" b="-38095"/>
-                </a:stretch>
-              </a:blipFill>
-            </p:spPr>
-            <p:txBody>
-              <a:bodyPr/>
-              <a:lstStyle/>
-              <a:p>
-                <a:r>
-                  <a:rPr lang="en-US">
-                    <a:noFill/>
-                  </a:rPr>
-                  <a:t> </a:t>
-                </a:r>
-              </a:p>
-            </p:txBody>
-          </p:sp>
-        </mc:Fallback>
-      </mc:AlternateContent>
-      <p:cxnSp>
-        <p:nvCxnSpPr>
-          <p:cNvPr id="43" name="Straight Arrow Connector 16">
-            <a:extLst>
-              <a:ext uri="{FF2B5EF4-FFF2-40B4-BE49-F238E27FC236}">
-                <a16:creationId xmlns:a16="http://schemas.microsoft.com/office/drawing/2014/main" id="{9CEC62CD-F516-676A-0E4E-F30BC26C44EA}"/>
-              </a:ext>
-            </a:extLst>
-          </p:cNvPr>
-          <p:cNvCxnSpPr>
-            <a:cxnSpLocks/>
-            <a:stCxn id="18" idx="3"/>
-            <a:endCxn id="41" idx="1"/>
-          </p:cNvCxnSpPr>
-          <p:nvPr/>
-        </p:nvCxnSpPr>
-        <p:spPr>
-          <a:xfrm>
-            <a:off x="8688215" y="3749988"/>
-            <a:ext cx="676056" cy="0"/>
-          </a:xfrm>
-          <a:prstGeom prst="straightConnector1">
-            <a:avLst/>
-          </a:prstGeom>
-          <a:ln w="28575">
-            <a:solidFill>
-              <a:schemeClr val="bg1">
-                <a:lumMod val="50000"/>
-              </a:schemeClr>
-            </a:solidFill>
-            <a:miter lim="800000"/>
-            <a:tailEnd type="triangle"/>
-          </a:ln>
-        </p:spPr>
-        <p:style>
-          <a:lnRef idx="1">
-            <a:schemeClr val="accent1"/>
-          </a:lnRef>
-          <a:fillRef idx="0">
-            <a:schemeClr val="accent1"/>
-          </a:fillRef>
-          <a:effectRef idx="0">
-            <a:schemeClr val="accent1"/>
-          </a:effectRef>
-          <a:fontRef idx="minor">
-            <a:schemeClr val="tx1"/>
-          </a:fontRef>
-        </p:style>
-      </p:cxnSp>
-      <p:cxnSp>
-        <p:nvCxnSpPr>
-          <p:cNvPr id="49" name="Straight Arrow Connector 16">
-            <a:extLst>
-              <a:ext uri="{FF2B5EF4-FFF2-40B4-BE49-F238E27FC236}">
-                <a16:creationId xmlns:a16="http://schemas.microsoft.com/office/drawing/2014/main" id="{7450FD6E-08DF-3C11-A1EC-1D3DA144DE61}"/>
-              </a:ext>
-            </a:extLst>
-          </p:cNvPr>
-          <p:cNvCxnSpPr>
-            <a:cxnSpLocks/>
-            <a:stCxn id="39" idx="3"/>
-            <a:endCxn id="50" idx="1"/>
-          </p:cNvCxnSpPr>
-          <p:nvPr/>
-        </p:nvCxnSpPr>
-        <p:spPr>
-          <a:xfrm flipV="1">
-            <a:off x="8688215" y="4811973"/>
-            <a:ext cx="835554" cy="1388"/>
-          </a:xfrm>
-          <a:prstGeom prst="straightConnector1">
-            <a:avLst/>
-          </a:prstGeom>
-          <a:ln w="28575">
-            <a:solidFill>
-              <a:schemeClr val="bg1">
-                <a:lumMod val="50000"/>
-              </a:schemeClr>
-            </a:solidFill>
-            <a:miter lim="800000"/>
-            <a:tailEnd type="triangle"/>
-          </a:ln>
-        </p:spPr>
-        <p:style>
-          <a:lnRef idx="1">
-            <a:schemeClr val="accent1"/>
-          </a:lnRef>
-          <a:fillRef idx="0">
-            <a:schemeClr val="accent1"/>
-          </a:fillRef>
-          <a:effectRef idx="0">
-            <a:schemeClr val="accent1"/>
-          </a:effectRef>
-          <a:fontRef idx="minor">
-            <a:schemeClr val="tx1"/>
-          </a:fontRef>
-        </p:style>
-      </p:cxnSp>
-      <p:sp>
-        <p:nvSpPr>
-          <p:cNvPr id="50" name="TextBox 49">
-            <a:extLst>
-              <a:ext uri="{FF2B5EF4-FFF2-40B4-BE49-F238E27FC236}">
-                <a16:creationId xmlns:a16="http://schemas.microsoft.com/office/drawing/2014/main" id="{9A44E41D-E385-BFB9-F3B4-8782486BE31D}"/>
-              </a:ext>
-            </a:extLst>
-          </p:cNvPr>
-          <p:cNvSpPr txBox="1"/>
-          <p:nvPr/>
-        </p:nvSpPr>
-        <p:spPr>
-          <a:xfrm>
-            <a:off x="9523769" y="4641157"/>
-            <a:ext cx="1944763" cy="341632"/>
-          </a:xfrm>
-          <a:prstGeom prst="rect">
-            <a:avLst/>
-          </a:prstGeom>
-          <a:noFill/>
-          <a:ln>
-            <a:solidFill>
-              <a:schemeClr val="tx1"/>
-            </a:solidFill>
-          </a:ln>
-        </p:spPr>
-        <p:txBody>
-          <a:bodyPr wrap="none" rtlCol="0">
-            <a:spAutoFit/>
-          </a:bodyPr>
-          <a:lstStyle/>
-          <a:p>
-            <a:pPr algn="l">
-              <a:lnSpc>
-                <a:spcPct val="90000"/>
-              </a:lnSpc>
-            </a:pPr>
-            <a:r>
-              <a:rPr lang="en-US" dirty="0">
-                <a:latin typeface="+mn-lt"/>
-              </a:rPr>
-              <a:t>In cylinder mass</a:t>
-            </a:r>
-          </a:p>
-        </p:txBody>
-      </p:sp>
-      <p:cxnSp>
-        <p:nvCxnSpPr>
-          <p:cNvPr id="56" name="Straight Arrow Connector 16">
-            <a:extLst>
-              <a:ext uri="{FF2B5EF4-FFF2-40B4-BE49-F238E27FC236}">
-                <a16:creationId xmlns:a16="http://schemas.microsoft.com/office/drawing/2014/main" id="{769271D2-F0BA-9F77-2D56-6ACB3344E543}"/>
-              </a:ext>
-            </a:extLst>
-          </p:cNvPr>
-          <p:cNvCxnSpPr>
-            <a:cxnSpLocks/>
-            <a:stCxn id="41" idx="2"/>
-            <a:endCxn id="50" idx="0"/>
-          </p:cNvCxnSpPr>
-          <p:nvPr/>
-        </p:nvCxnSpPr>
-        <p:spPr>
-          <a:xfrm flipH="1">
-            <a:off x="10496151" y="4170103"/>
-            <a:ext cx="1" cy="471054"/>
-          </a:xfrm>
-          <a:prstGeom prst="straightConnector1">
-            <a:avLst/>
-          </a:prstGeom>
-          <a:ln w="28575">
-            <a:solidFill>
-              <a:schemeClr val="bg1">
-                <a:lumMod val="50000"/>
-              </a:schemeClr>
-            </a:solidFill>
-            <a:miter lim="800000"/>
-            <a:tailEnd type="triangle"/>
-          </a:ln>
-        </p:spPr>
-        <p:style>
-          <a:lnRef idx="1">
-            <a:schemeClr val="accent1"/>
-          </a:lnRef>
-          <a:fillRef idx="0">
-            <a:schemeClr val="accent1"/>
-          </a:fillRef>
-          <a:effectRef idx="0">
-            <a:schemeClr val="accent1"/>
-          </a:effectRef>
-          <a:fontRef idx="minor">
-            <a:schemeClr val="tx1"/>
-          </a:fontRef>
-        </p:style>
-      </p:cxnSp>
-      <p:cxnSp>
-        <p:nvCxnSpPr>
-          <p:cNvPr id="61" name="Straight Arrow Connector 16">
-            <a:extLst>
-              <a:ext uri="{FF2B5EF4-FFF2-40B4-BE49-F238E27FC236}">
-                <a16:creationId xmlns:a16="http://schemas.microsoft.com/office/drawing/2014/main" id="{955B492B-4A81-992A-1A86-7CDAAF8B085C}"/>
-              </a:ext>
-            </a:extLst>
-          </p:cNvPr>
-          <p:cNvCxnSpPr>
-            <a:cxnSpLocks/>
-            <a:stCxn id="50" idx="3"/>
-            <a:endCxn id="18" idx="1"/>
-          </p:cNvCxnSpPr>
-          <p:nvPr/>
-        </p:nvCxnSpPr>
-        <p:spPr>
-          <a:xfrm flipH="1" flipV="1">
-            <a:off x="5478333" y="3749988"/>
-            <a:ext cx="5990199" cy="1061985"/>
-          </a:xfrm>
-          <a:prstGeom prst="bentConnector5">
-            <a:avLst>
-              <a:gd name="adj1" fmla="val -3816"/>
-              <a:gd name="adj2" fmla="val -75638"/>
-              <a:gd name="adj3" fmla="val 103816"/>
-            </a:avLst>
-          </a:prstGeom>
-          <a:ln w="28575">
-            <a:solidFill>
-              <a:schemeClr val="bg1">
-                <a:lumMod val="50000"/>
-              </a:schemeClr>
-            </a:solidFill>
-            <a:miter lim="800000"/>
-            <a:tailEnd type="triangle"/>
-          </a:ln>
-        </p:spPr>
-        <p:style>
-          <a:lnRef idx="1">
-            <a:schemeClr val="accent1"/>
-          </a:lnRef>
-          <a:fillRef idx="0">
-            <a:schemeClr val="accent1"/>
-          </a:fillRef>
-          <a:effectRef idx="0">
-            <a:schemeClr val="accent1"/>
-          </a:effectRef>
-          <a:fontRef idx="minor">
-            <a:schemeClr val="tx1"/>
-          </a:fontRef>
-        </p:style>
-      </p:cxnSp>
-    </p:spTree>
-    <p:extLst>
-      <p:ext uri="{BB962C8B-B14F-4D97-AF65-F5344CB8AC3E}">
-        <p14:creationId xmlns:p14="http://schemas.microsoft.com/office/powerpoint/2010/main" val="4114276013"/>
-      </p:ext>
-    </p:extLst>
-  </p:cSld>
-  <p:clrMapOvr>
-    <a:masterClrMapping/>
-  </p:clrMapOvr>
-</p:sld>
-</file>
-
-<file path=ppt/slides/slide3.xml><?xml version="1.0" encoding="utf-8"?>
-<p:sld xmlns:a="http://schemas.openxmlformats.org/drawingml/2006/main" xmlns:r="http://schemas.openxmlformats.org/officeDocument/2006/relationships" xmlns:p="http://schemas.openxmlformats.org/presentationml/2006/main">
-  <p:cSld>
-    <p:spTree>
-      <p:nvGrpSpPr>
-        <p:cNvPr id="1" name=""/>
-        <p:cNvGrpSpPr/>
-        <p:nvPr/>
-      </p:nvGrpSpPr>
-      <p:grpSpPr>
-        <a:xfrm>
-          <a:off x="0" y="0"/>
-          <a:ext cx="0" cy="0"/>
-          <a:chOff x="0" y="0"/>
-          <a:chExt cx="0" cy="0"/>
-        </a:xfrm>
-      </p:grpSpPr>
-      <p:sp>
-        <p:nvSpPr>
-          <p:cNvPr id="2" name="Title 1">
-            <a:extLst>
-              <a:ext uri="{FF2B5EF4-FFF2-40B4-BE49-F238E27FC236}">
-                <a16:creationId xmlns:a16="http://schemas.microsoft.com/office/drawing/2014/main" id="{7F6017ED-BAB7-3A95-F973-9D2632BCC5BB}"/>
-              </a:ext>
-            </a:extLst>
-          </p:cNvPr>
-          <p:cNvSpPr>
-            <a:spLocks noGrp="1"/>
-          </p:cNvSpPr>
-          <p:nvPr>
-            <p:ph type="title"/>
-          </p:nvPr>
-        </p:nvSpPr>
-        <p:spPr/>
-        <p:txBody>
-          <a:bodyPr/>
-          <a:lstStyle/>
-          <a:p>
-            <a:r>
-              <a:rPr lang="en-US" dirty="0"/>
-              <a:t>Previous engine model</a:t>
-            </a:r>
-          </a:p>
-        </p:txBody>
-      </p:sp>
-      <p:pic>
-        <p:nvPicPr>
-          <p:cNvPr id="11" name="Content Placeholder 10">
-            <a:extLst>
-              <a:ext uri="{FF2B5EF4-FFF2-40B4-BE49-F238E27FC236}">
-                <a16:creationId xmlns:a16="http://schemas.microsoft.com/office/drawing/2014/main" id="{B1CB4732-81BF-2037-92A4-C7946C8EE135}"/>
-              </a:ext>
-            </a:extLst>
-          </p:cNvPr>
-          <p:cNvPicPr>
-            <a:picLocks noGrp="1" noChangeAspect="1"/>
-          </p:cNvPicPr>
-          <p:nvPr>
-            <p:ph idx="1"/>
-          </p:nvPr>
-        </p:nvPicPr>
-        <p:blipFill>
-          <a:blip r:embed="rId2"/>
-          <a:stretch>
-            <a:fillRect/>
-          </a:stretch>
-        </p:blipFill>
-        <p:spPr>
-          <a:xfrm>
-            <a:off x="429767" y="1554044"/>
-            <a:ext cx="4342530" cy="4226259"/>
-          </a:xfrm>
-          <a:prstGeom prst="rect">
-            <a:avLst/>
-          </a:prstGeom>
-        </p:spPr>
-      </p:pic>
-      <p:sp>
-        <p:nvSpPr>
-          <p:cNvPr id="14" name="TextBox 13">
-            <a:extLst>
-              <a:ext uri="{FF2B5EF4-FFF2-40B4-BE49-F238E27FC236}">
-                <a16:creationId xmlns:a16="http://schemas.microsoft.com/office/drawing/2014/main" id="{A2740A5E-F400-692E-EE84-43A483B6B823}"/>
-              </a:ext>
-            </a:extLst>
-          </p:cNvPr>
-          <p:cNvSpPr txBox="1"/>
-          <p:nvPr/>
-        </p:nvSpPr>
-        <p:spPr>
-          <a:xfrm>
-            <a:off x="6685041" y="658404"/>
-            <a:ext cx="4249881" cy="341632"/>
-          </a:xfrm>
-          <a:prstGeom prst="rect">
-            <a:avLst/>
-          </a:prstGeom>
-        </p:spPr>
-        <p:style>
-          <a:lnRef idx="1">
-            <a:schemeClr val="accent2"/>
-          </a:lnRef>
-          <a:fillRef idx="2">
-            <a:schemeClr val="accent2"/>
-          </a:fillRef>
-          <a:effectRef idx="1">
-            <a:schemeClr val="accent2"/>
-          </a:effectRef>
-          <a:fontRef idx="minor">
-            <a:schemeClr val="dk1"/>
-          </a:fontRef>
-        </p:style>
-        <p:txBody>
-          <a:bodyPr wrap="none" rtlCol="0">
-            <a:spAutoFit/>
-          </a:bodyPr>
-          <a:lstStyle/>
-          <a:p>
-            <a:pPr algn="l">
-              <a:lnSpc>
-                <a:spcPct val="90000"/>
-              </a:lnSpc>
-            </a:pPr>
-            <a:r>
-              <a:rPr lang="en-US" dirty="0">
-                <a:latin typeface="+mn-lt"/>
-              </a:rPr>
-              <a:t>Cylinder pressure during combustion</a:t>
-            </a:r>
-          </a:p>
-        </p:txBody>
-      </p:sp>
-      <p:pic>
-        <p:nvPicPr>
-          <p:cNvPr id="15" name="Picture 14">
-            <a:extLst>
-              <a:ext uri="{FF2B5EF4-FFF2-40B4-BE49-F238E27FC236}">
-                <a16:creationId xmlns:a16="http://schemas.microsoft.com/office/drawing/2014/main" id="{E5093BB7-6FEE-99E8-569A-C83C134796B6}"/>
-              </a:ext>
-            </a:extLst>
-          </p:cNvPr>
-          <p:cNvPicPr>
-            <a:picLocks noChangeAspect="1"/>
-          </p:cNvPicPr>
-          <p:nvPr/>
-        </p:nvPicPr>
-        <p:blipFill>
-          <a:blip r:embed="rId3"/>
-          <a:stretch>
-            <a:fillRect/>
-          </a:stretch>
-        </p:blipFill>
-        <p:spPr>
-          <a:xfrm>
-            <a:off x="7205040" y="1906261"/>
-            <a:ext cx="3209882" cy="1011113"/>
-          </a:xfrm>
-          <a:prstGeom prst="rect">
-            <a:avLst/>
-          </a:prstGeom>
-          <a:ln>
-            <a:solidFill>
-              <a:schemeClr val="tx1"/>
-            </a:solidFill>
-          </a:ln>
-        </p:spPr>
-      </p:pic>
-      <p:cxnSp>
-        <p:nvCxnSpPr>
-          <p:cNvPr id="17" name="Straight Arrow Connector 16">
-            <a:extLst>
-              <a:ext uri="{FF2B5EF4-FFF2-40B4-BE49-F238E27FC236}">
-                <a16:creationId xmlns:a16="http://schemas.microsoft.com/office/drawing/2014/main" id="{24709FC6-7AD1-6500-A1B6-A00819E7AEBC}"/>
-              </a:ext>
-            </a:extLst>
-          </p:cNvPr>
-          <p:cNvCxnSpPr>
-            <a:stCxn id="14" idx="2"/>
-            <a:endCxn id="15" idx="0"/>
-          </p:cNvCxnSpPr>
-          <p:nvPr/>
-        </p:nvCxnSpPr>
-        <p:spPr>
-          <a:xfrm rot="5400000">
-            <a:off x="8356870" y="1453148"/>
-            <a:ext cx="906225" cy="1"/>
+          <a:xfrm rot="5400000" flipH="1" flipV="1">
+            <a:off x="1443618" y="4234170"/>
+            <a:ext cx="258081" cy="863713"/>
           </a:xfrm>
           <a:prstGeom prst="bentConnector3">
             <a:avLst>
@@ -13716,1005 +13755,28 @@
       </p:cxnSp>
       <p:cxnSp>
         <p:nvCxnSpPr>
-          <p:cNvPr id="20" name="Straight Arrow Connector 16">
+          <p:cNvPr id="32" name="Straight Arrow Connector 25">
             <a:extLst>
               <a:ext uri="{FF2B5EF4-FFF2-40B4-BE49-F238E27FC236}">
-                <a16:creationId xmlns:a16="http://schemas.microsoft.com/office/drawing/2014/main" id="{258E823F-E4FD-EE17-2170-82E5B770F5DA}"/>
+                <a16:creationId xmlns:a16="http://schemas.microsoft.com/office/drawing/2014/main" id="{3F2E775D-841F-6491-BCF8-F6C8B854F801}"/>
               </a:ext>
             </a:extLst>
           </p:cNvPr>
           <p:cNvCxnSpPr>
             <a:cxnSpLocks/>
-            <a:stCxn id="15" idx="2"/>
+            <a:stCxn id="5" idx="1"/>
+            <a:endCxn id="97" idx="1"/>
           </p:cNvCxnSpPr>
           <p:nvPr/>
         </p:nvCxnSpPr>
         <p:spPr>
-          <a:xfrm>
-            <a:off x="8809981" y="2917374"/>
-            <a:ext cx="0" cy="511626"/>
-          </a:xfrm>
-          <a:prstGeom prst="straightConnector1">
-            <a:avLst/>
-          </a:prstGeom>
-          <a:ln w="28575">
-            <a:solidFill>
-              <a:schemeClr val="bg1">
-                <a:lumMod val="50000"/>
-              </a:schemeClr>
-            </a:solidFill>
-            <a:miter lim="800000"/>
-            <a:tailEnd type="triangle"/>
-          </a:ln>
-        </p:spPr>
-        <p:style>
-          <a:lnRef idx="1">
-            <a:schemeClr val="accent1"/>
-          </a:lnRef>
-          <a:fillRef idx="0">
-            <a:schemeClr val="accent1"/>
-          </a:fillRef>
-          <a:effectRef idx="0">
-            <a:schemeClr val="accent1"/>
-          </a:effectRef>
-          <a:fontRef idx="minor">
-            <a:schemeClr val="tx1"/>
-          </a:fontRef>
-        </p:style>
-      </p:cxnSp>
-      <mc:AlternateContent xmlns:mc="http://schemas.openxmlformats.org/markup-compatibility/2006">
-        <mc:Choice xmlns:a14="http://schemas.microsoft.com/office/drawing/2010/main" Requires="a14">
-          <p:sp>
-            <p:nvSpPr>
-              <p:cNvPr id="24" name="TextBox 23">
-                <a:extLst>
-                  <a:ext uri="{FF2B5EF4-FFF2-40B4-BE49-F238E27FC236}">
-                    <a16:creationId xmlns:a16="http://schemas.microsoft.com/office/drawing/2014/main" id="{9D61E005-9DE3-2F6A-4074-FA6D9B17C6DD}"/>
-                  </a:ext>
-                </a:extLst>
-              </p:cNvPr>
-              <p:cNvSpPr txBox="1"/>
-              <p:nvPr/>
-            </p:nvSpPr>
-            <p:spPr>
-              <a:xfrm>
-                <a:off x="8809981" y="1062306"/>
-                <a:ext cx="622350" cy="249299"/>
-              </a:xfrm>
-              <a:prstGeom prst="rect">
-                <a:avLst/>
-              </a:prstGeom>
-              <a:noFill/>
-            </p:spPr>
-            <p:txBody>
-              <a:bodyPr wrap="none" lIns="0" tIns="0" rIns="0" bIns="0" rtlCol="0">
-                <a:spAutoFit/>
-              </a:bodyPr>
-              <a:lstStyle/>
-              <a:p>
-                <a:pPr algn="l">
-                  <a:lnSpc>
-                    <a:spcPct val="90000"/>
-                  </a:lnSpc>
-                </a:pPr>
-                <a14:m>
-                  <m:oMathPara xmlns:m="http://schemas.openxmlformats.org/officeDocument/2006/math">
-                    <m:oMathParaPr>
-                      <m:jc m:val="centerGroup"/>
-                    </m:oMathParaPr>
-                    <m:oMath xmlns:m="http://schemas.openxmlformats.org/officeDocument/2006/math">
-                      <m:sSub>
-                        <m:sSubPr>
-                          <m:ctrlPr>
-                            <a:rPr lang="en-US" b="0" i="1" smtClean="0">
-                              <a:latin typeface="Cambria Math" panose="02040503050406030204" pitchFamily="18" charset="0"/>
-                            </a:rPr>
-                          </m:ctrlPr>
-                        </m:sSubPr>
-                        <m:e>
-                          <m:r>
-                            <a:rPr lang="en-US" b="0" i="1" smtClean="0">
-                              <a:latin typeface="Cambria Math" panose="02040503050406030204" pitchFamily="18" charset="0"/>
-                            </a:rPr>
-                            <m:t>𝑃</m:t>
-                          </m:r>
-                        </m:e>
-                        <m:sub>
-                          <m:r>
-                            <a:rPr lang="en-US" b="0" i="1" smtClean="0">
-                              <a:latin typeface="Cambria Math" panose="02040503050406030204" pitchFamily="18" charset="0"/>
-                            </a:rPr>
-                            <m:t>𝜃</m:t>
-                          </m:r>
-                        </m:sub>
-                      </m:sSub>
-                      <m:r>
-                        <a:rPr lang="en-US" b="0" i="1" smtClean="0">
-                          <a:latin typeface="Cambria Math" panose="02040503050406030204" pitchFamily="18" charset="0"/>
-                        </a:rPr>
-                        <m:t>[</m:t>
-                      </m:r>
-                      <m:r>
-                        <a:rPr lang="en-US" b="0" i="1" smtClean="0">
-                          <a:latin typeface="Cambria Math" panose="02040503050406030204" pitchFamily="18" charset="0"/>
-                        </a:rPr>
-                        <m:t>𝑘</m:t>
-                      </m:r>
-                      <m:r>
-                        <a:rPr lang="en-US" b="0" i="1" smtClean="0">
-                          <a:latin typeface="Cambria Math" panose="02040503050406030204" pitchFamily="18" charset="0"/>
-                        </a:rPr>
-                        <m:t>]</m:t>
-                      </m:r>
-                    </m:oMath>
-                  </m:oMathPara>
-                </a14:m>
-                <a:endParaRPr lang="en-US" dirty="0">
-                  <a:latin typeface="+mn-lt"/>
-                </a:endParaRPr>
-              </a:p>
-            </p:txBody>
-          </p:sp>
-        </mc:Choice>
-        <mc:Fallback>
-          <p:sp>
-            <p:nvSpPr>
-              <p:cNvPr id="24" name="TextBox 23">
-                <a:extLst>
-                  <a:ext uri="{FF2B5EF4-FFF2-40B4-BE49-F238E27FC236}">
-                    <a16:creationId xmlns:a16="http://schemas.microsoft.com/office/drawing/2014/main" id="{9D61E005-9DE3-2F6A-4074-FA6D9B17C6DD}"/>
-                  </a:ext>
-                </a:extLst>
-              </p:cNvPr>
-              <p:cNvSpPr txBox="1">
-                <a:spLocks noRot="1" noChangeAspect="1" noMove="1" noResize="1" noEditPoints="1" noAdjustHandles="1" noChangeArrowheads="1" noChangeShapeType="1" noTextEdit="1"/>
-              </p:cNvSpPr>
-              <p:nvPr/>
-            </p:nvSpPr>
-            <p:spPr>
-              <a:xfrm>
-                <a:off x="8809981" y="1062306"/>
-                <a:ext cx="622350" cy="249299"/>
-              </a:xfrm>
-              <a:prstGeom prst="rect">
-                <a:avLst/>
-              </a:prstGeom>
-              <a:blipFill>
-                <a:blip r:embed="rId4"/>
-                <a:stretch>
-                  <a:fillRect l="-6000" t="-9524" r="-12000" b="-38095"/>
-                </a:stretch>
-              </a:blipFill>
-            </p:spPr>
-            <p:txBody>
-              <a:bodyPr/>
-              <a:lstStyle/>
-              <a:p>
-                <a:r>
-                  <a:rPr lang="en-US">
-                    <a:noFill/>
-                  </a:rPr>
-                  <a:t> </a:t>
-                </a:r>
-              </a:p>
-            </p:txBody>
-          </p:sp>
-        </mc:Fallback>
-      </mc:AlternateContent>
-      <mc:AlternateContent xmlns:mc="http://schemas.openxmlformats.org/markup-compatibility/2006">
-        <mc:Choice xmlns:a14="http://schemas.microsoft.com/office/drawing/2010/main" Requires="a14">
-          <p:sp>
-            <p:nvSpPr>
-              <p:cNvPr id="25" name="TextBox 24">
-                <a:extLst>
-                  <a:ext uri="{FF2B5EF4-FFF2-40B4-BE49-F238E27FC236}">
-                    <a16:creationId xmlns:a16="http://schemas.microsoft.com/office/drawing/2014/main" id="{6A24A5AF-E4BF-2961-D801-59E7751765F9}"/>
-                  </a:ext>
-                </a:extLst>
-              </p:cNvPr>
-              <p:cNvSpPr txBox="1"/>
-              <p:nvPr/>
-            </p:nvSpPr>
-            <p:spPr>
-              <a:xfrm>
-                <a:off x="8859947" y="3062674"/>
-                <a:ext cx="982257" cy="269626"/>
-              </a:xfrm>
-              <a:prstGeom prst="rect">
-                <a:avLst/>
-              </a:prstGeom>
-              <a:noFill/>
-            </p:spPr>
-            <p:txBody>
-              <a:bodyPr wrap="none" lIns="0" tIns="0" rIns="0" bIns="0" rtlCol="0">
-                <a:spAutoFit/>
-              </a:bodyPr>
-              <a:lstStyle/>
-              <a:p>
-                <a:pPr algn="l">
-                  <a:lnSpc>
-                    <a:spcPct val="90000"/>
-                  </a:lnSpc>
-                </a:pPr>
-                <a14:m>
-                  <m:oMathPara xmlns:m="http://schemas.openxmlformats.org/officeDocument/2006/math">
-                    <m:oMathParaPr>
-                      <m:jc m:val="centerGroup"/>
-                    </m:oMathParaPr>
-                    <m:oMath xmlns:m="http://schemas.openxmlformats.org/officeDocument/2006/math">
-                      <m:sSub>
-                        <m:sSubPr>
-                          <m:ctrlPr>
-                            <a:rPr lang="en-US" b="0" i="1" smtClean="0">
-                              <a:latin typeface="Cambria Math" panose="02040503050406030204" pitchFamily="18" charset="0"/>
-                            </a:rPr>
-                          </m:ctrlPr>
-                        </m:sSubPr>
-                        <m:e>
-                          <m:r>
-                            <a:rPr lang="en-US" b="0" i="1" smtClean="0">
-                              <a:latin typeface="Cambria Math" panose="02040503050406030204" pitchFamily="18" charset="0"/>
-                            </a:rPr>
-                            <m:t>𝑄</m:t>
-                          </m:r>
-                        </m:e>
-                        <m:sub>
-                          <m:r>
-                            <a:rPr lang="en-US" b="0" i="1" smtClean="0">
-                              <a:latin typeface="Cambria Math" panose="02040503050406030204" pitchFamily="18" charset="0"/>
-                            </a:rPr>
-                            <m:t>𝑔𝑟𝑜𝑠𝑠</m:t>
-                          </m:r>
-                        </m:sub>
-                      </m:sSub>
-                      <m:r>
-                        <a:rPr lang="en-US" b="0" i="1" smtClean="0">
-                          <a:latin typeface="Cambria Math" panose="02040503050406030204" pitchFamily="18" charset="0"/>
-                        </a:rPr>
-                        <m:t>[</m:t>
-                      </m:r>
-                      <m:r>
-                        <a:rPr lang="en-US" b="0" i="1" smtClean="0">
-                          <a:latin typeface="Cambria Math" panose="02040503050406030204" pitchFamily="18" charset="0"/>
-                        </a:rPr>
-                        <m:t>𝑘</m:t>
-                      </m:r>
-                      <m:r>
-                        <a:rPr lang="en-US" b="0" i="1" smtClean="0">
-                          <a:latin typeface="Cambria Math" panose="02040503050406030204" pitchFamily="18" charset="0"/>
-                        </a:rPr>
-                        <m:t>]</m:t>
-                      </m:r>
-                    </m:oMath>
-                  </m:oMathPara>
-                </a14:m>
-                <a:endParaRPr lang="en-US" dirty="0">
-                  <a:latin typeface="+mn-lt"/>
-                </a:endParaRPr>
-              </a:p>
-            </p:txBody>
-          </p:sp>
-        </mc:Choice>
-        <mc:Fallback>
-          <p:sp>
-            <p:nvSpPr>
-              <p:cNvPr id="25" name="TextBox 24">
-                <a:extLst>
-                  <a:ext uri="{FF2B5EF4-FFF2-40B4-BE49-F238E27FC236}">
-                    <a16:creationId xmlns:a16="http://schemas.microsoft.com/office/drawing/2014/main" id="{6A24A5AF-E4BF-2961-D801-59E7751765F9}"/>
-                  </a:ext>
-                </a:extLst>
-              </p:cNvPr>
-              <p:cNvSpPr txBox="1">
-                <a:spLocks noRot="1" noChangeAspect="1" noMove="1" noResize="1" noEditPoints="1" noAdjustHandles="1" noChangeArrowheads="1" noChangeShapeType="1" noTextEdit="1"/>
-              </p:cNvSpPr>
-              <p:nvPr/>
-            </p:nvSpPr>
-            <p:spPr>
-              <a:xfrm>
-                <a:off x="8859947" y="3062674"/>
-                <a:ext cx="982257" cy="269626"/>
-              </a:xfrm>
-              <a:prstGeom prst="rect">
-                <a:avLst/>
-              </a:prstGeom>
-              <a:blipFill>
-                <a:blip r:embed="rId5"/>
-                <a:stretch>
-                  <a:fillRect l="-6329" t="-8696" r="-6329" b="-26087"/>
-                </a:stretch>
-              </a:blipFill>
-            </p:spPr>
-            <p:txBody>
-              <a:bodyPr/>
-              <a:lstStyle/>
-              <a:p>
-                <a:r>
-                  <a:rPr lang="en-US">
-                    <a:noFill/>
-                  </a:rPr>
-                  <a:t> </a:t>
-                </a:r>
-              </a:p>
-            </p:txBody>
-          </p:sp>
-        </mc:Fallback>
-      </mc:AlternateContent>
-      <p:sp>
-        <p:nvSpPr>
-          <p:cNvPr id="39" name="TextBox 38">
-            <a:extLst>
-              <a:ext uri="{FF2B5EF4-FFF2-40B4-BE49-F238E27FC236}">
-                <a16:creationId xmlns:a16="http://schemas.microsoft.com/office/drawing/2014/main" id="{3CFB56D0-E2D0-A145-E487-38E3325897C3}"/>
-              </a:ext>
-            </a:extLst>
-          </p:cNvPr>
-          <p:cNvSpPr txBox="1"/>
-          <p:nvPr/>
-        </p:nvSpPr>
-        <p:spPr>
-          <a:xfrm>
-            <a:off x="6096000" y="1364767"/>
-            <a:ext cx="1864613" cy="341632"/>
-          </a:xfrm>
-          <a:prstGeom prst="rect">
-            <a:avLst/>
-          </a:prstGeom>
-        </p:spPr>
-        <p:style>
-          <a:lnRef idx="1">
-            <a:schemeClr val="accent2"/>
-          </a:lnRef>
-          <a:fillRef idx="2">
-            <a:schemeClr val="accent2"/>
-          </a:fillRef>
-          <a:effectRef idx="1">
-            <a:schemeClr val="accent2"/>
-          </a:effectRef>
-          <a:fontRef idx="minor">
-            <a:schemeClr val="dk1"/>
-          </a:fontRef>
-        </p:style>
-        <p:txBody>
-          <a:bodyPr wrap="none" rtlCol="0">
-            <a:spAutoFit/>
-          </a:bodyPr>
-          <a:lstStyle/>
-          <a:p>
-            <a:pPr algn="l">
-              <a:lnSpc>
-                <a:spcPct val="90000"/>
-              </a:lnSpc>
-            </a:pPr>
-            <a:r>
-              <a:rPr lang="en-US" dirty="0">
-                <a:latin typeface="+mn-lt"/>
-              </a:rPr>
-              <a:t>DI diesel timing</a:t>
-            </a:r>
-          </a:p>
-        </p:txBody>
-      </p:sp>
-      <mc:AlternateContent xmlns:mc="http://schemas.openxmlformats.org/markup-compatibility/2006">
-        <mc:Choice xmlns:a14="http://schemas.microsoft.com/office/drawing/2010/main" Requires="a14">
-          <p:sp>
-            <p:nvSpPr>
-              <p:cNvPr id="42" name="TextBox 41">
-                <a:extLst>
-                  <a:ext uri="{FF2B5EF4-FFF2-40B4-BE49-F238E27FC236}">
-                    <a16:creationId xmlns:a16="http://schemas.microsoft.com/office/drawing/2014/main" id="{C01A2EFD-3511-A66F-2080-FEB75BCC719F}"/>
-                  </a:ext>
-                </a:extLst>
-              </p:cNvPr>
-              <p:cNvSpPr txBox="1"/>
-              <p:nvPr/>
-            </p:nvSpPr>
-            <p:spPr>
-              <a:xfrm>
-                <a:off x="8570220" y="4926425"/>
-                <a:ext cx="898003" cy="249299"/>
-              </a:xfrm>
-              <a:prstGeom prst="rect">
-                <a:avLst/>
-              </a:prstGeom>
-              <a:noFill/>
-            </p:spPr>
-            <p:txBody>
-              <a:bodyPr wrap="none" lIns="0" tIns="0" rIns="0" bIns="0" rtlCol="0">
-                <a:spAutoFit/>
-              </a:bodyPr>
-              <a:lstStyle/>
-              <a:p>
-                <a:pPr algn="l">
-                  <a:lnSpc>
-                    <a:spcPct val="90000"/>
-                  </a:lnSpc>
-                </a:pPr>
-                <a14:m>
-                  <m:oMathPara xmlns:m="http://schemas.openxmlformats.org/officeDocument/2006/math">
-                    <m:oMathParaPr>
-                      <m:jc m:val="centerGroup"/>
-                    </m:oMathParaPr>
-                    <m:oMath xmlns:m="http://schemas.openxmlformats.org/officeDocument/2006/math">
-                      <m:r>
-                        <a:rPr lang="en-US" b="0" i="1" smtClean="0">
-                          <a:latin typeface="Cambria Math" panose="02040503050406030204" pitchFamily="18" charset="0"/>
-                        </a:rPr>
-                        <m:t>𝐶𝐴</m:t>
-                      </m:r>
-                      <m:r>
-                        <a:rPr lang="en-US" b="0" i="1" smtClean="0">
-                          <a:latin typeface="Cambria Math" panose="02040503050406030204" pitchFamily="18" charset="0"/>
-                        </a:rPr>
-                        <m:t>50[</m:t>
-                      </m:r>
-                      <m:r>
-                        <a:rPr lang="en-US" b="0" i="1" smtClean="0">
-                          <a:latin typeface="Cambria Math" panose="02040503050406030204" pitchFamily="18" charset="0"/>
-                        </a:rPr>
-                        <m:t>𝑘</m:t>
-                      </m:r>
-                      <m:r>
-                        <a:rPr lang="en-US" b="0" i="1" smtClean="0">
-                          <a:latin typeface="Cambria Math" panose="02040503050406030204" pitchFamily="18" charset="0"/>
-                        </a:rPr>
-                        <m:t>]</m:t>
-                      </m:r>
-                    </m:oMath>
-                  </m:oMathPara>
-                </a14:m>
-                <a:endParaRPr lang="en-US" dirty="0">
-                  <a:latin typeface="+mn-lt"/>
-                </a:endParaRPr>
-              </a:p>
-            </p:txBody>
-          </p:sp>
-        </mc:Choice>
-        <mc:Fallback>
-          <p:sp>
-            <p:nvSpPr>
-              <p:cNvPr id="42" name="TextBox 41">
-                <a:extLst>
-                  <a:ext uri="{FF2B5EF4-FFF2-40B4-BE49-F238E27FC236}">
-                    <a16:creationId xmlns:a16="http://schemas.microsoft.com/office/drawing/2014/main" id="{C01A2EFD-3511-A66F-2080-FEB75BCC719F}"/>
-                  </a:ext>
-                </a:extLst>
-              </p:cNvPr>
-              <p:cNvSpPr txBox="1">
-                <a:spLocks noRot="1" noChangeAspect="1" noMove="1" noResize="1" noEditPoints="1" noAdjustHandles="1" noChangeArrowheads="1" noChangeShapeType="1" noTextEdit="1"/>
-              </p:cNvSpPr>
-              <p:nvPr/>
-            </p:nvSpPr>
-            <p:spPr>
-              <a:xfrm>
-                <a:off x="8570220" y="4926425"/>
-                <a:ext cx="898003" cy="249299"/>
-              </a:xfrm>
-              <a:prstGeom prst="rect">
-                <a:avLst/>
-              </a:prstGeom>
-              <a:blipFill>
-                <a:blip r:embed="rId6"/>
-                <a:stretch>
-                  <a:fillRect l="-4167" t="-9524" r="-8333" b="-38095"/>
-                </a:stretch>
-              </a:blipFill>
-            </p:spPr>
-            <p:txBody>
-              <a:bodyPr/>
-              <a:lstStyle/>
-              <a:p>
-                <a:r>
-                  <a:rPr lang="en-US">
-                    <a:noFill/>
-                  </a:rPr>
-                  <a:t> </a:t>
-                </a:r>
-              </a:p>
-            </p:txBody>
-          </p:sp>
-        </mc:Fallback>
-      </mc:AlternateContent>
-      <p:cxnSp>
-        <p:nvCxnSpPr>
-          <p:cNvPr id="43" name="Straight Arrow Connector 16">
-            <a:extLst>
-              <a:ext uri="{FF2B5EF4-FFF2-40B4-BE49-F238E27FC236}">
-                <a16:creationId xmlns:a16="http://schemas.microsoft.com/office/drawing/2014/main" id="{9CEC62CD-F516-676A-0E4E-F30BC26C44EA}"/>
-              </a:ext>
-            </a:extLst>
-          </p:cNvPr>
-          <p:cNvCxnSpPr>
-            <a:cxnSpLocks/>
-            <a:stCxn id="3" idx="2"/>
-          </p:cNvCxnSpPr>
-          <p:nvPr/>
-        </p:nvCxnSpPr>
-        <p:spPr>
-          <a:xfrm flipH="1">
-            <a:off x="8809981" y="4129338"/>
-            <a:ext cx="1" cy="697495"/>
-          </a:xfrm>
-          <a:prstGeom prst="straightConnector1">
-            <a:avLst/>
-          </a:prstGeom>
-          <a:ln w="28575">
-            <a:solidFill>
-              <a:schemeClr val="bg1">
-                <a:lumMod val="50000"/>
-              </a:schemeClr>
-            </a:solidFill>
-            <a:miter lim="800000"/>
-            <a:tailEnd type="triangle"/>
-          </a:ln>
-        </p:spPr>
-        <p:style>
-          <a:lnRef idx="1">
-            <a:schemeClr val="accent1"/>
-          </a:lnRef>
-          <a:fillRef idx="0">
-            <a:schemeClr val="accent1"/>
-          </a:fillRef>
-          <a:effectRef idx="0">
-            <a:schemeClr val="accent1"/>
-          </a:effectRef>
-          <a:fontRef idx="minor">
-            <a:schemeClr val="tx1"/>
-          </a:fontRef>
-        </p:style>
-      </p:cxnSp>
-      <p:pic>
-        <p:nvPicPr>
-          <p:cNvPr id="3" name="Picture 2">
-            <a:extLst>
-              <a:ext uri="{FF2B5EF4-FFF2-40B4-BE49-F238E27FC236}">
-                <a16:creationId xmlns:a16="http://schemas.microsoft.com/office/drawing/2014/main" id="{D375718B-A36E-55BE-CD67-5CBBADDCF2BF}"/>
-              </a:ext>
-            </a:extLst>
-          </p:cNvPr>
-          <p:cNvPicPr>
-            <a:picLocks noChangeAspect="1"/>
-          </p:cNvPicPr>
-          <p:nvPr/>
-        </p:nvPicPr>
-        <p:blipFill>
-          <a:blip r:embed="rId7"/>
-          <a:stretch>
-            <a:fillRect/>
-          </a:stretch>
-        </p:blipFill>
-        <p:spPr>
-          <a:xfrm>
-            <a:off x="7205041" y="3429000"/>
-            <a:ext cx="3209882" cy="700338"/>
-          </a:xfrm>
-          <a:prstGeom prst="rect">
-            <a:avLst/>
-          </a:prstGeom>
-          <a:ln>
-            <a:solidFill>
-              <a:schemeClr val="tx1"/>
-            </a:solidFill>
-          </a:ln>
-        </p:spPr>
-      </p:pic>
-      <p:cxnSp>
-        <p:nvCxnSpPr>
-          <p:cNvPr id="10" name="Straight Arrow Connector 16">
-            <a:extLst>
-              <a:ext uri="{FF2B5EF4-FFF2-40B4-BE49-F238E27FC236}">
-                <a16:creationId xmlns:a16="http://schemas.microsoft.com/office/drawing/2014/main" id="{9D9E55A0-3E55-9677-BC68-F3B8CF4389EE}"/>
-              </a:ext>
-            </a:extLst>
-          </p:cNvPr>
-          <p:cNvCxnSpPr>
-            <a:cxnSpLocks/>
-            <a:stCxn id="39" idx="3"/>
-            <a:endCxn id="15" idx="0"/>
-          </p:cNvCxnSpPr>
-          <p:nvPr/>
-        </p:nvCxnSpPr>
-        <p:spPr>
-          <a:xfrm>
-            <a:off x="7960613" y="1535583"/>
-            <a:ext cx="849368" cy="370678"/>
-          </a:xfrm>
-          <a:prstGeom prst="bentConnector2">
-            <a:avLst/>
-          </a:prstGeom>
-          <a:ln w="28575">
-            <a:solidFill>
-              <a:schemeClr val="bg1">
-                <a:lumMod val="50000"/>
-              </a:schemeClr>
-            </a:solidFill>
-            <a:miter lim="800000"/>
-            <a:tailEnd type="triangle"/>
-          </a:ln>
-        </p:spPr>
-        <p:style>
-          <a:lnRef idx="1">
-            <a:schemeClr val="accent1"/>
-          </a:lnRef>
-          <a:fillRef idx="0">
-            <a:schemeClr val="accent1"/>
-          </a:fillRef>
-          <a:effectRef idx="0">
-            <a:schemeClr val="accent1"/>
-          </a:effectRef>
-          <a:fontRef idx="minor">
-            <a:schemeClr val="tx1"/>
-          </a:fontRef>
-        </p:style>
-      </p:cxnSp>
-      <mc:AlternateContent xmlns:mc="http://schemas.openxmlformats.org/markup-compatibility/2006">
-        <mc:Choice xmlns:a14="http://schemas.microsoft.com/office/drawing/2010/main" Requires="a14">
-          <p:sp>
-            <p:nvSpPr>
-              <p:cNvPr id="31" name="TextBox 30">
-                <a:extLst>
-                  <a:ext uri="{FF2B5EF4-FFF2-40B4-BE49-F238E27FC236}">
-                    <a16:creationId xmlns:a16="http://schemas.microsoft.com/office/drawing/2014/main" id="{9184587D-E96D-F624-B12A-41D94B3E35C9}"/>
-                  </a:ext>
-                </a:extLst>
-              </p:cNvPr>
-              <p:cNvSpPr txBox="1"/>
-              <p:nvPr/>
-            </p:nvSpPr>
-            <p:spPr>
-              <a:xfrm>
-                <a:off x="5484314" y="5527171"/>
-                <a:ext cx="5801332" cy="269626"/>
-              </a:xfrm>
-              <a:prstGeom prst="rect">
-                <a:avLst/>
-              </a:prstGeom>
-              <a:noFill/>
-            </p:spPr>
-            <p:txBody>
-              <a:bodyPr wrap="none" lIns="0" tIns="0" rIns="0" bIns="0" rtlCol="0">
-                <a:spAutoFit/>
-              </a:bodyPr>
-              <a:lstStyle/>
-              <a:p>
-                <a:pPr algn="l">
-                  <a:lnSpc>
-                    <a:spcPct val="90000"/>
-                  </a:lnSpc>
-                </a:pPr>
-                <a14:m>
-                  <m:oMathPara xmlns:m="http://schemas.openxmlformats.org/officeDocument/2006/math">
-                    <m:oMathParaPr>
-                      <m:jc m:val="centerGroup"/>
-                    </m:oMathParaPr>
-                    <m:oMath xmlns:m="http://schemas.openxmlformats.org/officeDocument/2006/math">
-                      <m:r>
-                        <a:rPr lang="en-US" b="0" i="1" smtClean="0">
-                          <a:latin typeface="Cambria Math" panose="02040503050406030204" pitchFamily="18" charset="0"/>
-                        </a:rPr>
-                        <m:t>𝑝𝑑𝑓</m:t>
-                      </m:r>
-                      <m:d>
-                        <m:dPr>
-                          <m:ctrlPr>
-                            <a:rPr lang="en-US" b="0" i="1" smtClean="0">
-                              <a:latin typeface="Cambria Math" panose="02040503050406030204" pitchFamily="18" charset="0"/>
-                            </a:rPr>
-                          </m:ctrlPr>
-                        </m:dPr>
-                        <m:e>
-                          <m:r>
-                            <a:rPr lang="en-US" b="0" i="1" smtClean="0">
-                              <a:latin typeface="Cambria Math" panose="02040503050406030204" pitchFamily="18" charset="0"/>
-                            </a:rPr>
-                            <m:t>𝐶𝐴</m:t>
-                          </m:r>
-                          <m:r>
-                            <a:rPr lang="en-US" b="0" i="1" smtClean="0">
-                              <a:latin typeface="Cambria Math" panose="02040503050406030204" pitchFamily="18" charset="0"/>
-                            </a:rPr>
-                            <m:t>50</m:t>
-                          </m:r>
-                          <m:d>
-                            <m:dPr>
-                              <m:begChr m:val="["/>
-                              <m:endChr m:val="]"/>
-                              <m:ctrlPr>
-                                <a:rPr lang="en-US" b="0" i="1" smtClean="0">
-                                  <a:latin typeface="Cambria Math" panose="02040503050406030204" pitchFamily="18" charset="0"/>
-                                </a:rPr>
-                              </m:ctrlPr>
-                            </m:dPr>
-                            <m:e>
-                              <m:r>
-                                <a:rPr lang="en-US" b="0" i="1" smtClean="0">
-                                  <a:latin typeface="Cambria Math" panose="02040503050406030204" pitchFamily="18" charset="0"/>
-                                </a:rPr>
-                                <m:t>𝑘</m:t>
-                              </m:r>
-                              <m:r>
-                                <a:rPr lang="en-US" b="0" i="1" smtClean="0">
-                                  <a:latin typeface="Cambria Math" panose="02040503050406030204" pitchFamily="18" charset="0"/>
-                                </a:rPr>
-                                <m:t>+1</m:t>
-                              </m:r>
-                            </m:e>
-                          </m:d>
-                        </m:e>
-                      </m:d>
-                      <m:r>
-                        <a:rPr lang="en-US" b="0" i="1" smtClean="0">
-                          <a:latin typeface="Cambria Math" panose="02040503050406030204" pitchFamily="18" charset="0"/>
-                        </a:rPr>
-                        <m:t>=</m:t>
-                      </m:r>
-                      <m:r>
-                        <a:rPr lang="en-US" b="0" i="1" smtClean="0">
-                          <a:latin typeface="Cambria Math" panose="02040503050406030204" pitchFamily="18" charset="0"/>
-                        </a:rPr>
-                        <m:t>𝑓</m:t>
-                      </m:r>
-                      <m:r>
-                        <a:rPr lang="en-US" b="0" i="1" smtClean="0">
-                          <a:latin typeface="Cambria Math" panose="02040503050406030204" pitchFamily="18" charset="0"/>
-                        </a:rPr>
-                        <m:t>(</m:t>
-                      </m:r>
-                      <m:r>
-                        <a:rPr lang="en-US" b="0" i="1" smtClean="0">
-                          <a:latin typeface="Cambria Math" panose="02040503050406030204" pitchFamily="18" charset="0"/>
-                        </a:rPr>
-                        <m:t>𝐶𝐴</m:t>
-                      </m:r>
-                      <m:r>
-                        <a:rPr lang="en-US" b="0" i="1" smtClean="0">
-                          <a:latin typeface="Cambria Math" panose="02040503050406030204" pitchFamily="18" charset="0"/>
-                        </a:rPr>
-                        <m:t>50</m:t>
-                      </m:r>
-                      <m:d>
-                        <m:dPr>
-                          <m:begChr m:val="["/>
-                          <m:endChr m:val="]"/>
-                          <m:ctrlPr>
-                            <a:rPr lang="en-US" b="0" i="1" smtClean="0">
-                              <a:latin typeface="Cambria Math" panose="02040503050406030204" pitchFamily="18" charset="0"/>
-                            </a:rPr>
-                          </m:ctrlPr>
-                        </m:dPr>
-                        <m:e>
-                          <m:r>
-                            <a:rPr lang="en-US" b="0" i="1" smtClean="0">
-                              <a:latin typeface="Cambria Math" panose="02040503050406030204" pitchFamily="18" charset="0"/>
-                            </a:rPr>
-                            <m:t>𝑘</m:t>
-                          </m:r>
-                        </m:e>
-                      </m:d>
-                      <m:r>
-                        <a:rPr lang="en-US" b="0" i="1" smtClean="0">
-                          <a:latin typeface="Cambria Math" panose="02040503050406030204" pitchFamily="18" charset="0"/>
-                        </a:rPr>
-                        <m:t>,</m:t>
-                      </m:r>
-                      <m:r>
-                        <a:rPr lang="en-US" b="0" i="1" smtClean="0">
-                          <a:latin typeface="Cambria Math" panose="02040503050406030204" pitchFamily="18" charset="0"/>
-                        </a:rPr>
-                        <m:t>𝐷</m:t>
-                      </m:r>
-                      <m:sSub>
-                        <m:sSubPr>
-                          <m:ctrlPr>
-                            <a:rPr lang="en-US" b="0" i="1" smtClean="0">
-                              <a:latin typeface="Cambria Math" panose="02040503050406030204" pitchFamily="18" charset="0"/>
-                            </a:rPr>
-                          </m:ctrlPr>
-                        </m:sSubPr>
-                        <m:e>
-                          <m:r>
-                            <a:rPr lang="en-US" b="0" i="1" smtClean="0">
-                              <a:latin typeface="Cambria Math" panose="02040503050406030204" pitchFamily="18" charset="0"/>
-                            </a:rPr>
-                            <m:t>𝐼</m:t>
-                          </m:r>
-                        </m:e>
-                        <m:sub>
-                          <m:r>
-                            <a:rPr lang="en-US" b="0" i="1" smtClean="0">
-                              <a:latin typeface="Cambria Math" panose="02040503050406030204" pitchFamily="18" charset="0"/>
-                            </a:rPr>
-                            <m:t>𝑡𝑖𝑚𝑖𝑛𝑔</m:t>
-                          </m:r>
-                          <m:d>
-                            <m:dPr>
-                              <m:begChr m:val="["/>
-                              <m:endChr m:val="]"/>
-                              <m:ctrlPr>
-                                <a:rPr lang="en-US" b="0" i="1" smtClean="0">
-                                  <a:latin typeface="Cambria Math" panose="02040503050406030204" pitchFamily="18" charset="0"/>
-                                </a:rPr>
-                              </m:ctrlPr>
-                            </m:dPr>
-                            <m:e>
-                              <m:r>
-                                <a:rPr lang="en-US" b="0" i="1" smtClean="0">
-                                  <a:latin typeface="Cambria Math" panose="02040503050406030204" pitchFamily="18" charset="0"/>
-                                </a:rPr>
-                                <m:t>𝑘</m:t>
-                              </m:r>
-                            </m:e>
-                          </m:d>
-                        </m:sub>
-                      </m:sSub>
-                      <m:r>
-                        <a:rPr lang="en-US" b="0" i="1" smtClean="0">
-                          <a:latin typeface="Cambria Math" panose="02040503050406030204" pitchFamily="18" charset="0"/>
-                        </a:rPr>
-                        <m:t>,</m:t>
-                      </m:r>
-                      <m:r>
-                        <a:rPr lang="en-US" b="0" i="1" smtClean="0">
-                          <a:latin typeface="Cambria Math" panose="02040503050406030204" pitchFamily="18" charset="0"/>
-                        </a:rPr>
-                        <m:t>𝐷</m:t>
-                      </m:r>
-                      <m:sSub>
-                        <m:sSubPr>
-                          <m:ctrlPr>
-                            <a:rPr lang="en-US" b="0" i="1" smtClean="0">
-                              <a:latin typeface="Cambria Math" panose="02040503050406030204" pitchFamily="18" charset="0"/>
-                            </a:rPr>
-                          </m:ctrlPr>
-                        </m:sSubPr>
-                        <m:e>
-                          <m:r>
-                            <a:rPr lang="en-US" b="0" i="1" smtClean="0">
-                              <a:latin typeface="Cambria Math" panose="02040503050406030204" pitchFamily="18" charset="0"/>
-                            </a:rPr>
-                            <m:t>𝐼</m:t>
-                          </m:r>
-                        </m:e>
-                        <m:sub>
-                          <m:r>
-                            <a:rPr lang="en-US" b="0" i="1" smtClean="0">
-                              <a:latin typeface="Cambria Math" panose="02040503050406030204" pitchFamily="18" charset="0"/>
-                            </a:rPr>
-                            <m:t>𝑞𝑢𝑎𝑛𝑖𝑡𝑦</m:t>
-                          </m:r>
-                        </m:sub>
-                      </m:sSub>
-                      <m:r>
-                        <a:rPr lang="en-US" b="0" i="1" smtClean="0">
-                          <a:latin typeface="Cambria Math" panose="02040503050406030204" pitchFamily="18" charset="0"/>
-                        </a:rPr>
-                        <m:t>[</m:t>
-                      </m:r>
-                      <m:r>
-                        <a:rPr lang="en-US" b="0" i="1" smtClean="0">
-                          <a:latin typeface="Cambria Math" panose="02040503050406030204" pitchFamily="18" charset="0"/>
-                        </a:rPr>
-                        <m:t>𝑘</m:t>
-                      </m:r>
-                      <m:r>
-                        <a:rPr lang="en-US" b="0" i="1" smtClean="0">
-                          <a:latin typeface="Cambria Math" panose="02040503050406030204" pitchFamily="18" charset="0"/>
-                        </a:rPr>
-                        <m:t>])</m:t>
-                      </m:r>
-                    </m:oMath>
-                  </m:oMathPara>
-                </a14:m>
-                <a:endParaRPr lang="en-US" dirty="0">
-                  <a:latin typeface="+mn-lt"/>
-                </a:endParaRPr>
-              </a:p>
-            </p:txBody>
-          </p:sp>
-        </mc:Choice>
-        <mc:Fallback>
-          <p:sp>
-            <p:nvSpPr>
-              <p:cNvPr id="31" name="TextBox 30">
-                <a:extLst>
-                  <a:ext uri="{FF2B5EF4-FFF2-40B4-BE49-F238E27FC236}">
-                    <a16:creationId xmlns:a16="http://schemas.microsoft.com/office/drawing/2014/main" id="{9184587D-E96D-F624-B12A-41D94B3E35C9}"/>
-                  </a:ext>
-                </a:extLst>
-              </p:cNvPr>
-              <p:cNvSpPr txBox="1">
-                <a:spLocks noRot="1" noChangeAspect="1" noMove="1" noResize="1" noEditPoints="1" noAdjustHandles="1" noChangeArrowheads="1" noChangeShapeType="1" noTextEdit="1"/>
-              </p:cNvSpPr>
-              <p:nvPr/>
-            </p:nvSpPr>
-            <p:spPr>
-              <a:xfrm>
-                <a:off x="5484314" y="5527171"/>
-                <a:ext cx="5801332" cy="269626"/>
-              </a:xfrm>
-              <a:prstGeom prst="rect">
-                <a:avLst/>
-              </a:prstGeom>
-              <a:blipFill>
-                <a:blip r:embed="rId8"/>
-                <a:stretch>
-                  <a:fillRect l="-1094" t="-13636" r="-875" b="-31818"/>
-                </a:stretch>
-              </a:blipFill>
-            </p:spPr>
-            <p:txBody>
-              <a:bodyPr/>
-              <a:lstStyle/>
-              <a:p>
-                <a:r>
-                  <a:rPr lang="en-US">
-                    <a:noFill/>
-                  </a:rPr>
-                  <a:t> </a:t>
-                </a:r>
-              </a:p>
-            </p:txBody>
-          </p:sp>
-        </mc:Fallback>
-      </mc:AlternateContent>
-      <p:pic>
-        <p:nvPicPr>
-          <p:cNvPr id="32" name="Graphic 31" descr="Network diagram outline">
-            <a:extLst>
-              <a:ext uri="{FF2B5EF4-FFF2-40B4-BE49-F238E27FC236}">
-                <a16:creationId xmlns:a16="http://schemas.microsoft.com/office/drawing/2014/main" id="{5C3C8815-6894-3E45-F044-2C08F2E7A495}"/>
-              </a:ext>
-            </a:extLst>
-          </p:cNvPr>
-          <p:cNvPicPr>
-            <a:picLocks noChangeAspect="1"/>
-          </p:cNvPicPr>
-          <p:nvPr/>
-        </p:nvPicPr>
-        <p:blipFill>
-          <a:blip r:embed="rId9">
-            <a:extLst>
-              <a:ext uri="{96DAC541-7B7A-43D3-8B79-37D633B846F1}">
-                <asvg:svgBlip xmlns:asvg="http://schemas.microsoft.com/office/drawing/2016/SVG/main" r:embed="rId10"/>
-              </a:ext>
-            </a:extLst>
-          </a:blip>
-          <a:stretch>
-            <a:fillRect/>
-          </a:stretch>
-        </p:blipFill>
-        <p:spPr>
-          <a:xfrm>
-            <a:off x="7875821" y="5859888"/>
-            <a:ext cx="934160" cy="934160"/>
-          </a:xfrm>
-          <a:prstGeom prst="rect">
-            <a:avLst/>
-          </a:prstGeom>
-        </p:spPr>
-      </p:pic>
-      <p:cxnSp>
-        <p:nvCxnSpPr>
-          <p:cNvPr id="33" name="Straight Arrow Connector 16">
-            <a:extLst>
-              <a:ext uri="{FF2B5EF4-FFF2-40B4-BE49-F238E27FC236}">
-                <a16:creationId xmlns:a16="http://schemas.microsoft.com/office/drawing/2014/main" id="{2F243BAF-856F-F2A9-981C-78F33C2B76EA}"/>
-              </a:ext>
-            </a:extLst>
-          </p:cNvPr>
-          <p:cNvCxnSpPr>
-            <a:cxnSpLocks/>
-          </p:cNvCxnSpPr>
-          <p:nvPr/>
-        </p:nvCxnSpPr>
-        <p:spPr>
-          <a:xfrm rot="16200000" flipV="1">
-            <a:off x="7571332" y="5937690"/>
-            <a:ext cx="531275" cy="247284"/>
+          <a:xfrm rot="10800000">
+            <a:off x="568088" y="1637957"/>
+            <a:ext cx="1533639" cy="924555"/>
           </a:xfrm>
           <a:prstGeom prst="bentConnector3">
             <a:avLst>
-              <a:gd name="adj1" fmla="val 1321"/>
+              <a:gd name="adj1" fmla="val 114906"/>
             </a:avLst>
           </a:prstGeom>
           <a:ln w="28575">
@@ -14744,400 +13806,10 @@
       </p:cxnSp>
       <p:sp>
         <p:nvSpPr>
-          <p:cNvPr id="40" name="TextBox 39">
+          <p:cNvPr id="37" name="Left-Right Arrow 36">
             <a:extLst>
               <a:ext uri="{FF2B5EF4-FFF2-40B4-BE49-F238E27FC236}">
-                <a16:creationId xmlns:a16="http://schemas.microsoft.com/office/drawing/2014/main" id="{13DA508C-58C5-81C4-02EB-7CCD4E042714}"/>
-              </a:ext>
-            </a:extLst>
-          </p:cNvPr>
-          <p:cNvSpPr txBox="1"/>
-          <p:nvPr/>
-        </p:nvSpPr>
-        <p:spPr>
-          <a:xfrm>
-            <a:off x="8801695" y="6156152"/>
-            <a:ext cx="1851789" cy="341632"/>
-          </a:xfrm>
-          <a:prstGeom prst="rect">
-            <a:avLst/>
-          </a:prstGeom>
-          <a:noFill/>
-        </p:spPr>
-        <p:txBody>
-          <a:bodyPr wrap="none" rtlCol="0">
-            <a:spAutoFit/>
-          </a:bodyPr>
-          <a:lstStyle/>
-          <a:p>
-            <a:pPr algn="l">
-              <a:lnSpc>
-                <a:spcPct val="90000"/>
-              </a:lnSpc>
-            </a:pPr>
-            <a:r>
-              <a:rPr lang="en-US" dirty="0">
-                <a:latin typeface="+mn-lt"/>
-              </a:rPr>
-              <a:t>neural network</a:t>
-            </a:r>
-          </a:p>
-        </p:txBody>
-      </p:sp>
-    </p:spTree>
-    <p:extLst>
-      <p:ext uri="{BB962C8B-B14F-4D97-AF65-F5344CB8AC3E}">
-        <p14:creationId xmlns:p14="http://schemas.microsoft.com/office/powerpoint/2010/main" val="116279475"/>
-      </p:ext>
-    </p:extLst>
-  </p:cSld>
-  <p:clrMapOvr>
-    <a:masterClrMapping/>
-  </p:clrMapOvr>
-</p:sld>
-</file>
-
-<file path=ppt/slides/slide4.xml><?xml version="1.0" encoding="utf-8"?>
-<p:sld xmlns:a="http://schemas.openxmlformats.org/drawingml/2006/main" xmlns:r="http://schemas.openxmlformats.org/officeDocument/2006/relationships" xmlns:p="http://schemas.openxmlformats.org/presentationml/2006/main">
-  <p:cSld>
-    <p:spTree>
-      <p:nvGrpSpPr>
-        <p:cNvPr id="1" name=""/>
-        <p:cNvGrpSpPr/>
-        <p:nvPr/>
-      </p:nvGrpSpPr>
-      <p:grpSpPr>
-        <a:xfrm>
-          <a:off x="0" y="0"/>
-          <a:ext cx="0" cy="0"/>
-          <a:chOff x="0" y="0"/>
-          <a:chExt cx="0" cy="0"/>
-        </a:xfrm>
-      </p:grpSpPr>
-      <p:sp>
-        <p:nvSpPr>
-          <p:cNvPr id="2" name="Title 1">
-            <a:extLst>
-              <a:ext uri="{FF2B5EF4-FFF2-40B4-BE49-F238E27FC236}">
-                <a16:creationId xmlns:a16="http://schemas.microsoft.com/office/drawing/2014/main" id="{929AA55E-1F51-096F-B730-080639E62B05}"/>
-              </a:ext>
-            </a:extLst>
-          </p:cNvPr>
-          <p:cNvSpPr>
-            <a:spLocks noGrp="1"/>
-          </p:cNvSpPr>
-          <p:nvPr>
-            <p:ph type="title"/>
-          </p:nvPr>
-        </p:nvSpPr>
-        <p:spPr/>
-        <p:txBody>
-          <a:bodyPr/>
-          <a:lstStyle/>
-          <a:p>
-            <a:r>
-              <a:rPr lang="en-US" dirty="0"/>
-              <a:t>Graphical way of identifying valve timing</a:t>
-            </a:r>
-          </a:p>
-        </p:txBody>
-      </p:sp>
-      <p:pic>
-        <p:nvPicPr>
-          <p:cNvPr id="1026" name="Picture 2" descr="The pressure-volume (pV) diagram and how work is produced in an ICE –  x-engineer.org">
-            <a:extLst>
-              <a:ext uri="{FF2B5EF4-FFF2-40B4-BE49-F238E27FC236}">
-                <a16:creationId xmlns:a16="http://schemas.microsoft.com/office/drawing/2014/main" id="{BE464635-8F30-C375-2BF6-F2458BFD74D6}"/>
-              </a:ext>
-            </a:extLst>
-          </p:cNvPr>
-          <p:cNvPicPr>
-            <a:picLocks noGrp="1" noChangeAspect="1" noChangeArrowheads="1"/>
-          </p:cNvPicPr>
-          <p:nvPr>
-            <p:ph idx="1"/>
-          </p:nvPr>
-        </p:nvPicPr>
-        <p:blipFill>
-          <a:blip r:embed="rId2">
-            <a:extLst>
-              <a:ext uri="{28A0092B-C50C-407E-A947-70E740481C1C}">
-                <a14:useLocalDpi xmlns:a14="http://schemas.microsoft.com/office/drawing/2010/main" val="0"/>
-              </a:ext>
-            </a:extLst>
-          </a:blip>
-          <a:srcRect/>
-          <a:stretch>
-            <a:fillRect/>
-          </a:stretch>
-        </p:blipFill>
-        <p:spPr bwMode="auto">
-          <a:xfrm>
-            <a:off x="666062" y="813816"/>
-            <a:ext cx="5040705" cy="5466911"/>
-          </a:xfrm>
-          <a:prstGeom prst="rect">
-            <a:avLst/>
-          </a:prstGeom>
-          <a:noFill/>
-          <a:extLst>
-            <a:ext uri="{909E8E84-426E-40DD-AFC4-6F175D3DCCD1}">
-              <a14:hiddenFill xmlns:a14="http://schemas.microsoft.com/office/drawing/2010/main">
-                <a:solidFill>
-                  <a:srgbClr val="FFFFFF"/>
-                </a:solidFill>
-              </a14:hiddenFill>
-            </a:ext>
-          </a:extLst>
-        </p:spPr>
-      </p:pic>
-      <p:sp>
-        <p:nvSpPr>
-          <p:cNvPr id="4" name="TextBox 3">
-            <a:extLst>
-              <a:ext uri="{FF2B5EF4-FFF2-40B4-BE49-F238E27FC236}">
-                <a16:creationId xmlns:a16="http://schemas.microsoft.com/office/drawing/2014/main" id="{ADB5C0EB-1DEC-22EC-E61D-37C9731D3485}"/>
-              </a:ext>
-            </a:extLst>
-          </p:cNvPr>
-          <p:cNvSpPr txBox="1"/>
-          <p:nvPr/>
-        </p:nvSpPr>
-        <p:spPr>
-          <a:xfrm>
-            <a:off x="5706767" y="2521527"/>
-            <a:ext cx="3357009" cy="341632"/>
-          </a:xfrm>
-          <a:prstGeom prst="rect">
-            <a:avLst/>
-          </a:prstGeom>
-          <a:noFill/>
-        </p:spPr>
-        <p:txBody>
-          <a:bodyPr wrap="none" rtlCol="0">
-            <a:spAutoFit/>
-          </a:bodyPr>
-          <a:lstStyle/>
-          <a:p>
-            <a:pPr algn="l">
-              <a:lnSpc>
-                <a:spcPct val="90000"/>
-              </a:lnSpc>
-            </a:pPr>
-            <a:r>
-              <a:rPr lang="en-US" dirty="0">
-                <a:latin typeface="+mn-lt"/>
-              </a:rPr>
-              <a:t>EVO: right before blowdown</a:t>
-            </a:r>
-          </a:p>
-        </p:txBody>
-      </p:sp>
-      <p:sp>
-        <p:nvSpPr>
-          <p:cNvPr id="5" name="TextBox 4">
-            <a:extLst>
-              <a:ext uri="{FF2B5EF4-FFF2-40B4-BE49-F238E27FC236}">
-                <a16:creationId xmlns:a16="http://schemas.microsoft.com/office/drawing/2014/main" id="{2BCACEC5-BDD4-D742-BB8C-AC69DAECFE51}"/>
-              </a:ext>
-            </a:extLst>
-          </p:cNvPr>
-          <p:cNvSpPr txBox="1"/>
-          <p:nvPr/>
-        </p:nvSpPr>
-        <p:spPr>
-          <a:xfrm>
-            <a:off x="5706767" y="3653210"/>
-            <a:ext cx="3898824" cy="341632"/>
-          </a:xfrm>
-          <a:prstGeom prst="rect">
-            <a:avLst/>
-          </a:prstGeom>
-          <a:noFill/>
-        </p:spPr>
-        <p:txBody>
-          <a:bodyPr wrap="none" rtlCol="0">
-            <a:spAutoFit/>
-          </a:bodyPr>
-          <a:lstStyle/>
-          <a:p>
-            <a:pPr algn="l">
-              <a:lnSpc>
-                <a:spcPct val="90000"/>
-              </a:lnSpc>
-            </a:pPr>
-            <a:r>
-              <a:rPr lang="en-US" dirty="0">
-                <a:latin typeface="+mn-lt"/>
-              </a:rPr>
-              <a:t>IVC: right after compression starts</a:t>
-            </a:r>
-          </a:p>
-        </p:txBody>
-      </p:sp>
-      <p:cxnSp>
-        <p:nvCxnSpPr>
-          <p:cNvPr id="7" name="Straight Arrow Connector 6">
-            <a:extLst>
-              <a:ext uri="{FF2B5EF4-FFF2-40B4-BE49-F238E27FC236}">
-                <a16:creationId xmlns:a16="http://schemas.microsoft.com/office/drawing/2014/main" id="{67CF7795-801A-94F4-C4C2-086C01301A89}"/>
-              </a:ext>
-            </a:extLst>
-          </p:cNvPr>
-          <p:cNvCxnSpPr>
-            <a:stCxn id="4" idx="1"/>
-          </p:cNvCxnSpPr>
-          <p:nvPr/>
-        </p:nvCxnSpPr>
-        <p:spPr>
-          <a:xfrm flipH="1">
-            <a:off x="4738255" y="2692343"/>
-            <a:ext cx="968512" cy="595802"/>
-          </a:xfrm>
-          <a:prstGeom prst="straightConnector1">
-            <a:avLst/>
-          </a:prstGeom>
-          <a:ln w="28575">
-            <a:solidFill>
-              <a:schemeClr val="bg1">
-                <a:lumMod val="50000"/>
-              </a:schemeClr>
-            </a:solidFill>
-            <a:miter lim="800000"/>
-            <a:tailEnd type="triangle"/>
-          </a:ln>
-        </p:spPr>
-        <p:style>
-          <a:lnRef idx="1">
-            <a:schemeClr val="accent1"/>
-          </a:lnRef>
-          <a:fillRef idx="0">
-            <a:schemeClr val="accent1"/>
-          </a:fillRef>
-          <a:effectRef idx="0">
-            <a:schemeClr val="accent1"/>
-          </a:effectRef>
-          <a:fontRef idx="minor">
-            <a:schemeClr val="tx1"/>
-          </a:fontRef>
-        </p:style>
-      </p:cxnSp>
-      <p:cxnSp>
-        <p:nvCxnSpPr>
-          <p:cNvPr id="8" name="Straight Arrow Connector 7">
-            <a:extLst>
-              <a:ext uri="{FF2B5EF4-FFF2-40B4-BE49-F238E27FC236}">
-                <a16:creationId xmlns:a16="http://schemas.microsoft.com/office/drawing/2014/main" id="{DB4A02B9-0656-D0D1-D3AD-6706310263B7}"/>
-              </a:ext>
-            </a:extLst>
-          </p:cNvPr>
-          <p:cNvCxnSpPr>
-            <a:cxnSpLocks/>
-            <a:stCxn id="5" idx="1"/>
-          </p:cNvCxnSpPr>
-          <p:nvPr/>
-        </p:nvCxnSpPr>
-        <p:spPr>
-          <a:xfrm flipH="1">
-            <a:off x="4738255" y="3824026"/>
-            <a:ext cx="968512" cy="254170"/>
-          </a:xfrm>
-          <a:prstGeom prst="straightConnector1">
-            <a:avLst/>
-          </a:prstGeom>
-          <a:ln w="28575">
-            <a:solidFill>
-              <a:schemeClr val="bg1">
-                <a:lumMod val="50000"/>
-              </a:schemeClr>
-            </a:solidFill>
-            <a:miter lim="800000"/>
-            <a:tailEnd type="triangle"/>
-          </a:ln>
-        </p:spPr>
-        <p:style>
-          <a:lnRef idx="1">
-            <a:schemeClr val="accent1"/>
-          </a:lnRef>
-          <a:fillRef idx="0">
-            <a:schemeClr val="accent1"/>
-          </a:fillRef>
-          <a:effectRef idx="0">
-            <a:schemeClr val="accent1"/>
-          </a:effectRef>
-          <a:fontRef idx="minor">
-            <a:schemeClr val="tx1"/>
-          </a:fontRef>
-        </p:style>
-      </p:cxnSp>
-    </p:spTree>
-    <p:extLst>
-      <p:ext uri="{BB962C8B-B14F-4D97-AF65-F5344CB8AC3E}">
-        <p14:creationId xmlns:p14="http://schemas.microsoft.com/office/powerpoint/2010/main" val="2709218316"/>
-      </p:ext>
-    </p:extLst>
-  </p:cSld>
-  <p:clrMapOvr>
-    <a:masterClrMapping/>
-  </p:clrMapOvr>
-</p:sld>
-</file>
-
-<file path=ppt/slides/slide5.xml><?xml version="1.0" encoding="utf-8"?>
-<p:sld xmlns:a="http://schemas.openxmlformats.org/drawingml/2006/main" xmlns:r="http://schemas.openxmlformats.org/officeDocument/2006/relationships" xmlns:p="http://schemas.openxmlformats.org/presentationml/2006/main">
-  <p:cSld>
-    <p:spTree>
-      <p:nvGrpSpPr>
-        <p:cNvPr id="1" name=""/>
-        <p:cNvGrpSpPr/>
-        <p:nvPr/>
-      </p:nvGrpSpPr>
-      <p:grpSpPr>
-        <a:xfrm>
-          <a:off x="0" y="0"/>
-          <a:ext cx="0" cy="0"/>
-          <a:chOff x="0" y="0"/>
-          <a:chExt cx="0" cy="0"/>
-        </a:xfrm>
-      </p:grpSpPr>
-      <p:pic>
-        <p:nvPicPr>
-          <p:cNvPr id="4" name="Content Placeholder 3">
-            <a:extLst>
-              <a:ext uri="{FF2B5EF4-FFF2-40B4-BE49-F238E27FC236}">
-                <a16:creationId xmlns:a16="http://schemas.microsoft.com/office/drawing/2014/main" id="{054BA684-7AAA-45F6-C644-20BBCCFBFB75}"/>
-              </a:ext>
-            </a:extLst>
-          </p:cNvPr>
-          <p:cNvPicPr>
-            <a:picLocks noGrp="1" noChangeAspect="1"/>
-          </p:cNvPicPr>
-          <p:nvPr>
-            <p:ph idx="1"/>
-          </p:nvPr>
-        </p:nvPicPr>
-        <p:blipFill>
-          <a:blip r:embed="rId2"/>
-          <a:stretch>
-            <a:fillRect/>
-          </a:stretch>
-        </p:blipFill>
-        <p:spPr>
-          <a:xfrm>
-            <a:off x="2096655" y="-5866"/>
-            <a:ext cx="7575415" cy="6863866"/>
-          </a:xfrm>
-          <a:prstGeom prst="rect">
-            <a:avLst/>
-          </a:prstGeom>
-        </p:spPr>
-      </p:pic>
-      <p:sp>
-        <p:nvSpPr>
-          <p:cNvPr id="6" name="Rectangle 5">
-            <a:extLst>
-              <a:ext uri="{FF2B5EF4-FFF2-40B4-BE49-F238E27FC236}">
-                <a16:creationId xmlns:a16="http://schemas.microsoft.com/office/drawing/2014/main" id="{6C389BB4-49DE-A74E-6189-F7F3C08AE111}"/>
+                <a16:creationId xmlns:a16="http://schemas.microsoft.com/office/drawing/2014/main" id="{8D016D9A-3AE4-0798-A2C1-84DF5B47171F}"/>
               </a:ext>
             </a:extLst>
           </p:cNvPr>
@@ -15146,14 +13818,16 @@
         </p:nvSpPr>
         <p:spPr>
           <a:xfrm>
-            <a:off x="4886036" y="212436"/>
-            <a:ext cx="3796146" cy="1514764"/>
+            <a:off x="3534557" y="107598"/>
+            <a:ext cx="2686539" cy="590930"/>
           </a:xfrm>
-          <a:prstGeom prst="rect">
+          <a:prstGeom prst="leftRightArrow">
             <a:avLst/>
           </a:prstGeom>
-          <a:noFill/>
-          <a:ln w="38100">
+          <a:solidFill>
+            <a:schemeClr val="bg1"/>
+          </a:solidFill>
+          <a:ln w="19050">
             <a:solidFill>
               <a:schemeClr val="accent1">
                 <a:lumMod val="50000"/>
@@ -15195,25 +13869,539 @@
           </a:bodyPr>
           <a:lstStyle/>
           <a:p>
-            <a:pPr algn="l">
+            <a:pPr algn="ctr">
               <a:lnSpc>
                 <a:spcPct val="90000"/>
               </a:lnSpc>
             </a:pPr>
-            <a:endParaRPr lang="en-US" dirty="0">
-              <a:solidFill>
-                <a:schemeClr val="tx1"/>
-              </a:solidFill>
-            </a:endParaRPr>
+            <a:r>
+              <a:rPr lang="en-US" dirty="0">
+                <a:solidFill>
+                  <a:schemeClr val="tx1"/>
+                </a:solidFill>
+              </a:rPr>
+              <a:t>CAN comms</a:t>
+            </a:r>
           </a:p>
         </p:txBody>
       </p:sp>
+      <mc:AlternateContent xmlns:mc="http://schemas.openxmlformats.org/markup-compatibility/2006">
+        <mc:Choice xmlns:a14="http://schemas.microsoft.com/office/drawing/2010/main" Requires="a14">
+          <p:sp>
+            <p:nvSpPr>
+              <p:cNvPr id="39" name="TextBox 38">
+                <a:extLst>
+                  <a:ext uri="{FF2B5EF4-FFF2-40B4-BE49-F238E27FC236}">
+                    <a16:creationId xmlns:a16="http://schemas.microsoft.com/office/drawing/2014/main" id="{2BB11DEE-397D-5945-E590-86686FDC5E95}"/>
+                  </a:ext>
+                </a:extLst>
+              </p:cNvPr>
+              <p:cNvSpPr txBox="1"/>
+              <p:nvPr/>
+            </p:nvSpPr>
+            <p:spPr>
+              <a:xfrm>
+                <a:off x="7008290" y="1301781"/>
+                <a:ext cx="1779461" cy="757259"/>
+              </a:xfrm>
+              <a:prstGeom prst="rect">
+                <a:avLst/>
+              </a:prstGeom>
+              <a:noFill/>
+            </p:spPr>
+            <p:txBody>
+              <a:bodyPr wrap="none" rtlCol="0">
+                <a:spAutoFit/>
+              </a:bodyPr>
+              <a:lstStyle/>
+              <a:p>
+                <a:pPr algn="l">
+                  <a:lnSpc>
+                    <a:spcPct val="90000"/>
+                  </a:lnSpc>
+                </a:pPr>
+                <a14:m>
+                  <m:oMathPara xmlns:m="http://schemas.openxmlformats.org/officeDocument/2006/math">
+                    <m:oMathParaPr>
+                      <m:jc m:val="centerGroup"/>
+                    </m:oMathParaPr>
+                    <m:oMath xmlns:m="http://schemas.openxmlformats.org/officeDocument/2006/math">
+                      <m:d>
+                        <m:dPr>
+                          <m:begChr m:val="["/>
+                          <m:endChr m:val="]"/>
+                          <m:ctrlPr>
+                            <a:rPr lang="en-US" b="0" i="1" smtClean="0">
+                              <a:latin typeface="Cambria Math" panose="02040503050406030204" pitchFamily="18" charset="0"/>
+                            </a:rPr>
+                          </m:ctrlPr>
+                        </m:dPr>
+                        <m:e>
+                          <m:m>
+                            <m:mPr>
+                              <m:mcs>
+                                <m:mc>
+                                  <m:mcPr>
+                                    <m:count m:val="1"/>
+                                    <m:mcJc m:val="center"/>
+                                  </m:mcPr>
+                                </m:mc>
+                              </m:mcs>
+                              <m:ctrlPr>
+                                <a:rPr lang="en-US" b="0" i="1" smtClean="0">
+                                  <a:latin typeface="Cambria Math" panose="02040503050406030204" pitchFamily="18" charset="0"/>
+                                </a:rPr>
+                              </m:ctrlPr>
+                            </m:mPr>
+                            <m:mr>
+                              <m:e>
+                                <m:r>
+                                  <m:rPr>
+                                    <m:sty m:val="p"/>
+                                    <m:brk m:alnAt="7"/>
+                                  </m:rPr>
+                                  <a:rPr lang="en-US" i="0" smtClean="0">
+                                    <a:latin typeface="Cambria Math" panose="02040503050406030204" pitchFamily="18" charset="0"/>
+                                  </a:rPr>
+                                  <m:t>M</m:t>
+                                </m:r>
+                                <m:r>
+                                  <a:rPr lang="en-US" i="0" smtClean="0">
+                                    <a:latin typeface="Cambria Math" panose="02040503050406030204" pitchFamily="18" charset="0"/>
+                                  </a:rPr>
+                                  <m:t>_</m:t>
+                                </m:r>
+                                <m:r>
+                                  <m:rPr>
+                                    <m:sty m:val="p"/>
+                                  </m:rPr>
+                                  <a:rPr lang="en-US" i="0" smtClean="0">
+                                    <a:latin typeface="Cambria Math" panose="02040503050406030204" pitchFamily="18" charset="0"/>
+                                  </a:rPr>
+                                  <m:t>fuel</m:t>
+                                </m:r>
+                                <m:r>
+                                  <a:rPr lang="en-US" i="0" smtClean="0">
+                                    <a:latin typeface="Cambria Math" panose="02040503050406030204" pitchFamily="18" charset="0"/>
+                                  </a:rPr>
+                                  <m:t>_</m:t>
+                                </m:r>
+                                <m:r>
+                                  <m:rPr>
+                                    <m:sty m:val="p"/>
+                                  </m:rPr>
+                                  <a:rPr lang="en-US" i="0" smtClean="0">
+                                    <a:latin typeface="Cambria Math" panose="02040503050406030204" pitchFamily="18" charset="0"/>
+                                  </a:rPr>
+                                  <m:t>scaled</m:t>
+                                </m:r>
+                              </m:e>
+                            </m:mr>
+                            <m:mr>
+                              <m:e>
+                                <m:r>
+                                  <m:rPr>
+                                    <m:sty m:val="p"/>
+                                  </m:rPr>
+                                  <a:rPr lang="en-US" i="0" smtClean="0">
+                                    <a:latin typeface="Cambria Math" panose="02040503050406030204" pitchFamily="18" charset="0"/>
+                                  </a:rPr>
+                                  <m:t>M</m:t>
+                                </m:r>
+                                <m:r>
+                                  <a:rPr lang="en-US" i="0" smtClean="0">
+                                    <a:latin typeface="Cambria Math" panose="02040503050406030204" pitchFamily="18" charset="0"/>
+                                  </a:rPr>
+                                  <m:t>_</m:t>
+                                </m:r>
+                                <m:r>
+                                  <m:rPr>
+                                    <m:sty m:val="p"/>
+                                  </m:rPr>
+                                  <a:rPr lang="en-US" i="0" smtClean="0">
+                                    <a:latin typeface="Cambria Math" panose="02040503050406030204" pitchFamily="18" charset="0"/>
+                                  </a:rPr>
+                                  <m:t>air</m:t>
+                                </m:r>
+                                <m:r>
+                                  <a:rPr lang="en-US" i="0" smtClean="0">
+                                    <a:latin typeface="Cambria Math" panose="02040503050406030204" pitchFamily="18" charset="0"/>
+                                  </a:rPr>
+                                  <m:t>_</m:t>
+                                </m:r>
+                                <m:r>
+                                  <m:rPr>
+                                    <m:sty m:val="p"/>
+                                  </m:rPr>
+                                  <a:rPr lang="en-US" i="0" smtClean="0">
+                                    <a:latin typeface="Cambria Math" panose="02040503050406030204" pitchFamily="18" charset="0"/>
+                                  </a:rPr>
+                                  <m:t>scaled</m:t>
+                                </m:r>
+                              </m:e>
+                            </m:mr>
+                            <m:mr>
+                              <m:e>
+                                <m:r>
+                                  <m:rPr>
+                                    <m:sty m:val="p"/>
+                                  </m:rPr>
+                                  <a:rPr lang="en-US" i="0" smtClean="0">
+                                    <a:latin typeface="Cambria Math" panose="02040503050406030204" pitchFamily="18" charset="0"/>
+                                  </a:rPr>
+                                  <m:t>CA</m:t>
+                                </m:r>
+                                <m:r>
+                                  <a:rPr lang="en-US" i="0" smtClean="0">
+                                    <a:latin typeface="Cambria Math" panose="02040503050406030204" pitchFamily="18" charset="0"/>
+                                  </a:rPr>
+                                  <m:t>50_</m:t>
+                                </m:r>
+                                <m:r>
+                                  <m:rPr>
+                                    <m:sty m:val="p"/>
+                                  </m:rPr>
+                                  <a:rPr lang="en-US" i="0" smtClean="0">
+                                    <a:latin typeface="Cambria Math" panose="02040503050406030204" pitchFamily="18" charset="0"/>
+                                  </a:rPr>
+                                  <m:t>scaled</m:t>
+                                </m:r>
+                              </m:e>
+                            </m:mr>
+                          </m:m>
+                        </m:e>
+                      </m:d>
+                    </m:oMath>
+                  </m:oMathPara>
+                </a14:m>
+                <a:endParaRPr lang="en-US" dirty="0">
+                  <a:latin typeface="+mn-lt"/>
+                </a:endParaRPr>
+              </a:p>
+            </p:txBody>
+          </p:sp>
+        </mc:Choice>
+        <mc:Fallback>
+          <p:sp>
+            <p:nvSpPr>
+              <p:cNvPr id="39" name="TextBox 38">
+                <a:extLst>
+                  <a:ext uri="{FF2B5EF4-FFF2-40B4-BE49-F238E27FC236}">
+                    <a16:creationId xmlns:a16="http://schemas.microsoft.com/office/drawing/2014/main" id="{2BB11DEE-397D-5945-E590-86686FDC5E95}"/>
+                  </a:ext>
+                </a:extLst>
+              </p:cNvPr>
+              <p:cNvSpPr txBox="1">
+                <a:spLocks noRot="1" noChangeAspect="1" noMove="1" noResize="1" noEditPoints="1" noAdjustHandles="1" noChangeArrowheads="1" noChangeShapeType="1" noTextEdit="1"/>
+              </p:cNvSpPr>
+              <p:nvPr/>
+            </p:nvSpPr>
+            <p:spPr>
+              <a:xfrm>
+                <a:off x="7008290" y="1301781"/>
+                <a:ext cx="1779461" cy="757259"/>
+              </a:xfrm>
+              <a:prstGeom prst="rect">
+                <a:avLst/>
+              </a:prstGeom>
+              <a:blipFill>
+                <a:blip r:embed="rId6"/>
+                <a:stretch>
+                  <a:fillRect t="-3279" b="-6557"/>
+                </a:stretch>
+              </a:blipFill>
+            </p:spPr>
+            <p:txBody>
+              <a:bodyPr/>
+              <a:lstStyle/>
+              <a:p>
+                <a:r>
+                  <a:rPr lang="en-US">
+                    <a:noFill/>
+                  </a:rPr>
+                  <a:t> </a:t>
+                </a:r>
+              </a:p>
+            </p:txBody>
+          </p:sp>
+        </mc:Fallback>
+      </mc:AlternateContent>
+      <p:pic>
+        <p:nvPicPr>
+          <p:cNvPr id="41" name="Graphic 40" descr="Network diagram outline">
+            <a:extLst>
+              <a:ext uri="{FF2B5EF4-FFF2-40B4-BE49-F238E27FC236}">
+                <a16:creationId xmlns:a16="http://schemas.microsoft.com/office/drawing/2014/main" id="{EEE537A3-FDB0-A832-522E-C911EC0064AE}"/>
+              </a:ext>
+            </a:extLst>
+          </p:cNvPr>
+          <p:cNvPicPr>
+            <a:picLocks noChangeAspect="1"/>
+          </p:cNvPicPr>
+          <p:nvPr/>
+        </p:nvPicPr>
+        <p:blipFill>
+          <a:blip r:embed="rId7">
+            <a:extLst>
+              <a:ext uri="{96DAC541-7B7A-43D3-8B79-37D633B846F1}">
+                <asvg:svgBlip xmlns:asvg="http://schemas.microsoft.com/office/drawing/2016/SVG/main" r:embed="rId8"/>
+              </a:ext>
+            </a:extLst>
+          </a:blip>
+          <a:stretch>
+            <a:fillRect/>
+          </a:stretch>
+        </p:blipFill>
+        <p:spPr>
+          <a:xfrm>
+            <a:off x="8591062" y="1198443"/>
+            <a:ext cx="914400" cy="914400"/>
+          </a:xfrm>
+          <a:prstGeom prst="rect">
+            <a:avLst/>
+          </a:prstGeom>
+        </p:spPr>
+      </p:pic>
+      <mc:AlternateContent xmlns:mc="http://schemas.openxmlformats.org/markup-compatibility/2006">
+        <mc:Choice xmlns:a14="http://schemas.microsoft.com/office/drawing/2010/main" Requires="a14">
+          <p:sp>
+            <p:nvSpPr>
+              <p:cNvPr id="42" name="TextBox 41">
+                <a:extLst>
+                  <a:ext uri="{FF2B5EF4-FFF2-40B4-BE49-F238E27FC236}">
+                    <a16:creationId xmlns:a16="http://schemas.microsoft.com/office/drawing/2014/main" id="{787036ED-01C3-4854-ADBA-4FEEE99D8431}"/>
+                  </a:ext>
+                </a:extLst>
+              </p:cNvPr>
+              <p:cNvSpPr txBox="1"/>
+              <p:nvPr/>
+            </p:nvSpPr>
+            <p:spPr>
+              <a:xfrm>
+                <a:off x="6221096" y="2900634"/>
+                <a:ext cx="2169505" cy="513154"/>
+              </a:xfrm>
+              <a:prstGeom prst="rect">
+                <a:avLst/>
+              </a:prstGeom>
+              <a:noFill/>
+            </p:spPr>
+            <p:txBody>
+              <a:bodyPr wrap="none" rtlCol="0">
+                <a:spAutoFit/>
+              </a:bodyPr>
+              <a:lstStyle/>
+              <a:p>
+                <a:pPr algn="l">
+                  <a:lnSpc>
+                    <a:spcPct val="90000"/>
+                  </a:lnSpc>
+                </a:pPr>
+                <a14:m>
+                  <m:oMathPara xmlns:m="http://schemas.openxmlformats.org/officeDocument/2006/math">
+                    <m:oMathParaPr>
+                      <m:jc m:val="centerGroup"/>
+                    </m:oMathParaPr>
+                    <m:oMath xmlns:m="http://schemas.openxmlformats.org/officeDocument/2006/math">
+                      <m:d>
+                        <m:dPr>
+                          <m:begChr m:val="["/>
+                          <m:endChr m:val="]"/>
+                          <m:ctrlPr>
+                            <a:rPr lang="en-US" smtClean="0">
+                              <a:latin typeface="Cambria Math" panose="02040503050406030204" pitchFamily="18" charset="0"/>
+                            </a:rPr>
+                          </m:ctrlPr>
+                        </m:dPr>
+                        <m:e>
+                          <m:m>
+                            <m:mPr>
+                              <m:mcs>
+                                <m:mc>
+                                  <m:mcPr>
+                                    <m:count m:val="1"/>
+                                    <m:mcJc m:val="center"/>
+                                  </m:mcPr>
+                                </m:mc>
+                              </m:mcs>
+                              <m:ctrlPr>
+                                <a:rPr lang="en-US" smtClean="0">
+                                  <a:latin typeface="Cambria Math" panose="02040503050406030204" pitchFamily="18" charset="0"/>
+                                </a:rPr>
+                              </m:ctrlPr>
+                            </m:mPr>
+                            <m:mr>
+                              <m:e>
+                                <m:r>
+                                  <m:rPr>
+                                    <m:sty m:val="p"/>
+                                    <m:brk m:alnAt="7"/>
+                                  </m:rPr>
+                                  <a:rPr lang="en-US" i="0">
+                                    <a:latin typeface="Cambria Math" panose="02040503050406030204" pitchFamily="18" charset="0"/>
+                                  </a:rPr>
+                                  <m:t>D</m:t>
+                                </m:r>
+                                <m:r>
+                                  <m:rPr>
+                                    <m:sty m:val="p"/>
+                                  </m:rPr>
+                                  <a:rPr lang="en-US" i="0">
+                                    <a:latin typeface="Cambria Math" panose="02040503050406030204" pitchFamily="18" charset="0"/>
+                                  </a:rPr>
+                                  <m:t>iesel</m:t>
+                                </m:r>
+                                <m:r>
+                                  <a:rPr lang="en-US" i="0">
+                                    <a:latin typeface="Cambria Math" panose="02040503050406030204" pitchFamily="18" charset="0"/>
+                                  </a:rPr>
+                                  <m:t>_</m:t>
+                                </m:r>
+                                <m:r>
+                                  <m:rPr>
+                                    <m:sty m:val="p"/>
+                                  </m:rPr>
+                                  <a:rPr lang="en-US" i="0">
+                                    <a:latin typeface="Cambria Math" panose="02040503050406030204" pitchFamily="18" charset="0"/>
+                                  </a:rPr>
+                                  <m:t>SOI</m:t>
+                                </m:r>
+                                <m:r>
+                                  <a:rPr lang="en-US" i="0">
+                                    <a:latin typeface="Cambria Math" panose="02040503050406030204" pitchFamily="18" charset="0"/>
+                                  </a:rPr>
+                                  <m:t>_</m:t>
+                                </m:r>
+                                <m:r>
+                                  <m:rPr>
+                                    <m:sty m:val="p"/>
+                                  </m:rPr>
+                                  <a:rPr lang="en-US" i="0">
+                                    <a:latin typeface="Cambria Math" panose="02040503050406030204" pitchFamily="18" charset="0"/>
+                                  </a:rPr>
+                                  <m:t>EONS</m:t>
+                                </m:r>
+                                <m:r>
+                                  <a:rPr lang="en-US" i="0">
+                                    <a:latin typeface="Cambria Math" panose="02040503050406030204" pitchFamily="18" charset="0"/>
+                                  </a:rPr>
+                                  <m:t> </m:t>
+                                </m:r>
+                              </m:e>
+                            </m:mr>
+                            <m:mr>
+                              <m:e>
+                                <m:r>
+                                  <m:rPr>
+                                    <m:sty m:val="p"/>
+                                  </m:rPr>
+                                  <a:rPr lang="en-US" i="0">
+                                    <a:latin typeface="Cambria Math" panose="02040503050406030204" pitchFamily="18" charset="0"/>
+                                  </a:rPr>
+                                  <m:t>Diesel</m:t>
+                                </m:r>
+                                <m:r>
+                                  <a:rPr lang="en-US" i="0">
+                                    <a:latin typeface="Cambria Math" panose="02040503050406030204" pitchFamily="18" charset="0"/>
+                                  </a:rPr>
+                                  <m:t>_</m:t>
+                                </m:r>
+                                <m:r>
+                                  <m:rPr>
+                                    <m:sty m:val="p"/>
+                                  </m:rPr>
+                                  <a:rPr lang="en-US" i="0">
+                                    <a:latin typeface="Cambria Math" panose="02040503050406030204" pitchFamily="18" charset="0"/>
+                                  </a:rPr>
+                                  <m:t>fuel</m:t>
+                                </m:r>
+                                <m:r>
+                                  <a:rPr lang="en-US" i="0">
+                                    <a:latin typeface="Cambria Math" panose="02040503050406030204" pitchFamily="18" charset="0"/>
+                                  </a:rPr>
+                                  <m:t>_</m:t>
+                                </m:r>
+                                <m:r>
+                                  <m:rPr>
+                                    <m:sty m:val="p"/>
+                                  </m:rPr>
+                                  <a:rPr lang="en-US" i="0">
+                                    <a:latin typeface="Cambria Math" panose="02040503050406030204" pitchFamily="18" charset="0"/>
+                                  </a:rPr>
+                                  <m:t>EONS</m:t>
+                                </m:r>
+                                <m:r>
+                                  <a:rPr lang="en-US" i="0">
+                                    <a:latin typeface="Cambria Math" panose="02040503050406030204" pitchFamily="18" charset="0"/>
+                                  </a:rPr>
+                                  <m:t> </m:t>
+                                </m:r>
+                              </m:e>
+                            </m:mr>
+                          </m:m>
+                        </m:e>
+                      </m:d>
+                    </m:oMath>
+                  </m:oMathPara>
+                </a14:m>
+                <a:endParaRPr lang="en-US" dirty="0">
+                  <a:latin typeface="+mn-lt"/>
+                </a:endParaRPr>
+              </a:p>
+            </p:txBody>
+          </p:sp>
+        </mc:Choice>
+        <mc:Fallback>
+          <p:sp>
+            <p:nvSpPr>
+              <p:cNvPr id="42" name="TextBox 41">
+                <a:extLst>
+                  <a:ext uri="{FF2B5EF4-FFF2-40B4-BE49-F238E27FC236}">
+                    <a16:creationId xmlns:a16="http://schemas.microsoft.com/office/drawing/2014/main" id="{787036ED-01C3-4854-ADBA-4FEEE99D8431}"/>
+                  </a:ext>
+                </a:extLst>
+              </p:cNvPr>
+              <p:cNvSpPr txBox="1">
+                <a:spLocks noRot="1" noChangeAspect="1" noMove="1" noResize="1" noEditPoints="1" noAdjustHandles="1" noChangeArrowheads="1" noChangeShapeType="1" noTextEdit="1"/>
+              </p:cNvSpPr>
+              <p:nvPr/>
+            </p:nvSpPr>
+            <p:spPr>
+              <a:xfrm>
+                <a:off x="6221096" y="2900634"/>
+                <a:ext cx="2169505" cy="513154"/>
+              </a:xfrm>
+              <a:prstGeom prst="rect">
+                <a:avLst/>
+              </a:prstGeom>
+              <a:blipFill>
+                <a:blip r:embed="rId9"/>
+                <a:stretch>
+                  <a:fillRect t="-7317" b="-24390"/>
+                </a:stretch>
+              </a:blipFill>
+            </p:spPr>
+            <p:txBody>
+              <a:bodyPr/>
+              <a:lstStyle/>
+              <a:p>
+                <a:r>
+                  <a:rPr lang="en-US">
+                    <a:noFill/>
+                  </a:rPr>
+                  <a:t> </a:t>
+                </a:r>
+              </a:p>
+            </p:txBody>
+          </p:sp>
+        </mc:Fallback>
+      </mc:AlternateContent>
       <p:sp>
         <p:nvSpPr>
-          <p:cNvPr id="7" name="TextBox 6">
+          <p:cNvPr id="43" name="TextBox 42">
             <a:extLst>
               <a:ext uri="{FF2B5EF4-FFF2-40B4-BE49-F238E27FC236}">
-                <a16:creationId xmlns:a16="http://schemas.microsoft.com/office/drawing/2014/main" id="{56284A76-60F2-EE1D-2A72-F4C3C678C187}"/>
+                <a16:creationId xmlns:a16="http://schemas.microsoft.com/office/drawing/2014/main" id="{6C027CF6-CACA-3E05-56F1-0EF240F14A9C}"/>
               </a:ext>
             </a:extLst>
           </p:cNvPr>
@@ -15222,8 +14410,1673 @@
         </p:nvSpPr>
         <p:spPr>
           <a:xfrm>
-            <a:off x="4886036" y="314036"/>
-            <a:ext cx="2053767" cy="341632"/>
+            <a:off x="8599887" y="3713283"/>
+            <a:ext cx="1205778" cy="840230"/>
+          </a:xfrm>
+          <a:prstGeom prst="rect">
+            <a:avLst/>
+          </a:prstGeom>
+        </p:spPr>
+        <p:style>
+          <a:lnRef idx="1">
+            <a:schemeClr val="accent5"/>
+          </a:lnRef>
+          <a:fillRef idx="2">
+            <a:schemeClr val="accent5"/>
+          </a:fillRef>
+          <a:effectRef idx="1">
+            <a:schemeClr val="accent5"/>
+          </a:effectRef>
+          <a:fontRef idx="minor">
+            <a:schemeClr val="dk1"/>
+          </a:fontRef>
+        </p:style>
+        <p:txBody>
+          <a:bodyPr wrap="none" rtlCol="0">
+            <a:spAutoFit/>
+          </a:bodyPr>
+          <a:lstStyle/>
+          <a:p>
+            <a:pPr algn="ctr">
+              <a:lnSpc>
+                <a:spcPct val="90000"/>
+              </a:lnSpc>
+            </a:pPr>
+            <a:r>
+              <a:rPr lang="en-US" dirty="0">
+                <a:latin typeface="+mn-lt"/>
+              </a:rPr>
+              <a:t>Engine</a:t>
+            </a:r>
+          </a:p>
+          <a:p>
+            <a:pPr algn="ctr">
+              <a:lnSpc>
+                <a:spcPct val="90000"/>
+              </a:lnSpc>
+            </a:pPr>
+            <a:r>
+              <a:rPr lang="en-US" dirty="0">
+                <a:latin typeface="+mn-lt"/>
+              </a:rPr>
+              <a:t>Simulator</a:t>
+            </a:r>
+          </a:p>
+          <a:p>
+            <a:pPr algn="ctr">
+              <a:lnSpc>
+                <a:spcPct val="90000"/>
+              </a:lnSpc>
+            </a:pPr>
+            <a:r>
+              <a:rPr lang="en-US" dirty="0"/>
+              <a:t>(Python)</a:t>
+            </a:r>
+            <a:endParaRPr lang="en-US" dirty="0">
+              <a:latin typeface="+mn-lt"/>
+            </a:endParaRPr>
+          </a:p>
+        </p:txBody>
+      </p:sp>
+      <p:cxnSp>
+        <p:nvCxnSpPr>
+          <p:cNvPr id="45" name="Elbow Connector 44">
+            <a:extLst>
+              <a:ext uri="{FF2B5EF4-FFF2-40B4-BE49-F238E27FC236}">
+                <a16:creationId xmlns:a16="http://schemas.microsoft.com/office/drawing/2014/main" id="{7A0BC404-7CDE-5578-67A3-A6AC7AD8BC79}"/>
+              </a:ext>
+            </a:extLst>
+          </p:cNvPr>
+          <p:cNvCxnSpPr>
+            <a:stCxn id="42" idx="3"/>
+            <a:endCxn id="43" idx="0"/>
+          </p:cNvCxnSpPr>
+          <p:nvPr/>
+        </p:nvCxnSpPr>
+        <p:spPr>
+          <a:xfrm>
+            <a:off x="8390601" y="3157211"/>
+            <a:ext cx="812175" cy="556072"/>
+          </a:xfrm>
+          <a:prstGeom prst="bentConnector2">
+            <a:avLst/>
+          </a:prstGeom>
+          <a:ln w="28575">
+            <a:solidFill>
+              <a:schemeClr val="bg1">
+                <a:lumMod val="50000"/>
+              </a:schemeClr>
+            </a:solidFill>
+            <a:miter lim="800000"/>
+            <a:tailEnd type="triangle"/>
+          </a:ln>
+        </p:spPr>
+        <p:style>
+          <a:lnRef idx="1">
+            <a:schemeClr val="accent1"/>
+          </a:lnRef>
+          <a:fillRef idx="0">
+            <a:schemeClr val="accent1"/>
+          </a:fillRef>
+          <a:effectRef idx="0">
+            <a:schemeClr val="accent1"/>
+          </a:effectRef>
+          <a:fontRef idx="minor">
+            <a:schemeClr val="tx1"/>
+          </a:fontRef>
+        </p:style>
+      </p:cxnSp>
+      <p:cxnSp>
+        <p:nvCxnSpPr>
+          <p:cNvPr id="47" name="Straight Arrow Connector 46">
+            <a:extLst>
+              <a:ext uri="{FF2B5EF4-FFF2-40B4-BE49-F238E27FC236}">
+                <a16:creationId xmlns:a16="http://schemas.microsoft.com/office/drawing/2014/main" id="{69CF10E9-8D3D-510D-5BC0-FB0C9710E519}"/>
+              </a:ext>
+            </a:extLst>
+          </p:cNvPr>
+          <p:cNvCxnSpPr>
+            <a:stCxn id="14" idx="3"/>
+            <a:endCxn id="43" idx="1"/>
+          </p:cNvCxnSpPr>
+          <p:nvPr/>
+        </p:nvCxnSpPr>
+        <p:spPr>
+          <a:xfrm>
+            <a:off x="8461389" y="4133398"/>
+            <a:ext cx="138498" cy="0"/>
+          </a:xfrm>
+          <a:prstGeom prst="straightConnector1">
+            <a:avLst/>
+          </a:prstGeom>
+          <a:ln w="28575">
+            <a:solidFill>
+              <a:schemeClr val="bg1">
+                <a:lumMod val="50000"/>
+              </a:schemeClr>
+            </a:solidFill>
+            <a:miter lim="800000"/>
+            <a:tailEnd type="triangle"/>
+          </a:ln>
+        </p:spPr>
+        <p:style>
+          <a:lnRef idx="1">
+            <a:schemeClr val="accent1"/>
+          </a:lnRef>
+          <a:fillRef idx="0">
+            <a:schemeClr val="accent1"/>
+          </a:fillRef>
+          <a:effectRef idx="0">
+            <a:schemeClr val="accent1"/>
+          </a:effectRef>
+          <a:fontRef idx="minor">
+            <a:schemeClr val="tx1"/>
+          </a:fontRef>
+        </p:style>
+      </p:cxnSp>
+      <p:cxnSp>
+        <p:nvCxnSpPr>
+          <p:cNvPr id="48" name="Straight Arrow Connector 47">
+            <a:extLst>
+              <a:ext uri="{FF2B5EF4-FFF2-40B4-BE49-F238E27FC236}">
+                <a16:creationId xmlns:a16="http://schemas.microsoft.com/office/drawing/2014/main" id="{C0506975-C2DC-BCE5-23AE-5FF691747444}"/>
+              </a:ext>
+            </a:extLst>
+          </p:cNvPr>
+          <p:cNvCxnSpPr>
+            <a:cxnSpLocks/>
+            <a:stCxn id="43" idx="3"/>
+            <a:endCxn id="20" idx="1"/>
+          </p:cNvCxnSpPr>
+          <p:nvPr/>
+        </p:nvCxnSpPr>
+        <p:spPr>
+          <a:xfrm>
+            <a:off x="9805665" y="4133398"/>
+            <a:ext cx="155660" cy="0"/>
+          </a:xfrm>
+          <a:prstGeom prst="straightConnector1">
+            <a:avLst/>
+          </a:prstGeom>
+          <a:ln w="28575">
+            <a:solidFill>
+              <a:schemeClr val="bg1">
+                <a:lumMod val="50000"/>
+              </a:schemeClr>
+            </a:solidFill>
+            <a:miter lim="800000"/>
+            <a:tailEnd type="triangle"/>
+          </a:ln>
+        </p:spPr>
+        <p:style>
+          <a:lnRef idx="1">
+            <a:schemeClr val="accent1"/>
+          </a:lnRef>
+          <a:fillRef idx="0">
+            <a:schemeClr val="accent1"/>
+          </a:fillRef>
+          <a:effectRef idx="0">
+            <a:schemeClr val="accent1"/>
+          </a:effectRef>
+          <a:fontRef idx="minor">
+            <a:schemeClr val="tx1"/>
+          </a:fontRef>
+        </p:style>
+      </p:cxnSp>
+      <p:sp>
+        <p:nvSpPr>
+          <p:cNvPr id="57" name="TextBox 56">
+            <a:extLst>
+              <a:ext uri="{FF2B5EF4-FFF2-40B4-BE49-F238E27FC236}">
+                <a16:creationId xmlns:a16="http://schemas.microsoft.com/office/drawing/2014/main" id="{76B9920E-B444-0F96-7646-157FF55B4C99}"/>
+              </a:ext>
+            </a:extLst>
+          </p:cNvPr>
+          <p:cNvSpPr txBox="1"/>
+          <p:nvPr/>
+        </p:nvSpPr>
+        <p:spPr>
+          <a:xfrm>
+            <a:off x="6221096" y="4802556"/>
+            <a:ext cx="5970904" cy="341632"/>
+          </a:xfrm>
+          <a:prstGeom prst="rect">
+            <a:avLst/>
+          </a:prstGeom>
+        </p:spPr>
+        <p:style>
+          <a:lnRef idx="1">
+            <a:schemeClr val="accent2"/>
+          </a:lnRef>
+          <a:fillRef idx="2">
+            <a:schemeClr val="accent2"/>
+          </a:fillRef>
+          <a:effectRef idx="1">
+            <a:schemeClr val="accent2"/>
+          </a:effectRef>
+          <a:fontRef idx="minor">
+            <a:schemeClr val="dk1"/>
+          </a:fontRef>
+        </p:style>
+        <p:txBody>
+          <a:bodyPr wrap="square" rtlCol="0">
+            <a:spAutoFit/>
+          </a:bodyPr>
+          <a:lstStyle/>
+          <a:p>
+            <a:pPr algn="l">
+              <a:lnSpc>
+                <a:spcPct val="90000"/>
+              </a:lnSpc>
+            </a:pPr>
+            <a:r>
+              <a:rPr lang="en-US" dirty="0">
+                <a:latin typeface="+mn-lt"/>
+              </a:rPr>
+              <a:t>Will the cost function be used in the sim modifier?</a:t>
+            </a:r>
+          </a:p>
+        </p:txBody>
+      </p:sp>
+      <mc:AlternateContent xmlns:mc="http://schemas.openxmlformats.org/markup-compatibility/2006">
+        <mc:Choice xmlns:a14="http://schemas.microsoft.com/office/drawing/2010/main" Requires="a14">
+          <p:sp>
+            <p:nvSpPr>
+              <p:cNvPr id="64" name="TextBox 63">
+                <a:extLst>
+                  <a:ext uri="{FF2B5EF4-FFF2-40B4-BE49-F238E27FC236}">
+                    <a16:creationId xmlns:a16="http://schemas.microsoft.com/office/drawing/2014/main" id="{BD782BFC-1ACC-ADAB-CC6F-7E42C3C02A60}"/>
+                  </a:ext>
+                </a:extLst>
+              </p:cNvPr>
+              <p:cNvSpPr txBox="1"/>
+              <p:nvPr/>
+            </p:nvSpPr>
+            <p:spPr>
+              <a:xfrm>
+                <a:off x="3628720" y="2135285"/>
+                <a:ext cx="2514415" cy="1089529"/>
+              </a:xfrm>
+              <a:prstGeom prst="rect">
+                <a:avLst/>
+              </a:prstGeom>
+            </p:spPr>
+            <p:style>
+              <a:lnRef idx="2">
+                <a:schemeClr val="dk1"/>
+              </a:lnRef>
+              <a:fillRef idx="1">
+                <a:schemeClr val="lt1"/>
+              </a:fillRef>
+              <a:effectRef idx="0">
+                <a:schemeClr val="dk1"/>
+              </a:effectRef>
+              <a:fontRef idx="minor">
+                <a:schemeClr val="dk1"/>
+              </a:fontRef>
+            </p:style>
+            <p:txBody>
+              <a:bodyPr wrap="square" rtlCol="0">
+                <a:spAutoFit/>
+              </a:bodyPr>
+              <a:lstStyle/>
+              <a:p>
+                <a:pPr algn="l">
+                  <a:lnSpc>
+                    <a:spcPct val="90000"/>
+                  </a:lnSpc>
+                </a:pPr>
+                <a:r>
+                  <a:rPr lang="en-US" b="1" dirty="0"/>
+                  <a:t>Feedback control (EONS to ORCAS):</a:t>
+                </a:r>
+              </a:p>
+              <a:p>
+                <a:pPr marL="285750" indent="-285750">
+                  <a:lnSpc>
+                    <a:spcPct val="90000"/>
+                  </a:lnSpc>
+                  <a:buFont typeface="Arial" panose="020B0604020202020204" pitchFamily="34" charset="0"/>
+                  <a:buChar char="•"/>
+                </a:pPr>
+                <a14:m>
+                  <m:oMath xmlns:m="http://schemas.openxmlformats.org/officeDocument/2006/math">
+                    <m:r>
+                      <m:rPr>
+                        <m:sty m:val="p"/>
+                        <m:brk m:alnAt="7"/>
+                      </m:rPr>
+                      <a:rPr lang="en-US" i="0" smtClean="0"/>
+                      <m:t>D</m:t>
+                    </m:r>
+                    <m:r>
+                      <m:rPr>
+                        <m:sty m:val="p"/>
+                      </m:rPr>
+                      <a:rPr lang="en-US" i="0"/>
+                      <m:t>iesel</m:t>
+                    </m:r>
+                    <m:r>
+                      <a:rPr lang="en-US" i="0"/>
+                      <m:t>_</m:t>
+                    </m:r>
+                    <m:r>
+                      <m:rPr>
+                        <m:sty m:val="p"/>
+                      </m:rPr>
+                      <a:rPr lang="en-US" i="0"/>
+                      <m:t>SOI</m:t>
+                    </m:r>
+                    <m:r>
+                      <a:rPr lang="en-US" i="0"/>
+                      <m:t>_</m:t>
+                    </m:r>
+                    <m:r>
+                      <m:rPr>
+                        <m:sty m:val="p"/>
+                      </m:rPr>
+                      <a:rPr lang="en-US" i="0"/>
+                      <m:t>EONS</m:t>
+                    </m:r>
+                  </m:oMath>
+                </a14:m>
+                <a:endParaRPr lang="en-US" dirty="0"/>
+              </a:p>
+              <a:p>
+                <a:pPr marL="285750" indent="-285750">
+                  <a:lnSpc>
+                    <a:spcPct val="90000"/>
+                  </a:lnSpc>
+                  <a:buFont typeface="Arial" panose="020B0604020202020204" pitchFamily="34" charset="0"/>
+                  <a:buChar char="•"/>
+                </a:pPr>
+                <a14:m>
+                  <m:oMath xmlns:m="http://schemas.openxmlformats.org/officeDocument/2006/math">
+                    <m:r>
+                      <m:rPr>
+                        <m:sty m:val="p"/>
+                      </m:rPr>
+                      <a:rPr lang="en-US" i="0" smtClean="0"/>
+                      <m:t>Diesel</m:t>
+                    </m:r>
+                    <m:r>
+                      <a:rPr lang="en-US" i="0" smtClean="0"/>
+                      <m:t>_</m:t>
+                    </m:r>
+                    <m:r>
+                      <m:rPr>
+                        <m:sty m:val="p"/>
+                      </m:rPr>
+                      <a:rPr lang="en-US" i="0" smtClean="0"/>
+                      <m:t>fuel</m:t>
+                    </m:r>
+                    <m:r>
+                      <a:rPr lang="en-US" i="0" smtClean="0"/>
+                      <m:t>_</m:t>
+                    </m:r>
+                    <m:r>
+                      <m:rPr>
+                        <m:sty m:val="p"/>
+                      </m:rPr>
+                      <a:rPr lang="en-US" i="0" smtClean="0"/>
+                      <m:t>EONS</m:t>
+                    </m:r>
+                  </m:oMath>
+                </a14:m>
+                <a:endParaRPr lang="en-US" dirty="0"/>
+              </a:p>
+            </p:txBody>
+          </p:sp>
+        </mc:Choice>
+        <mc:Fallback>
+          <p:sp>
+            <p:nvSpPr>
+              <p:cNvPr id="64" name="TextBox 63">
+                <a:extLst>
+                  <a:ext uri="{FF2B5EF4-FFF2-40B4-BE49-F238E27FC236}">
+                    <a16:creationId xmlns:a16="http://schemas.microsoft.com/office/drawing/2014/main" id="{BD782BFC-1ACC-ADAB-CC6F-7E42C3C02A60}"/>
+                  </a:ext>
+                </a:extLst>
+              </p:cNvPr>
+              <p:cNvSpPr txBox="1">
+                <a:spLocks noRot="1" noChangeAspect="1" noMove="1" noResize="1" noEditPoints="1" noAdjustHandles="1" noChangeArrowheads="1" noChangeShapeType="1" noTextEdit="1"/>
+              </p:cNvSpPr>
+              <p:nvPr/>
+            </p:nvSpPr>
+            <p:spPr>
+              <a:xfrm>
+                <a:off x="3628720" y="2135285"/>
+                <a:ext cx="2514415" cy="1089529"/>
+              </a:xfrm>
+              <a:prstGeom prst="rect">
+                <a:avLst/>
+              </a:prstGeom>
+              <a:blipFill>
+                <a:blip r:embed="rId10"/>
+                <a:stretch>
+                  <a:fillRect l="-2000" t="-3409" b="-6818"/>
+                </a:stretch>
+              </a:blipFill>
+            </p:spPr>
+            <p:txBody>
+              <a:bodyPr/>
+              <a:lstStyle/>
+              <a:p>
+                <a:r>
+                  <a:rPr lang="en-US">
+                    <a:noFill/>
+                  </a:rPr>
+                  <a:t> </a:t>
+                </a:r>
+              </a:p>
+            </p:txBody>
+          </p:sp>
+        </mc:Fallback>
+      </mc:AlternateContent>
+      <mc:AlternateContent xmlns:mc="http://schemas.openxmlformats.org/markup-compatibility/2006">
+        <mc:Choice xmlns:a14="http://schemas.microsoft.com/office/drawing/2010/main" Requires="a14">
+          <p:sp>
+            <p:nvSpPr>
+              <p:cNvPr id="65" name="TextBox 64">
+                <a:extLst>
+                  <a:ext uri="{FF2B5EF4-FFF2-40B4-BE49-F238E27FC236}">
+                    <a16:creationId xmlns:a16="http://schemas.microsoft.com/office/drawing/2014/main" id="{F54A1867-D1FC-9C73-34AE-3C83B55C85B0}"/>
+                  </a:ext>
+                </a:extLst>
+              </p:cNvPr>
+              <p:cNvSpPr txBox="1"/>
+              <p:nvPr/>
+            </p:nvSpPr>
+            <p:spPr>
+              <a:xfrm>
+                <a:off x="3628720" y="5653171"/>
+                <a:ext cx="2514415" cy="1089529"/>
+              </a:xfrm>
+              <a:prstGeom prst="rect">
+                <a:avLst/>
+              </a:prstGeom>
+            </p:spPr>
+            <p:style>
+              <a:lnRef idx="2">
+                <a:schemeClr val="dk1"/>
+              </a:lnRef>
+              <a:fillRef idx="1">
+                <a:schemeClr val="lt1"/>
+              </a:fillRef>
+              <a:effectRef idx="0">
+                <a:schemeClr val="dk1"/>
+              </a:effectRef>
+              <a:fontRef idx="minor">
+                <a:schemeClr val="dk1"/>
+              </a:fontRef>
+            </p:style>
+            <p:txBody>
+              <a:bodyPr wrap="square" rtlCol="0">
+                <a:spAutoFit/>
+              </a:bodyPr>
+              <a:lstStyle/>
+              <a:p>
+                <a:pPr algn="l">
+                  <a:lnSpc>
+                    <a:spcPct val="90000"/>
+                  </a:lnSpc>
+                </a:pPr>
+                <a:r>
+                  <a:rPr lang="en-US" b="1" dirty="0"/>
+                  <a:t>Network ID (EONS to ORCAS):</a:t>
+                </a:r>
+              </a:p>
+              <a:p>
+                <a:pPr marL="285750" indent="-285750">
+                  <a:lnSpc>
+                    <a:spcPct val="90000"/>
+                  </a:lnSpc>
+                  <a:buFont typeface="Arial" panose="020B0604020202020204" pitchFamily="34" charset="0"/>
+                  <a:buChar char="•"/>
+                </a:pPr>
+                <a14:m>
+                  <m:oMath xmlns:m="http://schemas.openxmlformats.org/officeDocument/2006/math">
+                    <m:r>
+                      <m:rPr>
+                        <m:sty m:val="p"/>
+                      </m:rPr>
+                      <a:rPr lang="en-US"/>
+                      <m:t>NET</m:t>
+                    </m:r>
+                    <m:r>
+                      <a:rPr lang="en-US"/>
+                      <m:t>_</m:t>
+                    </m:r>
+                    <m:r>
+                      <m:rPr>
+                        <m:sty m:val="p"/>
+                      </m:rPr>
+                      <a:rPr lang="en-US"/>
+                      <m:t>ID</m:t>
+                    </m:r>
+                    <m:r>
+                      <a:rPr lang="en-US"/>
+                      <m:t>_</m:t>
+                    </m:r>
+                    <m:r>
+                      <m:rPr>
+                        <m:sty m:val="p"/>
+                      </m:rPr>
+                      <a:rPr lang="en-US"/>
+                      <m:t>START</m:t>
+                    </m:r>
+                  </m:oMath>
+                </a14:m>
+                <a:endParaRPr lang="en-US" dirty="0"/>
+              </a:p>
+              <a:p>
+                <a:pPr marL="285750" indent="-285750">
+                  <a:lnSpc>
+                    <a:spcPct val="90000"/>
+                  </a:lnSpc>
+                  <a:buFont typeface="Arial" panose="020B0604020202020204" pitchFamily="34" charset="0"/>
+                  <a:buChar char="•"/>
+                </a:pPr>
+                <a14:m>
+                  <m:oMath xmlns:m="http://schemas.openxmlformats.org/officeDocument/2006/math">
+                    <m:r>
+                      <m:rPr>
+                        <m:sty m:val="p"/>
+                      </m:rPr>
+                      <a:rPr lang="en-US"/>
+                      <m:t>NET</m:t>
+                    </m:r>
+                    <m:r>
+                      <a:rPr lang="en-US"/>
+                      <m:t>_</m:t>
+                    </m:r>
+                    <m:r>
+                      <m:rPr>
+                        <m:sty m:val="p"/>
+                      </m:rPr>
+                      <a:rPr lang="en-US"/>
+                      <m:t>ID</m:t>
+                    </m:r>
+                    <m:r>
+                      <a:rPr lang="en-US"/>
+                      <m:t>_</m:t>
+                    </m:r>
+                    <m:r>
+                      <m:rPr>
+                        <m:sty m:val="p"/>
+                      </m:rPr>
+                      <a:rPr lang="en-US"/>
+                      <m:t>STOP</m:t>
+                    </m:r>
+                  </m:oMath>
+                </a14:m>
+                <a:endParaRPr lang="en-US" dirty="0"/>
+              </a:p>
+            </p:txBody>
+          </p:sp>
+        </mc:Choice>
+        <mc:Fallback>
+          <p:sp>
+            <p:nvSpPr>
+              <p:cNvPr id="65" name="TextBox 64">
+                <a:extLst>
+                  <a:ext uri="{FF2B5EF4-FFF2-40B4-BE49-F238E27FC236}">
+                    <a16:creationId xmlns:a16="http://schemas.microsoft.com/office/drawing/2014/main" id="{F54A1867-D1FC-9C73-34AE-3C83B55C85B0}"/>
+                  </a:ext>
+                </a:extLst>
+              </p:cNvPr>
+              <p:cNvSpPr txBox="1">
+                <a:spLocks noRot="1" noChangeAspect="1" noMove="1" noResize="1" noEditPoints="1" noAdjustHandles="1" noChangeArrowheads="1" noChangeShapeType="1" noTextEdit="1"/>
+              </p:cNvSpPr>
+              <p:nvPr/>
+            </p:nvSpPr>
+            <p:spPr>
+              <a:xfrm>
+                <a:off x="3628720" y="5653171"/>
+                <a:ext cx="2514415" cy="1089529"/>
+              </a:xfrm>
+              <a:prstGeom prst="rect">
+                <a:avLst/>
+              </a:prstGeom>
+              <a:blipFill>
+                <a:blip r:embed="rId11"/>
+                <a:stretch>
+                  <a:fillRect l="-2000" t="-3409" r="-500" b="-6818"/>
+                </a:stretch>
+              </a:blipFill>
+            </p:spPr>
+            <p:txBody>
+              <a:bodyPr/>
+              <a:lstStyle/>
+              <a:p>
+                <a:r>
+                  <a:rPr lang="en-US">
+                    <a:noFill/>
+                  </a:rPr>
+                  <a:t> </a:t>
+                </a:r>
+              </a:p>
+            </p:txBody>
+          </p:sp>
+        </mc:Fallback>
+      </mc:AlternateContent>
+      <mc:AlternateContent xmlns:mc="http://schemas.openxmlformats.org/markup-compatibility/2006">
+        <mc:Choice xmlns:a14="http://schemas.microsoft.com/office/drawing/2010/main" Requires="a14">
+          <p:sp>
+            <p:nvSpPr>
+              <p:cNvPr id="69" name="TextBox 68">
+                <a:extLst>
+                  <a:ext uri="{FF2B5EF4-FFF2-40B4-BE49-F238E27FC236}">
+                    <a16:creationId xmlns:a16="http://schemas.microsoft.com/office/drawing/2014/main" id="{43D14638-F7B5-B4F1-FFB9-FA07F3E7FF8A}"/>
+                  </a:ext>
+                </a:extLst>
+              </p:cNvPr>
+              <p:cNvSpPr txBox="1"/>
+              <p:nvPr/>
+            </p:nvSpPr>
+            <p:spPr>
+              <a:xfrm>
+                <a:off x="565326" y="3929318"/>
+                <a:ext cx="2878377" cy="607667"/>
+              </a:xfrm>
+              <a:prstGeom prst="rect">
+                <a:avLst/>
+              </a:prstGeom>
+            </p:spPr>
+            <p:style>
+              <a:lnRef idx="1">
+                <a:schemeClr val="accent3"/>
+              </a:lnRef>
+              <a:fillRef idx="2">
+                <a:schemeClr val="accent3"/>
+              </a:fillRef>
+              <a:effectRef idx="1">
+                <a:schemeClr val="accent3"/>
+              </a:effectRef>
+              <a:fontRef idx="minor">
+                <a:schemeClr val="dk1"/>
+              </a:fontRef>
+            </p:style>
+            <p:txBody>
+              <a:bodyPr wrap="square" rtlCol="0">
+                <a:spAutoFit/>
+              </a:bodyPr>
+              <a:lstStyle/>
+              <a:p>
+                <a:pPr algn="l">
+                  <a:lnSpc>
+                    <a:spcPct val="90000"/>
+                  </a:lnSpc>
+                </a:pPr>
+                <a14:m>
+                  <m:oMathPara xmlns:m="http://schemas.openxmlformats.org/officeDocument/2006/math">
+                    <m:oMathParaPr>
+                      <m:jc m:val="centerGroup"/>
+                    </m:oMathParaPr>
+                    <m:oMath xmlns:m="http://schemas.openxmlformats.org/officeDocument/2006/math">
+                      <m:r>
+                        <a:rPr lang="en-US" b="0" i="1" smtClean="0">
+                          <a:latin typeface="Cambria Math" panose="02040503050406030204" pitchFamily="18" charset="0"/>
+                        </a:rPr>
+                        <m:t>𝑚𝑎𝑠</m:t>
+                      </m:r>
+                      <m:sSub>
+                        <m:sSubPr>
+                          <m:ctrlPr>
+                            <a:rPr lang="en-US" b="0" i="1" smtClean="0">
+                              <a:latin typeface="Cambria Math" panose="02040503050406030204" pitchFamily="18" charset="0"/>
+                            </a:rPr>
+                          </m:ctrlPr>
+                        </m:sSubPr>
+                        <m:e>
+                          <m:sSub>
+                            <m:sSubPr>
+                              <m:ctrlPr>
+                                <a:rPr lang="en-US" b="0" i="1" smtClean="0">
+                                  <a:latin typeface="Cambria Math" panose="02040503050406030204" pitchFamily="18" charset="0"/>
+                                </a:rPr>
+                              </m:ctrlPr>
+                            </m:sSubPr>
+                            <m:e>
+                              <m:r>
+                                <a:rPr lang="en-US" b="0" i="1" smtClean="0">
+                                  <a:latin typeface="Cambria Math" panose="02040503050406030204" pitchFamily="18" charset="0"/>
+                                </a:rPr>
+                                <m:t>𝑠</m:t>
+                              </m:r>
+                            </m:e>
+                            <m:sub>
+                              <m:r>
+                                <a:rPr lang="en-US" b="0" i="1" smtClean="0">
+                                  <a:latin typeface="Cambria Math" panose="02040503050406030204" pitchFamily="18" charset="0"/>
+                                </a:rPr>
+                                <m:t>𝐹𝐹</m:t>
+                              </m:r>
+                            </m:sub>
+                          </m:sSub>
+                        </m:e>
+                        <m:sub>
+                          <m:r>
+                            <a:rPr lang="en-US" b="0" i="1" smtClean="0">
+                              <a:latin typeface="Cambria Math" panose="02040503050406030204" pitchFamily="18" charset="0"/>
+                            </a:rPr>
+                            <m:t>𝑚𝑔</m:t>
+                          </m:r>
+                        </m:sub>
+                      </m:sSub>
+                      <m:r>
+                        <a:rPr lang="en-US" b="0" i="1" smtClean="0">
+                          <a:latin typeface="Cambria Math" panose="02040503050406030204" pitchFamily="18" charset="0"/>
+                        </a:rPr>
+                        <m:t>=2</m:t>
+                      </m:r>
+                      <m:f>
+                        <m:fPr>
+                          <m:ctrlPr>
+                            <a:rPr lang="en-US" b="0" i="1" smtClean="0">
+                              <a:latin typeface="Cambria Math" panose="02040503050406030204" pitchFamily="18" charset="0"/>
+                            </a:rPr>
+                          </m:ctrlPr>
+                        </m:fPr>
+                        <m:num>
+                          <m:r>
+                            <a:rPr lang="en-US" b="0" i="1" smtClean="0">
+                              <a:latin typeface="Cambria Math" panose="02040503050406030204" pitchFamily="18" charset="0"/>
+                            </a:rPr>
+                            <m:t>𝐹𝑙𝑜𝑤</m:t>
+                          </m:r>
+                        </m:num>
+                        <m:den>
+                          <m:r>
+                            <a:rPr lang="en-US" b="0" i="1" smtClean="0">
+                              <a:latin typeface="Cambria Math" panose="02040503050406030204" pitchFamily="18" charset="0"/>
+                            </a:rPr>
+                            <m:t>𝑆𝑝𝑒𝑒𝑑</m:t>
+                          </m:r>
+                        </m:den>
+                      </m:f>
+                      <m:r>
+                        <a:rPr lang="en-US" b="0" i="1" smtClean="0">
+                          <a:latin typeface="Cambria Math" panose="02040503050406030204" pitchFamily="18" charset="0"/>
+                        </a:rPr>
+                        <m:t>∗1</m:t>
+                      </m:r>
+                      <m:r>
+                        <a:rPr lang="en-US" b="0" i="1" smtClean="0">
+                          <a:latin typeface="Cambria Math" panose="02040503050406030204" pitchFamily="18" charset="0"/>
+                        </a:rPr>
+                        <m:t>𝑒</m:t>
+                      </m:r>
+                      <m:r>
+                        <a:rPr lang="en-US" b="0" i="1" smtClean="0">
+                          <a:latin typeface="Cambria Math" panose="02040503050406030204" pitchFamily="18" charset="0"/>
+                        </a:rPr>
+                        <m:t>3</m:t>
+                      </m:r>
+                    </m:oMath>
+                  </m:oMathPara>
+                </a14:m>
+                <a:endParaRPr lang="en-US" dirty="0">
+                  <a:latin typeface="+mn-lt"/>
+                </a:endParaRPr>
+              </a:p>
+            </p:txBody>
+          </p:sp>
+        </mc:Choice>
+        <mc:Fallback>
+          <p:sp>
+            <p:nvSpPr>
+              <p:cNvPr id="69" name="TextBox 68">
+                <a:extLst>
+                  <a:ext uri="{FF2B5EF4-FFF2-40B4-BE49-F238E27FC236}">
+                    <a16:creationId xmlns:a16="http://schemas.microsoft.com/office/drawing/2014/main" id="{43D14638-F7B5-B4F1-FFB9-FA07F3E7FF8A}"/>
+                  </a:ext>
+                </a:extLst>
+              </p:cNvPr>
+              <p:cNvSpPr txBox="1">
+                <a:spLocks noRot="1" noChangeAspect="1" noMove="1" noResize="1" noEditPoints="1" noAdjustHandles="1" noChangeArrowheads="1" noChangeShapeType="1" noTextEdit="1"/>
+              </p:cNvSpPr>
+              <p:nvPr/>
+            </p:nvSpPr>
+            <p:spPr>
+              <a:xfrm>
+                <a:off x="565326" y="3929318"/>
+                <a:ext cx="2878377" cy="607667"/>
+              </a:xfrm>
+              <a:prstGeom prst="rect">
+                <a:avLst/>
+              </a:prstGeom>
+              <a:blipFill>
+                <a:blip r:embed="rId12"/>
+                <a:stretch>
+                  <a:fillRect t="-4082" b="-10204"/>
+                </a:stretch>
+              </a:blipFill>
+            </p:spPr>
+            <p:txBody>
+              <a:bodyPr/>
+              <a:lstStyle/>
+              <a:p>
+                <a:r>
+                  <a:rPr lang="en-US">
+                    <a:noFill/>
+                  </a:rPr>
+                  <a:t> </a:t>
+                </a:r>
+              </a:p>
+            </p:txBody>
+          </p:sp>
+        </mc:Fallback>
+      </mc:AlternateContent>
+      <p:sp>
+        <p:nvSpPr>
+          <p:cNvPr id="80" name="TextBox 79">
+            <a:extLst>
+              <a:ext uri="{FF2B5EF4-FFF2-40B4-BE49-F238E27FC236}">
+                <a16:creationId xmlns:a16="http://schemas.microsoft.com/office/drawing/2014/main" id="{2661553B-B297-FBB0-3CD0-DB80FF3C2864}"/>
+              </a:ext>
+            </a:extLst>
+          </p:cNvPr>
+          <p:cNvSpPr txBox="1"/>
+          <p:nvPr/>
+        </p:nvSpPr>
+        <p:spPr>
+          <a:xfrm>
+            <a:off x="1351463" y="5883379"/>
+            <a:ext cx="2092239" cy="590931"/>
+          </a:xfrm>
+          <a:prstGeom prst="rect">
+            <a:avLst/>
+          </a:prstGeom>
+          <a:solidFill>
+            <a:srgbClr val="FFFF00"/>
+          </a:solidFill>
+        </p:spPr>
+        <p:style>
+          <a:lnRef idx="1">
+            <a:schemeClr val="accent4"/>
+          </a:lnRef>
+          <a:fillRef idx="2">
+            <a:schemeClr val="accent4"/>
+          </a:fillRef>
+          <a:effectRef idx="1">
+            <a:schemeClr val="accent4"/>
+          </a:effectRef>
+          <a:fontRef idx="minor">
+            <a:schemeClr val="dk1"/>
+          </a:fontRef>
+        </p:style>
+        <p:txBody>
+          <a:bodyPr wrap="none" rtlCol="0">
+            <a:spAutoFit/>
+          </a:bodyPr>
+          <a:lstStyle/>
+          <a:p>
+            <a:pPr algn="l">
+              <a:lnSpc>
+                <a:spcPct val="90000"/>
+              </a:lnSpc>
+            </a:pPr>
+            <a:r>
+              <a:rPr lang="en-US" dirty="0">
+                <a:latin typeface="+mn-lt"/>
+              </a:rPr>
+              <a:t>Mass feedback:</a:t>
+            </a:r>
+          </a:p>
+          <a:p>
+            <a:pPr>
+              <a:lnSpc>
+                <a:spcPct val="90000"/>
+              </a:lnSpc>
+            </a:pPr>
+            <a:r>
+              <a:rPr lang="en-US" dirty="0" err="1"/>
+              <a:t>Diesel_fuel_EONS</a:t>
+            </a:r>
+            <a:endParaRPr lang="en-US" dirty="0">
+              <a:latin typeface="+mn-lt"/>
+            </a:endParaRPr>
+          </a:p>
+        </p:txBody>
+      </p:sp>
+      <p:cxnSp>
+        <p:nvCxnSpPr>
+          <p:cNvPr id="82" name="Straight Arrow Connector 25">
+            <a:extLst>
+              <a:ext uri="{FF2B5EF4-FFF2-40B4-BE49-F238E27FC236}">
+                <a16:creationId xmlns:a16="http://schemas.microsoft.com/office/drawing/2014/main" id="{FC13DFF0-0E37-7186-97BF-945CDE4B3B15}"/>
+              </a:ext>
+            </a:extLst>
+          </p:cNvPr>
+          <p:cNvCxnSpPr>
+            <a:cxnSpLocks/>
+            <a:stCxn id="80" idx="1"/>
+            <a:endCxn id="89" idx="1"/>
+          </p:cNvCxnSpPr>
+          <p:nvPr/>
+        </p:nvCxnSpPr>
+        <p:spPr>
+          <a:xfrm rot="10800000">
+            <a:off x="518587" y="3462637"/>
+            <a:ext cx="832877" cy="2716208"/>
+          </a:xfrm>
+          <a:prstGeom prst="bentConnector3">
+            <a:avLst>
+              <a:gd name="adj1" fmla="val 127447"/>
+            </a:avLst>
+          </a:prstGeom>
+          <a:ln w="28575">
+            <a:solidFill>
+              <a:schemeClr val="bg1">
+                <a:lumMod val="50000"/>
+              </a:schemeClr>
+            </a:solidFill>
+            <a:miter lim="800000"/>
+            <a:tailEnd type="triangle"/>
+          </a:ln>
+        </p:spPr>
+        <p:style>
+          <a:lnRef idx="1">
+            <a:schemeClr val="accent1"/>
+          </a:lnRef>
+          <a:fillRef idx="0">
+            <a:schemeClr val="accent1"/>
+          </a:fillRef>
+          <a:effectRef idx="0">
+            <a:schemeClr val="accent1"/>
+          </a:effectRef>
+          <a:fontRef idx="minor">
+            <a:schemeClr val="tx1"/>
+          </a:fontRef>
+        </p:style>
+      </p:cxnSp>
+      <p:cxnSp>
+        <p:nvCxnSpPr>
+          <p:cNvPr id="85" name="Straight Arrow Connector 25">
+            <a:extLst>
+              <a:ext uri="{FF2B5EF4-FFF2-40B4-BE49-F238E27FC236}">
+                <a16:creationId xmlns:a16="http://schemas.microsoft.com/office/drawing/2014/main" id="{8A7CED05-D4BA-5CA5-341B-4848262C695A}"/>
+              </a:ext>
+            </a:extLst>
+          </p:cNvPr>
+          <p:cNvCxnSpPr>
+            <a:cxnSpLocks/>
+            <a:stCxn id="69" idx="1"/>
+            <a:endCxn id="89" idx="1"/>
+          </p:cNvCxnSpPr>
+          <p:nvPr/>
+        </p:nvCxnSpPr>
+        <p:spPr>
+          <a:xfrm rot="10800000">
+            <a:off x="518586" y="3462638"/>
+            <a:ext cx="46740" cy="770515"/>
+          </a:xfrm>
+          <a:prstGeom prst="bentConnector3">
+            <a:avLst>
+              <a:gd name="adj1" fmla="val 589089"/>
+            </a:avLst>
+          </a:prstGeom>
+          <a:ln w="28575">
+            <a:solidFill>
+              <a:schemeClr val="bg1">
+                <a:lumMod val="50000"/>
+              </a:schemeClr>
+            </a:solidFill>
+            <a:miter lim="800000"/>
+            <a:tailEnd type="triangle"/>
+          </a:ln>
+        </p:spPr>
+        <p:style>
+          <a:lnRef idx="1">
+            <a:schemeClr val="accent1"/>
+          </a:lnRef>
+          <a:fillRef idx="0">
+            <a:schemeClr val="accent1"/>
+          </a:fillRef>
+          <a:effectRef idx="0">
+            <a:schemeClr val="accent1"/>
+          </a:effectRef>
+          <a:fontRef idx="minor">
+            <a:schemeClr val="tx1"/>
+          </a:fontRef>
+        </p:style>
+      </p:cxnSp>
+      <mc:AlternateContent xmlns:mc="http://schemas.openxmlformats.org/markup-compatibility/2006">
+        <mc:Choice xmlns:a14="http://schemas.microsoft.com/office/drawing/2010/main" Requires="a14">
+          <p:sp>
+            <p:nvSpPr>
+              <p:cNvPr id="89" name="TextBox 88">
+                <a:extLst>
+                  <a:ext uri="{FF2B5EF4-FFF2-40B4-BE49-F238E27FC236}">
+                    <a16:creationId xmlns:a16="http://schemas.microsoft.com/office/drawing/2014/main" id="{73BCA61C-1A34-9295-F74C-C1A6700208F4}"/>
+                  </a:ext>
+                </a:extLst>
+              </p:cNvPr>
+              <p:cNvSpPr txBox="1"/>
+              <p:nvPr/>
+            </p:nvSpPr>
+            <p:spPr>
+              <a:xfrm>
+                <a:off x="518586" y="3077114"/>
+                <a:ext cx="2969223" cy="771045"/>
+              </a:xfrm>
+              <a:prstGeom prst="rect">
+                <a:avLst/>
+              </a:prstGeom>
+            </p:spPr>
+            <p:style>
+              <a:lnRef idx="1">
+                <a:schemeClr val="accent5"/>
+              </a:lnRef>
+              <a:fillRef idx="2">
+                <a:schemeClr val="accent5"/>
+              </a:fillRef>
+              <a:effectRef idx="1">
+                <a:schemeClr val="accent5"/>
+              </a:effectRef>
+              <a:fontRef idx="minor">
+                <a:schemeClr val="dk1"/>
+              </a:fontRef>
+            </p:style>
+            <p:txBody>
+              <a:bodyPr wrap="square" rtlCol="0">
+                <a:spAutoFit/>
+              </a:bodyPr>
+              <a:lstStyle/>
+              <a:p>
+                <a:pPr algn="l">
+                  <a:lnSpc>
+                    <a:spcPct val="90000"/>
+                  </a:lnSpc>
+                </a:pPr>
+                <a:r>
+                  <a:rPr lang="en-US" sz="1600" dirty="0">
+                    <a:latin typeface="+mn-lt"/>
+                  </a:rPr>
+                  <a:t>Effective Q_LHV:</a:t>
+                </a:r>
+              </a:p>
+              <a:p>
+                <a:pPr>
+                  <a:lnSpc>
+                    <a:spcPct val="90000"/>
+                  </a:lnSpc>
+                </a:pPr>
+                <a14:m>
+                  <m:oMathPara xmlns:m="http://schemas.openxmlformats.org/officeDocument/2006/math">
+                    <m:oMathParaPr>
+                      <m:jc m:val="centerGroup"/>
+                    </m:oMathParaPr>
+                    <m:oMath xmlns:m="http://schemas.openxmlformats.org/officeDocument/2006/math">
+                      <m:sSubSup>
+                        <m:sSubSupPr>
+                          <m:ctrlPr>
+                            <a:rPr lang="en-US" sz="1600" b="0" i="1" smtClean="0">
+                              <a:latin typeface="Cambria Math" panose="02040503050406030204" pitchFamily="18" charset="0"/>
+                            </a:rPr>
+                          </m:ctrlPr>
+                        </m:sSubSupPr>
+                        <m:e>
+                          <m:r>
+                            <a:rPr lang="en-US" sz="1600" i="1">
+                              <a:latin typeface="Cambria Math" panose="02040503050406030204" pitchFamily="18" charset="0"/>
+                            </a:rPr>
+                            <m:t>𝑄</m:t>
+                          </m:r>
+                        </m:e>
+                        <m:sub>
+                          <m:r>
+                            <a:rPr lang="en-US" sz="1600" i="1">
+                              <a:latin typeface="Cambria Math" panose="02040503050406030204" pitchFamily="18" charset="0"/>
+                            </a:rPr>
+                            <m:t>𝐿𝐻𝑉</m:t>
+                          </m:r>
+                        </m:sub>
+                        <m:sup>
+                          <m:r>
+                            <a:rPr lang="en-US" sz="1600" b="0" i="1" smtClean="0">
+                              <a:latin typeface="Cambria Math" panose="02040503050406030204" pitchFamily="18" charset="0"/>
+                            </a:rPr>
+                            <m:t>𝑒𝑓𝑓</m:t>
+                          </m:r>
+                        </m:sup>
+                      </m:sSubSup>
+                      <m:r>
+                        <a:rPr lang="en-US" sz="1600" b="0" i="1" smtClean="0">
+                          <a:latin typeface="Cambria Math" panose="02040503050406030204" pitchFamily="18" charset="0"/>
+                        </a:rPr>
+                        <m:t>=</m:t>
+                      </m:r>
+                      <m:f>
+                        <m:fPr>
+                          <m:ctrlPr>
+                            <a:rPr lang="en-US" sz="1600" b="0" i="1" smtClean="0">
+                              <a:latin typeface="Cambria Math" panose="02040503050406030204" pitchFamily="18" charset="0"/>
+                            </a:rPr>
+                          </m:ctrlPr>
+                        </m:fPr>
+                        <m:num>
+                          <m:sSup>
+                            <m:sSupPr>
+                              <m:ctrlPr>
+                                <a:rPr lang="en-US" sz="1600" b="0" i="1" smtClean="0">
+                                  <a:latin typeface="Cambria Math" panose="02040503050406030204" pitchFamily="18" charset="0"/>
+                                </a:rPr>
+                              </m:ctrlPr>
+                            </m:sSupPr>
+                            <m:e>
+                              <m:r>
+                                <a:rPr lang="en-US" sz="1600" b="0" i="1" smtClean="0">
+                                  <a:latin typeface="Cambria Math" panose="02040503050406030204" pitchFamily="18" charset="0"/>
+                                </a:rPr>
+                                <m:t>𝑚</m:t>
+                              </m:r>
+                            </m:e>
+                            <m:sup>
+                              <m:r>
+                                <a:rPr lang="en-US" sz="1600" b="0" i="1" smtClean="0">
+                                  <a:latin typeface="Cambria Math" panose="02040503050406030204" pitchFamily="18" charset="0"/>
+                                </a:rPr>
+                                <m:t>𝑑𝑠𝑙</m:t>
+                              </m:r>
+                            </m:sup>
+                          </m:sSup>
+                          <m:sSubSup>
+                            <m:sSubSupPr>
+                              <m:ctrlPr>
+                                <a:rPr lang="en-US" sz="1600" b="0" i="1" smtClean="0">
+                                  <a:latin typeface="Cambria Math" panose="02040503050406030204" pitchFamily="18" charset="0"/>
+                                </a:rPr>
+                              </m:ctrlPr>
+                            </m:sSubSupPr>
+                            <m:e>
+                              <m:r>
+                                <a:rPr lang="en-US" sz="1600" b="0" i="1" smtClean="0">
+                                  <a:latin typeface="Cambria Math" panose="02040503050406030204" pitchFamily="18" charset="0"/>
+                                </a:rPr>
+                                <m:t>𝑄</m:t>
+                              </m:r>
+                            </m:e>
+                            <m:sub>
+                              <m:r>
+                                <a:rPr lang="en-US" sz="1600" b="0" i="1" smtClean="0">
+                                  <a:latin typeface="Cambria Math" panose="02040503050406030204" pitchFamily="18" charset="0"/>
+                                </a:rPr>
+                                <m:t>𝐿𝐻𝑉</m:t>
+                              </m:r>
+                            </m:sub>
+                            <m:sup>
+                              <m:r>
+                                <a:rPr lang="en-US" sz="1600" b="0" i="1" smtClean="0">
+                                  <a:latin typeface="Cambria Math" panose="02040503050406030204" pitchFamily="18" charset="0"/>
+                                </a:rPr>
+                                <m:t>𝑑𝑠𝑙</m:t>
+                              </m:r>
+                            </m:sup>
+                          </m:sSubSup>
+                          <m:r>
+                            <a:rPr lang="en-US" sz="1600" b="0" i="1" smtClean="0">
+                              <a:latin typeface="Cambria Math" panose="02040503050406030204" pitchFamily="18" charset="0"/>
+                            </a:rPr>
+                            <m:t>+</m:t>
+                          </m:r>
+                          <m:sSup>
+                            <m:sSupPr>
+                              <m:ctrlPr>
+                                <a:rPr lang="en-US" sz="1600" b="0" i="1" smtClean="0">
+                                  <a:latin typeface="Cambria Math" panose="02040503050406030204" pitchFamily="18" charset="0"/>
+                                </a:rPr>
+                              </m:ctrlPr>
+                            </m:sSupPr>
+                            <m:e>
+                              <m:r>
+                                <a:rPr lang="en-US" sz="1600" b="0" i="1" smtClean="0">
+                                  <a:latin typeface="Cambria Math" panose="02040503050406030204" pitchFamily="18" charset="0"/>
+                                </a:rPr>
+                                <m:t>𝑚</m:t>
+                              </m:r>
+                            </m:e>
+                            <m:sup>
+                              <m:r>
+                                <a:rPr lang="en-US" sz="1600" b="0" i="1" smtClean="0">
+                                  <a:latin typeface="Cambria Math" panose="02040503050406030204" pitchFamily="18" charset="0"/>
+                                </a:rPr>
+                                <m:t>𝑁𝐻</m:t>
+                              </m:r>
+                              <m:r>
+                                <a:rPr lang="en-US" sz="1600" b="0" i="1" smtClean="0">
+                                  <a:latin typeface="Cambria Math" panose="02040503050406030204" pitchFamily="18" charset="0"/>
+                                </a:rPr>
+                                <m:t>3</m:t>
+                              </m:r>
+                            </m:sup>
+                          </m:sSup>
+                          <m:sSubSup>
+                            <m:sSubSupPr>
+                              <m:ctrlPr>
+                                <a:rPr lang="en-US" sz="1600" b="0" i="1" smtClean="0">
+                                  <a:latin typeface="Cambria Math" panose="02040503050406030204" pitchFamily="18" charset="0"/>
+                                </a:rPr>
+                              </m:ctrlPr>
+                            </m:sSubSupPr>
+                            <m:e>
+                              <m:r>
+                                <a:rPr lang="en-US" sz="1600" b="0" i="1" smtClean="0">
+                                  <a:latin typeface="Cambria Math" panose="02040503050406030204" pitchFamily="18" charset="0"/>
+                                </a:rPr>
+                                <m:t>𝑄</m:t>
+                              </m:r>
+                            </m:e>
+                            <m:sub>
+                              <m:r>
+                                <a:rPr lang="en-US" sz="1600" b="0" i="1" smtClean="0">
+                                  <a:latin typeface="Cambria Math" panose="02040503050406030204" pitchFamily="18" charset="0"/>
+                                </a:rPr>
+                                <m:t>𝐿𝐻𝑉</m:t>
+                              </m:r>
+                            </m:sub>
+                            <m:sup>
+                              <m:r>
+                                <a:rPr lang="en-US" sz="1600" b="0" i="1" smtClean="0">
+                                  <a:latin typeface="Cambria Math" panose="02040503050406030204" pitchFamily="18" charset="0"/>
+                                </a:rPr>
+                                <m:t>𝑁𝐻</m:t>
+                              </m:r>
+                              <m:r>
+                                <a:rPr lang="en-US" sz="1600" b="0" i="1" smtClean="0">
+                                  <a:latin typeface="Cambria Math" panose="02040503050406030204" pitchFamily="18" charset="0"/>
+                                </a:rPr>
+                                <m:t>3</m:t>
+                              </m:r>
+                            </m:sup>
+                          </m:sSubSup>
+                        </m:num>
+                        <m:den>
+                          <m:sSup>
+                            <m:sSupPr>
+                              <m:ctrlPr>
+                                <a:rPr lang="en-US" sz="1600" i="1">
+                                  <a:latin typeface="Cambria Math" panose="02040503050406030204" pitchFamily="18" charset="0"/>
+                                </a:rPr>
+                              </m:ctrlPr>
+                            </m:sSupPr>
+                            <m:e>
+                              <m:r>
+                                <a:rPr lang="en-US" sz="1600" i="1">
+                                  <a:latin typeface="Cambria Math" panose="02040503050406030204" pitchFamily="18" charset="0"/>
+                                </a:rPr>
+                                <m:t>𝑚</m:t>
+                              </m:r>
+                            </m:e>
+                            <m:sup>
+                              <m:r>
+                                <a:rPr lang="en-US" sz="1600" i="1">
+                                  <a:latin typeface="Cambria Math" panose="02040503050406030204" pitchFamily="18" charset="0"/>
+                                </a:rPr>
+                                <m:t>𝑑𝑠𝑙</m:t>
+                              </m:r>
+                            </m:sup>
+                          </m:sSup>
+                          <m:r>
+                            <a:rPr lang="en-US" sz="1600" b="0" i="1" smtClean="0">
+                              <a:latin typeface="Cambria Math" panose="02040503050406030204" pitchFamily="18" charset="0"/>
+                            </a:rPr>
+                            <m:t>+</m:t>
+                          </m:r>
+                          <m:sSup>
+                            <m:sSupPr>
+                              <m:ctrlPr>
+                                <a:rPr lang="en-US" sz="1600" i="1">
+                                  <a:latin typeface="Cambria Math" panose="02040503050406030204" pitchFamily="18" charset="0"/>
+                                </a:rPr>
+                              </m:ctrlPr>
+                            </m:sSupPr>
+                            <m:e>
+                              <m:r>
+                                <a:rPr lang="en-US" sz="1600" i="1">
+                                  <a:latin typeface="Cambria Math" panose="02040503050406030204" pitchFamily="18" charset="0"/>
+                                </a:rPr>
+                                <m:t>𝑚</m:t>
+                              </m:r>
+                            </m:e>
+                            <m:sup>
+                              <m:r>
+                                <a:rPr lang="en-US" sz="1600" i="1">
+                                  <a:latin typeface="Cambria Math" panose="02040503050406030204" pitchFamily="18" charset="0"/>
+                                </a:rPr>
+                                <m:t>𝑁𝐻</m:t>
+                              </m:r>
+                              <m:r>
+                                <a:rPr lang="en-US" sz="1600" i="1">
+                                  <a:latin typeface="Cambria Math" panose="02040503050406030204" pitchFamily="18" charset="0"/>
+                                </a:rPr>
+                                <m:t>3</m:t>
+                              </m:r>
+                            </m:sup>
+                          </m:sSup>
+                        </m:den>
+                      </m:f>
+                    </m:oMath>
+                  </m:oMathPara>
+                </a14:m>
+                <a:endParaRPr lang="en-US" sz="1600" dirty="0">
+                  <a:latin typeface="+mn-lt"/>
+                </a:endParaRPr>
+              </a:p>
+            </p:txBody>
+          </p:sp>
+        </mc:Choice>
+        <mc:Fallback>
+          <p:sp>
+            <p:nvSpPr>
+              <p:cNvPr id="89" name="TextBox 88">
+                <a:extLst>
+                  <a:ext uri="{FF2B5EF4-FFF2-40B4-BE49-F238E27FC236}">
+                    <a16:creationId xmlns:a16="http://schemas.microsoft.com/office/drawing/2014/main" id="{73BCA61C-1A34-9295-F74C-C1A6700208F4}"/>
+                  </a:ext>
+                </a:extLst>
+              </p:cNvPr>
+              <p:cNvSpPr txBox="1">
+                <a:spLocks noRot="1" noChangeAspect="1" noMove="1" noResize="1" noEditPoints="1" noAdjustHandles="1" noChangeArrowheads="1" noChangeShapeType="1" noTextEdit="1"/>
+              </p:cNvSpPr>
+              <p:nvPr/>
+            </p:nvSpPr>
+            <p:spPr>
+              <a:xfrm>
+                <a:off x="518586" y="3077114"/>
+                <a:ext cx="2969223" cy="771045"/>
+              </a:xfrm>
+              <a:prstGeom prst="rect">
+                <a:avLst/>
+              </a:prstGeom>
+              <a:blipFill>
+                <a:blip r:embed="rId13"/>
+                <a:stretch>
+                  <a:fillRect l="-847" t="-3175" b="-3175"/>
+                </a:stretch>
+              </a:blipFill>
+            </p:spPr>
+            <p:txBody>
+              <a:bodyPr/>
+              <a:lstStyle/>
+              <a:p>
+                <a:r>
+                  <a:rPr lang="en-US">
+                    <a:noFill/>
+                  </a:rPr>
+                  <a:t> </a:t>
+                </a:r>
+              </a:p>
+            </p:txBody>
+          </p:sp>
+        </mc:Fallback>
+      </mc:AlternateContent>
+      <mc:AlternateContent xmlns:mc="http://schemas.openxmlformats.org/markup-compatibility/2006">
+        <mc:Choice xmlns:a14="http://schemas.microsoft.com/office/drawing/2010/main" Requires="a14">
+          <p:sp>
+            <p:nvSpPr>
+              <p:cNvPr id="97" name="TextBox 96">
+                <a:extLst>
+                  <a:ext uri="{FF2B5EF4-FFF2-40B4-BE49-F238E27FC236}">
+                    <a16:creationId xmlns:a16="http://schemas.microsoft.com/office/drawing/2014/main" id="{F4CC3EF9-A305-E18E-75FD-86756D37139F}"/>
+                  </a:ext>
+                </a:extLst>
+              </p:cNvPr>
+              <p:cNvSpPr txBox="1"/>
+              <p:nvPr/>
+            </p:nvSpPr>
+            <p:spPr>
+              <a:xfrm>
+                <a:off x="568087" y="1211878"/>
+                <a:ext cx="2922484" cy="852156"/>
+              </a:xfrm>
+              <a:prstGeom prst="rect">
+                <a:avLst/>
+              </a:prstGeom>
+            </p:spPr>
+            <p:style>
+              <a:lnRef idx="1">
+                <a:schemeClr val="accent5"/>
+              </a:lnRef>
+              <a:fillRef idx="2">
+                <a:schemeClr val="accent5"/>
+              </a:fillRef>
+              <a:effectRef idx="1">
+                <a:schemeClr val="accent5"/>
+              </a:effectRef>
+              <a:fontRef idx="minor">
+                <a:schemeClr val="dk1"/>
+              </a:fontRef>
+            </p:style>
+            <p:txBody>
+              <a:bodyPr wrap="square" rtlCol="0">
+                <a:spAutoFit/>
+              </a:bodyPr>
+              <a:lstStyle/>
+              <a:p>
+                <a:pPr algn="l">
+                  <a:lnSpc>
+                    <a:spcPct val="90000"/>
+                  </a:lnSpc>
+                </a:pPr>
+                <a:r>
+                  <a:rPr lang="en-US" sz="1600" dirty="0">
+                    <a:latin typeface="+mn-lt"/>
+                  </a:rPr>
+                  <a:t>Combustion efficiency:</a:t>
+                </a:r>
+              </a:p>
+              <a:p>
+                <a:pPr>
+                  <a:lnSpc>
+                    <a:spcPct val="90000"/>
+                  </a:lnSpc>
+                </a:pPr>
+                <a14:m>
+                  <m:oMathPara xmlns:m="http://schemas.openxmlformats.org/officeDocument/2006/math">
+                    <m:oMathParaPr>
+                      <m:jc m:val="centerGroup"/>
+                    </m:oMathParaPr>
+                    <m:oMath xmlns:m="http://schemas.openxmlformats.org/officeDocument/2006/math">
+                      <m:sSub>
+                        <m:sSubPr>
+                          <m:ctrlPr>
+                            <a:rPr lang="en-US" sz="1600" b="0" i="1" smtClean="0">
+                              <a:latin typeface="Cambria Math" panose="02040503050406030204" pitchFamily="18" charset="0"/>
+                            </a:rPr>
+                          </m:ctrlPr>
+                        </m:sSubPr>
+                        <m:e>
+                          <m:r>
+                            <a:rPr lang="en-US" sz="1600" b="0" i="1" smtClean="0">
+                              <a:latin typeface="Cambria Math" panose="02040503050406030204" pitchFamily="18" charset="0"/>
+                            </a:rPr>
+                            <m:t>𝜂</m:t>
+                          </m:r>
+                        </m:e>
+                        <m:sub>
+                          <m:r>
+                            <a:rPr lang="en-US" sz="1600" b="0" i="1" smtClean="0">
+                              <a:latin typeface="Cambria Math" panose="02040503050406030204" pitchFamily="18" charset="0"/>
+                            </a:rPr>
+                            <m:t>𝑐</m:t>
+                          </m:r>
+                        </m:sub>
+                      </m:sSub>
+                      <m:r>
+                        <a:rPr lang="en-US" sz="1600" b="0" i="1" smtClean="0">
+                          <a:latin typeface="Cambria Math" panose="02040503050406030204" pitchFamily="18" charset="0"/>
+                        </a:rPr>
+                        <m:t>=</m:t>
+                      </m:r>
+                      <m:f>
+                        <m:fPr>
+                          <m:ctrlPr>
+                            <a:rPr lang="en-US" sz="1600" b="0" i="1" smtClean="0">
+                              <a:latin typeface="Cambria Math" panose="02040503050406030204" pitchFamily="18" charset="0"/>
+                            </a:rPr>
+                          </m:ctrlPr>
+                        </m:fPr>
+                        <m:num>
+                          <m:sSub>
+                            <m:sSubPr>
+                              <m:ctrlPr>
+                                <a:rPr lang="en-US" sz="1600" b="0" i="1" smtClean="0">
+                                  <a:latin typeface="Cambria Math" panose="02040503050406030204" pitchFamily="18" charset="0"/>
+                                </a:rPr>
+                              </m:ctrlPr>
+                            </m:sSubPr>
+                            <m:e>
+                              <m:r>
+                                <a:rPr lang="en-US" sz="1600" b="0" i="1" smtClean="0">
+                                  <a:latin typeface="Cambria Math" panose="02040503050406030204" pitchFamily="18" charset="0"/>
+                                </a:rPr>
+                                <m:t>𝑄</m:t>
+                              </m:r>
+                            </m:e>
+                            <m:sub>
+                              <m:r>
+                                <a:rPr lang="en-US" sz="1600" b="0" i="1" smtClean="0">
+                                  <a:latin typeface="Cambria Math" panose="02040503050406030204" pitchFamily="18" charset="0"/>
+                                </a:rPr>
+                                <m:t>𝑔𝑟𝑜𝑠𝑠</m:t>
+                              </m:r>
+                            </m:sub>
+                          </m:sSub>
+                        </m:num>
+                        <m:den>
+                          <m:sSub>
+                            <m:sSubPr>
+                              <m:ctrlPr>
+                                <a:rPr lang="en-US" sz="1600" b="0" i="1" smtClean="0">
+                                  <a:latin typeface="Cambria Math" panose="02040503050406030204" pitchFamily="18" charset="0"/>
+                                </a:rPr>
+                              </m:ctrlPr>
+                            </m:sSubPr>
+                            <m:e>
+                              <m:r>
+                                <a:rPr lang="en-US" sz="1600" b="0" i="1" smtClean="0">
+                                  <a:latin typeface="Cambria Math" panose="02040503050406030204" pitchFamily="18" charset="0"/>
+                                </a:rPr>
+                                <m:t>𝑀</m:t>
+                              </m:r>
+                            </m:e>
+                            <m:sub>
+                              <m:r>
+                                <a:rPr lang="en-US" sz="1600" b="0" i="1" smtClean="0">
+                                  <a:latin typeface="Cambria Math" panose="02040503050406030204" pitchFamily="18" charset="0"/>
+                                </a:rPr>
+                                <m:t>𝑓𝑢𝑒𝑙</m:t>
+                              </m:r>
+                            </m:sub>
+                          </m:sSub>
+                          <m:sSubSup>
+                            <m:sSubSupPr>
+                              <m:ctrlPr>
+                                <a:rPr lang="en-US" sz="1600" i="1">
+                                  <a:latin typeface="Cambria Math" panose="02040503050406030204" pitchFamily="18" charset="0"/>
+                                </a:rPr>
+                              </m:ctrlPr>
+                            </m:sSubSupPr>
+                            <m:e>
+                              <m:r>
+                                <a:rPr lang="en-US" sz="1600" i="1">
+                                  <a:latin typeface="Cambria Math" panose="02040503050406030204" pitchFamily="18" charset="0"/>
+                                </a:rPr>
+                                <m:t>𝑄</m:t>
+                              </m:r>
+                            </m:e>
+                            <m:sub>
+                              <m:r>
+                                <a:rPr lang="en-US" sz="1600" i="1">
+                                  <a:latin typeface="Cambria Math" panose="02040503050406030204" pitchFamily="18" charset="0"/>
+                                </a:rPr>
+                                <m:t>𝐿𝐻𝑉</m:t>
+                              </m:r>
+                            </m:sub>
+                            <m:sup>
+                              <m:r>
+                                <a:rPr lang="en-US" sz="1600" i="1">
+                                  <a:latin typeface="Cambria Math" panose="02040503050406030204" pitchFamily="18" charset="0"/>
+                                </a:rPr>
+                                <m:t>𝑒𝑓𝑓</m:t>
+                              </m:r>
+                            </m:sup>
+                          </m:sSubSup>
+                        </m:den>
+                      </m:f>
+                    </m:oMath>
+                  </m:oMathPara>
+                </a14:m>
+                <a:endParaRPr lang="en-US" sz="1600" dirty="0">
+                  <a:latin typeface="+mn-lt"/>
+                </a:endParaRPr>
+              </a:p>
+            </p:txBody>
+          </p:sp>
+        </mc:Choice>
+        <mc:Fallback>
+          <p:sp>
+            <p:nvSpPr>
+              <p:cNvPr id="97" name="TextBox 96">
+                <a:extLst>
+                  <a:ext uri="{FF2B5EF4-FFF2-40B4-BE49-F238E27FC236}">
+                    <a16:creationId xmlns:a16="http://schemas.microsoft.com/office/drawing/2014/main" id="{F4CC3EF9-A305-E18E-75FD-86756D37139F}"/>
+                  </a:ext>
+                </a:extLst>
+              </p:cNvPr>
+              <p:cNvSpPr txBox="1">
+                <a:spLocks noRot="1" noChangeAspect="1" noMove="1" noResize="1" noEditPoints="1" noAdjustHandles="1" noChangeArrowheads="1" noChangeShapeType="1" noTextEdit="1"/>
+              </p:cNvSpPr>
+              <p:nvPr/>
+            </p:nvSpPr>
+            <p:spPr>
+              <a:xfrm>
+                <a:off x="568087" y="1211878"/>
+                <a:ext cx="2922484" cy="852156"/>
+              </a:xfrm>
+              <a:prstGeom prst="rect">
+                <a:avLst/>
+              </a:prstGeom>
+              <a:blipFill>
+                <a:blip r:embed="rId14"/>
+                <a:stretch>
+                  <a:fillRect l="-862" t="-4348"/>
+                </a:stretch>
+              </a:blipFill>
+            </p:spPr>
+            <p:txBody>
+              <a:bodyPr/>
+              <a:lstStyle/>
+              <a:p>
+                <a:r>
+                  <a:rPr lang="en-US">
+                    <a:noFill/>
+                  </a:rPr>
+                  <a:t> </a:t>
+                </a:r>
+              </a:p>
+            </p:txBody>
+          </p:sp>
+        </mc:Fallback>
+      </mc:AlternateContent>
+      <p:sp>
+        <p:nvSpPr>
+          <p:cNvPr id="100" name="TextBox 99">
+            <a:extLst>
+              <a:ext uri="{FF2B5EF4-FFF2-40B4-BE49-F238E27FC236}">
+                <a16:creationId xmlns:a16="http://schemas.microsoft.com/office/drawing/2014/main" id="{508FAE88-C6EA-51B1-ED45-92E2A1D597D3}"/>
+              </a:ext>
+            </a:extLst>
+          </p:cNvPr>
+          <p:cNvSpPr txBox="1"/>
+          <p:nvPr/>
+        </p:nvSpPr>
+        <p:spPr>
+          <a:xfrm>
+            <a:off x="351256" y="2237398"/>
+            <a:ext cx="1749197" cy="341632"/>
           </a:xfrm>
           <a:prstGeom prst="rect">
             <a:avLst/>
@@ -15242,18 +16095,2061 @@
               </a:lnSpc>
             </a:pPr>
             <a:r>
+              <a:rPr lang="en-US" dirty="0" err="1">
+                <a:latin typeface="+mn-lt"/>
+              </a:rPr>
+              <a:t>Q_gross</a:t>
+            </a:r>
+            <a:r>
               <a:rPr lang="en-US" dirty="0">
                 <a:latin typeface="+mn-lt"/>
               </a:rPr>
-              <a:t>region of interest</a:t>
-            </a:r>
+              <a:t>, </a:t>
+            </a:r>
+            <a:r>
+              <a:rPr lang="en-US" dirty="0" err="1">
+                <a:latin typeface="+mn-lt"/>
+              </a:rPr>
+              <a:t>X_res</a:t>
+            </a:r>
+            <a:endParaRPr lang="en-US" dirty="0">
+              <a:latin typeface="+mn-lt"/>
+            </a:endParaRPr>
+          </a:p>
+        </p:txBody>
+      </p:sp>
+      <p:sp>
+        <p:nvSpPr>
+          <p:cNvPr id="101" name="TextBox 100">
+            <a:extLst>
+              <a:ext uri="{FF2B5EF4-FFF2-40B4-BE49-F238E27FC236}">
+                <a16:creationId xmlns:a16="http://schemas.microsoft.com/office/drawing/2014/main" id="{5907687E-3AC2-C5E4-8A0C-F1D959EBD467}"/>
+              </a:ext>
+            </a:extLst>
+          </p:cNvPr>
+          <p:cNvSpPr txBox="1"/>
+          <p:nvPr/>
+        </p:nvSpPr>
+        <p:spPr>
+          <a:xfrm>
+            <a:off x="936956" y="2568498"/>
+            <a:ext cx="800219" cy="341632"/>
+          </a:xfrm>
+          <a:prstGeom prst="rect">
+            <a:avLst/>
+          </a:prstGeom>
+          <a:noFill/>
+        </p:spPr>
+        <p:txBody>
+          <a:bodyPr wrap="none" rtlCol="0">
+            <a:spAutoFit/>
+          </a:bodyPr>
+          <a:lstStyle/>
+          <a:p>
+            <a:pPr algn="l">
+              <a:lnSpc>
+                <a:spcPct val="90000"/>
+              </a:lnSpc>
+            </a:pPr>
+            <a:r>
+              <a:rPr lang="en-US" dirty="0">
+                <a:latin typeface="+mn-lt"/>
+              </a:rPr>
+              <a:t>CA50</a:t>
+            </a:r>
+          </a:p>
+        </p:txBody>
+      </p:sp>
+      <p:cxnSp>
+        <p:nvCxnSpPr>
+          <p:cNvPr id="102" name="Straight Arrow Connector 25">
+            <a:extLst>
+              <a:ext uri="{FF2B5EF4-FFF2-40B4-BE49-F238E27FC236}">
+                <a16:creationId xmlns:a16="http://schemas.microsoft.com/office/drawing/2014/main" id="{BCC6B22E-6B89-847C-E78D-98DFE963C7E4}"/>
+              </a:ext>
+            </a:extLst>
+          </p:cNvPr>
+          <p:cNvCxnSpPr>
+            <a:cxnSpLocks/>
+            <a:stCxn id="89" idx="1"/>
+            <a:endCxn id="97" idx="1"/>
+          </p:cNvCxnSpPr>
+          <p:nvPr/>
+        </p:nvCxnSpPr>
+        <p:spPr>
+          <a:xfrm rot="10800000" flipH="1">
+            <a:off x="518585" y="1637957"/>
+            <a:ext cx="49501" cy="1824681"/>
+          </a:xfrm>
+          <a:prstGeom prst="bentConnector3">
+            <a:avLst>
+              <a:gd name="adj1" fmla="val -461809"/>
+            </a:avLst>
+          </a:prstGeom>
+          <a:ln w="28575">
+            <a:solidFill>
+              <a:schemeClr val="bg1">
+                <a:lumMod val="50000"/>
+              </a:schemeClr>
+            </a:solidFill>
+            <a:miter lim="800000"/>
+            <a:tailEnd type="triangle"/>
+          </a:ln>
+        </p:spPr>
+        <p:style>
+          <a:lnRef idx="1">
+            <a:schemeClr val="accent1"/>
+          </a:lnRef>
+          <a:fillRef idx="0">
+            <a:schemeClr val="accent1"/>
+          </a:fillRef>
+          <a:effectRef idx="0">
+            <a:schemeClr val="accent1"/>
+          </a:effectRef>
+          <a:fontRef idx="minor">
+            <a:schemeClr val="tx1"/>
+          </a:fontRef>
+        </p:style>
+      </p:cxnSp>
+      <p:cxnSp>
+        <p:nvCxnSpPr>
+          <p:cNvPr id="106" name="Straight Arrow Connector 25">
+            <a:extLst>
+              <a:ext uri="{FF2B5EF4-FFF2-40B4-BE49-F238E27FC236}">
+                <a16:creationId xmlns:a16="http://schemas.microsoft.com/office/drawing/2014/main" id="{C3ABD71F-393E-B6CB-945E-96B90ED113BB}"/>
+              </a:ext>
+            </a:extLst>
+          </p:cNvPr>
+          <p:cNvCxnSpPr>
+            <a:cxnSpLocks/>
+            <a:stCxn id="97" idx="1"/>
+            <a:endCxn id="4" idx="1"/>
+          </p:cNvCxnSpPr>
+          <p:nvPr/>
+        </p:nvCxnSpPr>
+        <p:spPr>
+          <a:xfrm rot="10800000">
+            <a:off x="544715" y="324628"/>
+            <a:ext cx="23373" cy="1313328"/>
+          </a:xfrm>
+          <a:prstGeom prst="bentConnector3">
+            <a:avLst>
+              <a:gd name="adj1" fmla="val 1078052"/>
+            </a:avLst>
+          </a:prstGeom>
+          <a:ln w="28575">
+            <a:solidFill>
+              <a:schemeClr val="bg1">
+                <a:lumMod val="50000"/>
+              </a:schemeClr>
+            </a:solidFill>
+            <a:miter lim="800000"/>
+            <a:tailEnd type="triangle"/>
+          </a:ln>
+        </p:spPr>
+        <p:style>
+          <a:lnRef idx="1">
+            <a:schemeClr val="accent1"/>
+          </a:lnRef>
+          <a:fillRef idx="0">
+            <a:schemeClr val="accent1"/>
+          </a:fillRef>
+          <a:effectRef idx="0">
+            <a:schemeClr val="accent1"/>
+          </a:effectRef>
+          <a:fontRef idx="minor">
+            <a:schemeClr val="tx1"/>
+          </a:fontRef>
+        </p:style>
+      </p:cxnSp>
+      <p:sp>
+        <p:nvSpPr>
+          <p:cNvPr id="114" name="TextBox 113">
+            <a:extLst>
+              <a:ext uri="{FF2B5EF4-FFF2-40B4-BE49-F238E27FC236}">
+                <a16:creationId xmlns:a16="http://schemas.microsoft.com/office/drawing/2014/main" id="{D6881CFA-5FF7-0412-FDE8-98CA55DF67B1}"/>
+              </a:ext>
+            </a:extLst>
+          </p:cNvPr>
+          <p:cNvSpPr txBox="1"/>
+          <p:nvPr/>
+        </p:nvSpPr>
+        <p:spPr>
+          <a:xfrm>
+            <a:off x="1393141" y="5225652"/>
+            <a:ext cx="2050561" cy="590931"/>
+          </a:xfrm>
+          <a:prstGeom prst="rect">
+            <a:avLst/>
+          </a:prstGeom>
+          <a:solidFill>
+            <a:srgbClr val="FFFF00"/>
+          </a:solidFill>
+        </p:spPr>
+        <p:style>
+          <a:lnRef idx="1">
+            <a:schemeClr val="accent4"/>
+          </a:lnRef>
+          <a:fillRef idx="2">
+            <a:schemeClr val="accent4"/>
+          </a:fillRef>
+          <a:effectRef idx="1">
+            <a:schemeClr val="accent4"/>
+          </a:effectRef>
+          <a:fontRef idx="minor">
+            <a:schemeClr val="dk1"/>
+          </a:fontRef>
+        </p:style>
+        <p:txBody>
+          <a:bodyPr wrap="none" rtlCol="0">
+            <a:spAutoFit/>
+          </a:bodyPr>
+          <a:lstStyle/>
+          <a:p>
+            <a:pPr algn="l">
+              <a:lnSpc>
+                <a:spcPct val="90000"/>
+              </a:lnSpc>
+            </a:pPr>
+            <a:r>
+              <a:rPr lang="en-US" dirty="0">
+                <a:latin typeface="+mn-lt"/>
+              </a:rPr>
+              <a:t>SOI feedback:</a:t>
+            </a:r>
+          </a:p>
+          <a:p>
+            <a:pPr>
+              <a:lnSpc>
+                <a:spcPct val="90000"/>
+              </a:lnSpc>
+            </a:pPr>
+            <a:r>
+              <a:rPr lang="en-US" dirty="0" err="1"/>
+              <a:t>Diesel_SOI_EONS</a:t>
+            </a:r>
+            <a:endParaRPr lang="en-US" dirty="0">
+              <a:latin typeface="+mn-lt"/>
+            </a:endParaRPr>
+          </a:p>
+        </p:txBody>
+      </p:sp>
+      <p:cxnSp>
+        <p:nvCxnSpPr>
+          <p:cNvPr id="115" name="Straight Arrow Connector 25">
+            <a:extLst>
+              <a:ext uri="{FF2B5EF4-FFF2-40B4-BE49-F238E27FC236}">
+                <a16:creationId xmlns:a16="http://schemas.microsoft.com/office/drawing/2014/main" id="{3F112727-0533-944A-938C-E0E3CD7A9693}"/>
+              </a:ext>
+            </a:extLst>
+          </p:cNvPr>
+          <p:cNvCxnSpPr>
+            <a:cxnSpLocks/>
+            <a:stCxn id="114" idx="1"/>
+            <a:endCxn id="4" idx="1"/>
+          </p:cNvCxnSpPr>
+          <p:nvPr/>
+        </p:nvCxnSpPr>
+        <p:spPr>
+          <a:xfrm rot="10800000">
+            <a:off x="544715" y="324628"/>
+            <a:ext cx="848427" cy="5196490"/>
+          </a:xfrm>
+          <a:prstGeom prst="bentConnector3">
+            <a:avLst>
+              <a:gd name="adj1" fmla="val 126944"/>
+            </a:avLst>
+          </a:prstGeom>
+          <a:ln w="28575">
+            <a:solidFill>
+              <a:schemeClr val="bg1">
+                <a:lumMod val="50000"/>
+              </a:schemeClr>
+            </a:solidFill>
+            <a:miter lim="800000"/>
+            <a:tailEnd type="triangle"/>
+          </a:ln>
+        </p:spPr>
+        <p:style>
+          <a:lnRef idx="1">
+            <a:schemeClr val="accent1"/>
+          </a:lnRef>
+          <a:fillRef idx="0">
+            <a:schemeClr val="accent1"/>
+          </a:fillRef>
+          <a:effectRef idx="0">
+            <a:schemeClr val="accent1"/>
+          </a:effectRef>
+          <a:fontRef idx="minor">
+            <a:schemeClr val="tx1"/>
+          </a:fontRef>
+        </p:style>
+      </p:cxnSp>
+      <p:sp>
+        <p:nvSpPr>
+          <p:cNvPr id="120" name="TextBox 119">
+            <a:extLst>
+              <a:ext uri="{FF2B5EF4-FFF2-40B4-BE49-F238E27FC236}">
+                <a16:creationId xmlns:a16="http://schemas.microsoft.com/office/drawing/2014/main" id="{5BBA9C1D-8655-7696-142B-0895A3B569CD}"/>
+              </a:ext>
+            </a:extLst>
+          </p:cNvPr>
+          <p:cNvSpPr txBox="1"/>
+          <p:nvPr/>
+        </p:nvSpPr>
+        <p:spPr>
+          <a:xfrm>
+            <a:off x="800794" y="5242062"/>
+            <a:ext cx="619080" cy="286232"/>
+          </a:xfrm>
+          <a:prstGeom prst="rect">
+            <a:avLst/>
+          </a:prstGeom>
+          <a:noFill/>
+        </p:spPr>
+        <p:txBody>
+          <a:bodyPr wrap="none" rtlCol="0">
+            <a:spAutoFit/>
+          </a:bodyPr>
+          <a:lstStyle/>
+          <a:p>
+            <a:pPr algn="l">
+              <a:lnSpc>
+                <a:spcPct val="90000"/>
+              </a:lnSpc>
+            </a:pPr>
+            <a:r>
+              <a:rPr lang="en-US" sz="1400" dirty="0">
+                <a:latin typeface="+mn-lt"/>
+              </a:rPr>
+              <a:t>x6.72</a:t>
+            </a:r>
+          </a:p>
+        </p:txBody>
+      </p:sp>
+      <p:sp>
+        <p:nvSpPr>
+          <p:cNvPr id="121" name="TextBox 120">
+            <a:extLst>
+              <a:ext uri="{FF2B5EF4-FFF2-40B4-BE49-F238E27FC236}">
+                <a16:creationId xmlns:a16="http://schemas.microsoft.com/office/drawing/2014/main" id="{D25571F0-A8F8-8DFA-1510-BB2F71521F03}"/>
+              </a:ext>
+            </a:extLst>
+          </p:cNvPr>
+          <p:cNvSpPr txBox="1"/>
+          <p:nvPr/>
+        </p:nvSpPr>
+        <p:spPr>
+          <a:xfrm>
+            <a:off x="771364" y="5922701"/>
+            <a:ext cx="619080" cy="286232"/>
+          </a:xfrm>
+          <a:prstGeom prst="rect">
+            <a:avLst/>
+          </a:prstGeom>
+          <a:noFill/>
+        </p:spPr>
+        <p:txBody>
+          <a:bodyPr wrap="none" rtlCol="0">
+            <a:spAutoFit/>
+          </a:bodyPr>
+          <a:lstStyle/>
+          <a:p>
+            <a:pPr algn="l">
+              <a:lnSpc>
+                <a:spcPct val="90000"/>
+              </a:lnSpc>
+            </a:pPr>
+            <a:r>
+              <a:rPr lang="en-US" sz="1400" dirty="0">
+                <a:latin typeface="+mn-lt"/>
+              </a:rPr>
+              <a:t>x2.26</a:t>
+            </a:r>
+          </a:p>
+        </p:txBody>
+      </p:sp>
+      <mc:AlternateContent xmlns:mc="http://schemas.openxmlformats.org/markup-compatibility/2006">
+        <mc:Choice xmlns:a14="http://schemas.microsoft.com/office/drawing/2010/main" Requires="a14">
+          <p:sp>
+            <p:nvSpPr>
+              <p:cNvPr id="146" name="TextBox 145">
+                <a:extLst>
+                  <a:ext uri="{FF2B5EF4-FFF2-40B4-BE49-F238E27FC236}">
+                    <a16:creationId xmlns:a16="http://schemas.microsoft.com/office/drawing/2014/main" id="{6E34CCA4-63D1-E5AE-8B03-C50129FACBF0}"/>
+                  </a:ext>
+                </a:extLst>
+              </p:cNvPr>
+              <p:cNvSpPr txBox="1"/>
+              <p:nvPr/>
+            </p:nvSpPr>
+            <p:spPr>
+              <a:xfrm>
+                <a:off x="554642" y="780473"/>
+                <a:ext cx="2949375" cy="286232"/>
+              </a:xfrm>
+              <a:prstGeom prst="rect">
+                <a:avLst/>
+              </a:prstGeom>
+            </p:spPr>
+            <p:style>
+              <a:lnRef idx="1">
+                <a:schemeClr val="accent4"/>
+              </a:lnRef>
+              <a:fillRef idx="2">
+                <a:schemeClr val="accent4"/>
+              </a:fillRef>
+              <a:effectRef idx="1">
+                <a:schemeClr val="accent4"/>
+              </a:effectRef>
+              <a:fontRef idx="minor">
+                <a:schemeClr val="dk1"/>
+              </a:fontRef>
+            </p:style>
+            <p:txBody>
+              <a:bodyPr wrap="square" rtlCol="0">
+                <a:spAutoFit/>
+              </a:bodyPr>
+              <a:lstStyle/>
+              <a:p>
+                <a:pPr algn="l">
+                  <a:lnSpc>
+                    <a:spcPct val="90000"/>
+                  </a:lnSpc>
+                </a:pPr>
+                <a14:m>
+                  <m:oMathPara xmlns:m="http://schemas.openxmlformats.org/officeDocument/2006/math">
+                    <m:oMathParaPr>
+                      <m:jc m:val="centerGroup"/>
+                    </m:oMathParaPr>
+                    <m:oMath xmlns:m="http://schemas.openxmlformats.org/officeDocument/2006/math">
+                      <m:r>
+                        <a:rPr lang="en-US" sz="1400" b="0" i="1" smtClean="0">
+                          <a:latin typeface="Cambria Math" panose="02040503050406030204" pitchFamily="18" charset="0"/>
+                        </a:rPr>
+                        <m:t>𝑐𝑜𝑠𝑡</m:t>
+                      </m:r>
+                      <m:r>
+                        <a:rPr lang="en-US" sz="1400" b="0" i="1" smtClean="0">
+                          <a:latin typeface="Cambria Math" panose="02040503050406030204" pitchFamily="18" charset="0"/>
+                        </a:rPr>
+                        <m:t>=</m:t>
+                      </m:r>
+                      <m:r>
+                        <a:rPr lang="en-US" sz="1400" b="0" i="1" smtClean="0">
+                          <a:latin typeface="Cambria Math" panose="02040503050406030204" pitchFamily="18" charset="0"/>
+                        </a:rPr>
+                        <m:t>𝛼</m:t>
+                      </m:r>
+                      <m:sSup>
+                        <m:sSupPr>
+                          <m:ctrlPr>
+                            <a:rPr lang="en-US" sz="1400" b="0" i="1" smtClean="0">
+                              <a:latin typeface="Cambria Math" panose="02040503050406030204" pitchFamily="18" charset="0"/>
+                            </a:rPr>
+                          </m:ctrlPr>
+                        </m:sSupPr>
+                        <m:e>
+                          <m:d>
+                            <m:dPr>
+                              <m:ctrlPr>
+                                <a:rPr lang="en-US" sz="1400" b="0" i="1" smtClean="0">
+                                  <a:latin typeface="Cambria Math" panose="02040503050406030204" pitchFamily="18" charset="0"/>
+                                </a:rPr>
+                              </m:ctrlPr>
+                            </m:dPr>
+                            <m:e>
+                              <m:r>
+                                <a:rPr lang="en-US" sz="1400" b="0" i="1" smtClean="0">
+                                  <a:latin typeface="Cambria Math" panose="02040503050406030204" pitchFamily="18" charset="0"/>
+                                </a:rPr>
+                                <m:t>𝐶𝐴</m:t>
+                              </m:r>
+                              <m:r>
+                                <a:rPr lang="en-US" sz="1400" b="0" i="1" smtClean="0">
+                                  <a:latin typeface="Cambria Math" panose="02040503050406030204" pitchFamily="18" charset="0"/>
+                                </a:rPr>
+                                <m:t>50−7.5</m:t>
+                              </m:r>
+                            </m:e>
+                          </m:d>
+                        </m:e>
+                        <m:sup>
+                          <m:r>
+                            <a:rPr lang="en-US" sz="1400" b="0" i="1" smtClean="0">
+                              <a:latin typeface="Cambria Math" panose="02040503050406030204" pitchFamily="18" charset="0"/>
+                            </a:rPr>
+                            <m:t>2</m:t>
+                          </m:r>
+                        </m:sup>
+                      </m:sSup>
+                      <m:r>
+                        <a:rPr lang="en-US" sz="1400" b="0" i="1" smtClean="0">
+                          <a:latin typeface="Cambria Math" panose="02040503050406030204" pitchFamily="18" charset="0"/>
+                        </a:rPr>
+                        <m:t>+</m:t>
+                      </m:r>
+                      <m:sSup>
+                        <m:sSupPr>
+                          <m:ctrlPr>
+                            <a:rPr lang="en-US" sz="1400" b="0" i="1" smtClean="0">
+                              <a:latin typeface="Cambria Math" panose="02040503050406030204" pitchFamily="18" charset="0"/>
+                            </a:rPr>
+                          </m:ctrlPr>
+                        </m:sSupPr>
+                        <m:e>
+                          <m:d>
+                            <m:dPr>
+                              <m:ctrlPr>
+                                <a:rPr lang="en-US" sz="1400" b="0" i="1" smtClean="0">
+                                  <a:latin typeface="Cambria Math" panose="02040503050406030204" pitchFamily="18" charset="0"/>
+                                </a:rPr>
+                              </m:ctrlPr>
+                            </m:dPr>
+                            <m:e>
+                              <m:sSub>
+                                <m:sSubPr>
+                                  <m:ctrlPr>
+                                    <a:rPr lang="en-US" sz="1400" b="0" i="1" smtClean="0">
+                                      <a:latin typeface="Cambria Math" panose="02040503050406030204" pitchFamily="18" charset="0"/>
+                                    </a:rPr>
+                                  </m:ctrlPr>
+                                </m:sSubPr>
+                                <m:e>
+                                  <m:r>
+                                    <a:rPr lang="en-US" sz="1400" b="0" i="1" smtClean="0">
+                                      <a:latin typeface="Cambria Math" panose="02040503050406030204" pitchFamily="18" charset="0"/>
+                                    </a:rPr>
+                                    <m:t>𝜂</m:t>
+                                  </m:r>
+                                </m:e>
+                                <m:sub>
+                                  <m:r>
+                                    <a:rPr lang="en-US" sz="1400" b="0" i="1" smtClean="0">
+                                      <a:latin typeface="Cambria Math" panose="02040503050406030204" pitchFamily="18" charset="0"/>
+                                    </a:rPr>
+                                    <m:t>𝑐</m:t>
+                                  </m:r>
+                                </m:sub>
+                              </m:sSub>
+                              <m:r>
+                                <a:rPr lang="en-US" sz="1400" b="0" i="1" smtClean="0">
+                                  <a:latin typeface="Cambria Math" panose="02040503050406030204" pitchFamily="18" charset="0"/>
+                                </a:rPr>
+                                <m:t>−1</m:t>
+                              </m:r>
+                            </m:e>
+                          </m:d>
+                        </m:e>
+                        <m:sup>
+                          <m:r>
+                            <a:rPr lang="en-US" sz="1400" b="0" i="1" smtClean="0">
+                              <a:latin typeface="Cambria Math" panose="02040503050406030204" pitchFamily="18" charset="0"/>
+                            </a:rPr>
+                            <m:t>2</m:t>
+                          </m:r>
+                        </m:sup>
+                      </m:sSup>
+                    </m:oMath>
+                  </m:oMathPara>
+                </a14:m>
+                <a:endParaRPr lang="en-US" sz="1400" dirty="0">
+                  <a:latin typeface="+mn-lt"/>
+                </a:endParaRPr>
+              </a:p>
+            </p:txBody>
+          </p:sp>
+        </mc:Choice>
+        <mc:Fallback>
+          <p:sp>
+            <p:nvSpPr>
+              <p:cNvPr id="146" name="TextBox 145">
+                <a:extLst>
+                  <a:ext uri="{FF2B5EF4-FFF2-40B4-BE49-F238E27FC236}">
+                    <a16:creationId xmlns:a16="http://schemas.microsoft.com/office/drawing/2014/main" id="{6E34CCA4-63D1-E5AE-8B03-C50129FACBF0}"/>
+                  </a:ext>
+                </a:extLst>
+              </p:cNvPr>
+              <p:cNvSpPr txBox="1">
+                <a:spLocks noRot="1" noChangeAspect="1" noMove="1" noResize="1" noEditPoints="1" noAdjustHandles="1" noChangeArrowheads="1" noChangeShapeType="1" noTextEdit="1"/>
+              </p:cNvSpPr>
+              <p:nvPr/>
+            </p:nvSpPr>
+            <p:spPr>
+              <a:xfrm>
+                <a:off x="554642" y="780473"/>
+                <a:ext cx="2949375" cy="286232"/>
+              </a:xfrm>
+              <a:prstGeom prst="rect">
+                <a:avLst/>
+              </a:prstGeom>
+              <a:blipFill>
+                <a:blip r:embed="rId15"/>
+                <a:stretch>
+                  <a:fillRect b="-4000"/>
+                </a:stretch>
+              </a:blipFill>
+            </p:spPr>
+            <p:txBody>
+              <a:bodyPr/>
+              <a:lstStyle/>
+              <a:p>
+                <a:r>
+                  <a:rPr lang="en-US">
+                    <a:noFill/>
+                  </a:rPr>
+                  <a:t> </a:t>
+                </a:r>
+              </a:p>
+            </p:txBody>
+          </p:sp>
+        </mc:Fallback>
+      </mc:AlternateContent>
+      <p:cxnSp>
+        <p:nvCxnSpPr>
+          <p:cNvPr id="156" name="Straight Arrow Connector 155">
+            <a:extLst>
+              <a:ext uri="{FF2B5EF4-FFF2-40B4-BE49-F238E27FC236}">
+                <a16:creationId xmlns:a16="http://schemas.microsoft.com/office/drawing/2014/main" id="{295F8D0C-AC07-DC04-7247-454694D87D46}"/>
+              </a:ext>
+            </a:extLst>
+          </p:cNvPr>
+          <p:cNvCxnSpPr>
+            <a:stCxn id="146" idx="0"/>
+            <a:endCxn id="4" idx="2"/>
+          </p:cNvCxnSpPr>
+          <p:nvPr/>
+        </p:nvCxnSpPr>
+        <p:spPr>
+          <a:xfrm flipV="1">
+            <a:off x="2029330" y="620093"/>
+            <a:ext cx="0" cy="160380"/>
+          </a:xfrm>
+          <a:prstGeom prst="straightConnector1">
+            <a:avLst/>
+          </a:prstGeom>
+          <a:ln w="28575">
+            <a:solidFill>
+              <a:schemeClr val="bg1">
+                <a:lumMod val="50000"/>
+              </a:schemeClr>
+            </a:solidFill>
+            <a:miter lim="800000"/>
+            <a:tailEnd type="triangle"/>
+          </a:ln>
+        </p:spPr>
+        <p:style>
+          <a:lnRef idx="1">
+            <a:schemeClr val="accent1"/>
+          </a:lnRef>
+          <a:fillRef idx="0">
+            <a:schemeClr val="accent1"/>
+          </a:fillRef>
+          <a:effectRef idx="0">
+            <a:schemeClr val="accent1"/>
+          </a:effectRef>
+          <a:fontRef idx="minor">
+            <a:schemeClr val="tx1"/>
+          </a:fontRef>
+        </p:style>
+      </p:cxnSp>
+      <p:cxnSp>
+        <p:nvCxnSpPr>
+          <p:cNvPr id="157" name="Straight Arrow Connector 156">
+            <a:extLst>
+              <a:ext uri="{FF2B5EF4-FFF2-40B4-BE49-F238E27FC236}">
+                <a16:creationId xmlns:a16="http://schemas.microsoft.com/office/drawing/2014/main" id="{8E8C55F8-B179-0F24-0A7C-C7531266C8A4}"/>
+              </a:ext>
+            </a:extLst>
+          </p:cNvPr>
+          <p:cNvCxnSpPr>
+            <a:cxnSpLocks/>
+            <a:stCxn id="97" idx="0"/>
+            <a:endCxn id="146" idx="2"/>
+          </p:cNvCxnSpPr>
+          <p:nvPr/>
+        </p:nvCxnSpPr>
+        <p:spPr>
+          <a:xfrm flipV="1">
+            <a:off x="2029329" y="1066705"/>
+            <a:ext cx="1" cy="145173"/>
+          </a:xfrm>
+          <a:prstGeom prst="straightConnector1">
+            <a:avLst/>
+          </a:prstGeom>
+          <a:ln w="28575">
+            <a:solidFill>
+              <a:schemeClr val="bg1">
+                <a:lumMod val="50000"/>
+              </a:schemeClr>
+            </a:solidFill>
+            <a:miter lim="800000"/>
+            <a:tailEnd type="triangle"/>
+          </a:ln>
+        </p:spPr>
+        <p:style>
+          <a:lnRef idx="1">
+            <a:schemeClr val="accent1"/>
+          </a:lnRef>
+          <a:fillRef idx="0">
+            <a:schemeClr val="accent1"/>
+          </a:fillRef>
+          <a:effectRef idx="0">
+            <a:schemeClr val="accent1"/>
+          </a:effectRef>
+          <a:fontRef idx="minor">
+            <a:schemeClr val="tx1"/>
+          </a:fontRef>
+        </p:style>
+      </p:cxnSp>
+    </p:spTree>
+    <p:extLst>
+      <p:ext uri="{BB962C8B-B14F-4D97-AF65-F5344CB8AC3E}">
+        <p14:creationId xmlns:p14="http://schemas.microsoft.com/office/powerpoint/2010/main" val="696906998"/>
+      </p:ext>
+    </p:extLst>
+  </p:cSld>
+  <p:clrMapOvr>
+    <a:masterClrMapping/>
+  </p:clrMapOvr>
+</p:sld>
+</file>
+
+<file path=ppt/slides/slide2.xml><?xml version="1.0" encoding="utf-8"?>
+<p:sld xmlns:a="http://schemas.openxmlformats.org/drawingml/2006/main" xmlns:r="http://schemas.openxmlformats.org/officeDocument/2006/relationships" xmlns:p="http://schemas.openxmlformats.org/presentationml/2006/main">
+  <p:cSld>
+    <p:spTree>
+      <p:nvGrpSpPr>
+        <p:cNvPr id="1" name=""/>
+        <p:cNvGrpSpPr/>
+        <p:nvPr/>
+      </p:nvGrpSpPr>
+      <p:grpSpPr>
+        <a:xfrm>
+          <a:off x="0" y="0"/>
+          <a:ext cx="0" cy="0"/>
+          <a:chOff x="0" y="0"/>
+          <a:chExt cx="0" cy="0"/>
+        </a:xfrm>
+      </p:grpSpPr>
+      <p:pic>
+        <p:nvPicPr>
+          <p:cNvPr id="1028" name="Picture 4">
+            <a:extLst>
+              <a:ext uri="{FF2B5EF4-FFF2-40B4-BE49-F238E27FC236}">
+                <a16:creationId xmlns:a16="http://schemas.microsoft.com/office/drawing/2014/main" id="{9AB0543C-AD45-7DAC-964D-24C7B1D47838}"/>
+              </a:ext>
+            </a:extLst>
+          </p:cNvPr>
+          <p:cNvPicPr>
+            <a:picLocks noGrp="1" noChangeAspect="1" noChangeArrowheads="1"/>
+          </p:cNvPicPr>
+          <p:nvPr>
+            <p:ph idx="1"/>
+          </p:nvPr>
+        </p:nvPicPr>
+        <p:blipFill>
+          <a:blip r:embed="rId2">
+            <a:extLst>
+              <a:ext uri="{28A0092B-C50C-407E-A947-70E740481C1C}">
+                <a14:useLocalDpi xmlns:a14="http://schemas.microsoft.com/office/drawing/2010/main" val="0"/>
+              </a:ext>
+            </a:extLst>
+          </a:blip>
+          <a:srcRect/>
+          <a:stretch>
+            <a:fillRect/>
+          </a:stretch>
+        </p:blipFill>
+        <p:spPr bwMode="auto">
+          <a:xfrm>
+            <a:off x="1203443" y="207034"/>
+            <a:ext cx="10316315" cy="4732611"/>
+          </a:xfrm>
+          <a:prstGeom prst="rect">
+            <a:avLst/>
+          </a:prstGeom>
+          <a:noFill/>
+          <a:extLst>
+            <a:ext uri="{909E8E84-426E-40DD-AFC4-6F175D3DCCD1}">
+              <a14:hiddenFill xmlns:a14="http://schemas.microsoft.com/office/drawing/2010/main">
+                <a:solidFill>
+                  <a:srgbClr val="FFFFFF"/>
+                </a:solidFill>
+              </a14:hiddenFill>
+            </a:ext>
+          </a:extLst>
+        </p:spPr>
+      </p:pic>
+      <mc:AlternateContent xmlns:mc="http://schemas.openxmlformats.org/markup-compatibility/2006">
+        <mc:Choice xmlns:a14="http://schemas.microsoft.com/office/drawing/2010/main" Requires="a14">
+          <p:sp>
+            <p:nvSpPr>
+              <p:cNvPr id="6" name="TextBox 5">
+                <a:extLst>
+                  <a:ext uri="{FF2B5EF4-FFF2-40B4-BE49-F238E27FC236}">
+                    <a16:creationId xmlns:a16="http://schemas.microsoft.com/office/drawing/2014/main" id="{05DE7C85-2484-F543-CBA1-FE424FB09B95}"/>
+                  </a:ext>
+                </a:extLst>
+              </p:cNvPr>
+              <p:cNvSpPr txBox="1"/>
+              <p:nvPr/>
+            </p:nvSpPr>
+            <p:spPr>
+              <a:xfrm>
+                <a:off x="424206" y="5307291"/>
+                <a:ext cx="5937395" cy="1036246"/>
+              </a:xfrm>
+              <a:prstGeom prst="rect">
+                <a:avLst/>
+              </a:prstGeom>
+              <a:noFill/>
+            </p:spPr>
+            <p:txBody>
+              <a:bodyPr wrap="none" rtlCol="0">
+                <a:spAutoFit/>
+              </a:bodyPr>
+              <a:lstStyle/>
+              <a:p>
+                <a:pPr>
+                  <a:lnSpc>
+                    <a:spcPct val="90000"/>
+                  </a:lnSpc>
+                </a:pPr>
+                <a:r>
+                  <a:rPr lang="en-US" dirty="0">
+                    <a:latin typeface="+mn-lt"/>
+                  </a:rPr>
+                  <a:t>Observations: </a:t>
+                </a:r>
+                <a14:m>
+                  <m:oMath xmlns:m="http://schemas.openxmlformats.org/officeDocument/2006/math">
+                    <m:d>
+                      <m:dPr>
+                        <m:begChr m:val="["/>
+                        <m:endChr m:val="]"/>
+                        <m:ctrlPr>
+                          <a:rPr lang="en-US" b="0" i="1" smtClean="0">
+                            <a:latin typeface="Cambria Math" panose="02040503050406030204" pitchFamily="18" charset="0"/>
+                          </a:rPr>
+                        </m:ctrlPr>
+                      </m:dPr>
+                      <m:e>
+                        <m:m>
+                          <m:mPr>
+                            <m:mcs>
+                              <m:mc>
+                                <m:mcPr>
+                                  <m:count m:val="1"/>
+                                  <m:mcJc m:val="center"/>
+                                </m:mcPr>
+                              </m:mc>
+                            </m:mcs>
+                            <m:ctrlPr>
+                              <a:rPr lang="en-US" b="0" i="1" smtClean="0">
+                                <a:latin typeface="Cambria Math" panose="02040503050406030204" pitchFamily="18" charset="0"/>
+                              </a:rPr>
+                            </m:ctrlPr>
+                          </m:mPr>
+                          <m:mr>
+                            <m:e>
+                              <m:r>
+                                <m:rPr>
+                                  <m:sty m:val="p"/>
+                                </m:rPr>
+                                <a:rPr lang="en-US" i="0">
+                                  <a:latin typeface="Cambria Math" panose="02040503050406030204" pitchFamily="18" charset="0"/>
+                                </a:rPr>
+                                <m:t>M</m:t>
+                              </m:r>
+                              <m:r>
+                                <a:rPr lang="en-US" i="0">
+                                  <a:latin typeface="Cambria Math" panose="02040503050406030204" pitchFamily="18" charset="0"/>
+                                </a:rPr>
+                                <m:t>_</m:t>
+                              </m:r>
+                              <m:r>
+                                <m:rPr>
+                                  <m:sty m:val="p"/>
+                                </m:rPr>
+                                <a:rPr lang="en-US" i="0">
+                                  <a:latin typeface="Cambria Math" panose="02040503050406030204" pitchFamily="18" charset="0"/>
+                                </a:rPr>
+                                <m:t>fuel</m:t>
+                              </m:r>
+                              <m:r>
+                                <a:rPr lang="en-US" i="0">
+                                  <a:latin typeface="Cambria Math" panose="02040503050406030204" pitchFamily="18" charset="0"/>
+                                </a:rPr>
+                                <m:t>_</m:t>
+                              </m:r>
+                              <m:r>
+                                <m:rPr>
+                                  <m:sty m:val="p"/>
+                                </m:rPr>
+                                <a:rPr lang="en-US" i="0">
+                                  <a:latin typeface="Cambria Math" panose="02040503050406030204" pitchFamily="18" charset="0"/>
+                                </a:rPr>
+                                <m:t>scaled</m:t>
+                              </m:r>
+                              <m:r>
+                                <a:rPr lang="en-US" i="0">
+                                  <a:latin typeface="Cambria Math" panose="02040503050406030204" pitchFamily="18" charset="0"/>
+                                </a:rPr>
+                                <m:t>_</m:t>
+                              </m:r>
+                              <m:r>
+                                <m:rPr>
+                                  <m:sty m:val="p"/>
+                                </m:rPr>
+                                <a:rPr lang="en-US" i="0">
+                                  <a:latin typeface="Cambria Math" panose="02040503050406030204" pitchFamily="18" charset="0"/>
+                                </a:rPr>
+                                <m:t>sim</m:t>
+                              </m:r>
+                            </m:e>
+                          </m:mr>
+                          <m:mr>
+                            <m:e>
+                              <m:r>
+                                <m:rPr>
+                                  <m:sty m:val="p"/>
+                                </m:rPr>
+                                <a:rPr lang="en-US" i="0">
+                                  <a:latin typeface="Cambria Math" panose="02040503050406030204" pitchFamily="18" charset="0"/>
+                                </a:rPr>
+                                <m:t>M</m:t>
+                              </m:r>
+                              <m:r>
+                                <a:rPr lang="en-US" i="0">
+                                  <a:latin typeface="Cambria Math" panose="02040503050406030204" pitchFamily="18" charset="0"/>
+                                </a:rPr>
+                                <m:t>_</m:t>
+                              </m:r>
+                              <m:r>
+                                <m:rPr>
+                                  <m:sty m:val="p"/>
+                                </m:rPr>
+                                <a:rPr lang="en-US" b="0" i="0" smtClean="0">
+                                  <a:latin typeface="Cambria Math" panose="02040503050406030204" pitchFamily="18" charset="0"/>
+                                </a:rPr>
+                                <m:t>air</m:t>
+                              </m:r>
+                              <m:r>
+                                <a:rPr lang="en-US" i="0">
+                                  <a:latin typeface="Cambria Math" panose="02040503050406030204" pitchFamily="18" charset="0"/>
+                                </a:rPr>
+                                <m:t>_</m:t>
+                              </m:r>
+                              <m:r>
+                                <m:rPr>
+                                  <m:sty m:val="p"/>
+                                </m:rPr>
+                                <a:rPr lang="en-US" i="0">
+                                  <a:latin typeface="Cambria Math" panose="02040503050406030204" pitchFamily="18" charset="0"/>
+                                </a:rPr>
+                                <m:t>scaled</m:t>
+                              </m:r>
+                              <m:r>
+                                <a:rPr lang="en-US" i="0">
+                                  <a:latin typeface="Cambria Math" panose="02040503050406030204" pitchFamily="18" charset="0"/>
+                                </a:rPr>
+                                <m:t>_</m:t>
+                              </m:r>
+                              <m:r>
+                                <m:rPr>
+                                  <m:sty m:val="p"/>
+                                </m:rPr>
+                                <a:rPr lang="en-US" i="0">
+                                  <a:latin typeface="Cambria Math" panose="02040503050406030204" pitchFamily="18" charset="0"/>
+                                </a:rPr>
+                                <m:t>sim</m:t>
+                              </m:r>
+                            </m:e>
+                          </m:mr>
+                          <m:mr>
+                            <m:e>
+                              <m:r>
+                                <m:rPr>
+                                  <m:sty m:val="p"/>
+                                </m:rPr>
+                                <a:rPr lang="en-US" i="0">
+                                  <a:latin typeface="Cambria Math" panose="02040503050406030204" pitchFamily="18" charset="0"/>
+                                </a:rPr>
+                                <m:t>CA</m:t>
+                              </m:r>
+                              <m:r>
+                                <a:rPr lang="en-US" i="0">
+                                  <a:latin typeface="Cambria Math" panose="02040503050406030204" pitchFamily="18" charset="0"/>
+                                </a:rPr>
+                                <m:t>50_</m:t>
+                              </m:r>
+                              <m:r>
+                                <m:rPr>
+                                  <m:sty m:val="p"/>
+                                </m:rPr>
+                                <a:rPr lang="en-US" i="0">
+                                  <a:latin typeface="Cambria Math" panose="02040503050406030204" pitchFamily="18" charset="0"/>
+                                </a:rPr>
+                                <m:t>scaled</m:t>
+                              </m:r>
+                              <m:r>
+                                <a:rPr lang="en-US" i="0">
+                                  <a:latin typeface="Cambria Math" panose="02040503050406030204" pitchFamily="18" charset="0"/>
+                                </a:rPr>
+                                <m:t>_</m:t>
+                              </m:r>
+                              <m:r>
+                                <m:rPr>
+                                  <m:sty m:val="p"/>
+                                </m:rPr>
+                                <a:rPr lang="en-US" i="0">
+                                  <a:latin typeface="Cambria Math" panose="02040503050406030204" pitchFamily="18" charset="0"/>
+                                </a:rPr>
+                                <m:t>sim</m:t>
+                              </m:r>
+                            </m:e>
+                          </m:mr>
+                          <m:mr>
+                            <m:e>
+                              <m:r>
+                                <m:rPr>
+                                  <m:sty m:val="p"/>
+                                </m:rPr>
+                                <a:rPr lang="en-US" i="0">
+                                  <a:latin typeface="Cambria Math" panose="02040503050406030204" pitchFamily="18" charset="0"/>
+                                </a:rPr>
+                                <m:t>cost</m:t>
+                              </m:r>
+                              <m:r>
+                                <a:rPr lang="en-US" i="0">
+                                  <a:latin typeface="Cambria Math" panose="02040503050406030204" pitchFamily="18" charset="0"/>
+                                </a:rPr>
+                                <m:t>_</m:t>
+                              </m:r>
+                              <m:r>
+                                <m:rPr>
+                                  <m:sty m:val="p"/>
+                                </m:rPr>
+                                <a:rPr lang="en-US" i="0">
+                                  <a:latin typeface="Cambria Math" panose="02040503050406030204" pitchFamily="18" charset="0"/>
+                                </a:rPr>
+                                <m:t>c</m:t>
+                              </m:r>
+                              <m:r>
+                                <a:rPr lang="en-US" i="0">
+                                  <a:latin typeface="Cambria Math" panose="02040503050406030204" pitchFamily="18" charset="0"/>
+                                </a:rPr>
+                                <m:t>_</m:t>
+                              </m:r>
+                              <m:r>
+                                <m:rPr>
+                                  <m:sty m:val="p"/>
+                                </m:rPr>
+                                <a:rPr lang="en-US" i="0">
+                                  <a:latin typeface="Cambria Math" panose="02040503050406030204" pitchFamily="18" charset="0"/>
+                                </a:rPr>
+                                <m:t>sim</m:t>
+                              </m:r>
+                            </m:e>
+                          </m:mr>
+                        </m:m>
+                      </m:e>
+                    </m:d>
+                  </m:oMath>
+                </a14:m>
+                <a:r>
+                  <a:rPr lang="en-US" dirty="0">
+                    <a:latin typeface="+mn-lt"/>
+                  </a:rPr>
+                  <a:t> ,</a:t>
+                </a:r>
+                <a:r>
+                  <a:rPr lang="en-US" dirty="0"/>
+                  <a:t> </a:t>
+                </a:r>
+                <a14:m>
+                  <m:oMath xmlns:m="http://schemas.openxmlformats.org/officeDocument/2006/math">
+                    <m:d>
+                      <m:dPr>
+                        <m:begChr m:val="["/>
+                        <m:endChr m:val="]"/>
+                        <m:ctrlPr>
+                          <a:rPr lang="en-US" i="1">
+                            <a:latin typeface="Cambria Math" panose="02040503050406030204" pitchFamily="18" charset="0"/>
+                          </a:rPr>
+                        </m:ctrlPr>
+                      </m:dPr>
+                      <m:e>
+                        <m:m>
+                          <m:mPr>
+                            <m:mcs>
+                              <m:mc>
+                                <m:mcPr>
+                                  <m:count m:val="1"/>
+                                  <m:mcJc m:val="center"/>
+                                </m:mcPr>
+                              </m:mc>
+                            </m:mcs>
+                            <m:ctrlPr>
+                              <a:rPr lang="en-US" i="1">
+                                <a:latin typeface="Cambria Math" panose="02040503050406030204" pitchFamily="18" charset="0"/>
+                              </a:rPr>
+                            </m:ctrlPr>
+                          </m:mPr>
+                          <m:mr>
+                            <m:e>
+                              <m:r>
+                                <m:rPr>
+                                  <m:sty m:val="p"/>
+                                </m:rPr>
+                                <a:rPr lang="en-US">
+                                  <a:latin typeface="Cambria Math" panose="02040503050406030204" pitchFamily="18" charset="0"/>
+                                </a:rPr>
+                                <m:t>Diesel</m:t>
+                              </m:r>
+                              <m:r>
+                                <a:rPr lang="en-US">
+                                  <a:latin typeface="Cambria Math" panose="02040503050406030204" pitchFamily="18" charset="0"/>
+                                </a:rPr>
+                                <m:t>_</m:t>
+                              </m:r>
+                              <m:r>
+                                <m:rPr>
+                                  <m:sty m:val="p"/>
+                                </m:rPr>
+                                <a:rPr lang="en-US">
+                                  <a:latin typeface="Cambria Math" panose="02040503050406030204" pitchFamily="18" charset="0"/>
+                                </a:rPr>
+                                <m:t>SOI</m:t>
+                              </m:r>
+                              <m:r>
+                                <a:rPr lang="en-US">
+                                  <a:latin typeface="Cambria Math" panose="02040503050406030204" pitchFamily="18" charset="0"/>
+                                </a:rPr>
+                                <m:t>_</m:t>
+                              </m:r>
+                              <m:r>
+                                <m:rPr>
+                                  <m:sty m:val="p"/>
+                                </m:rPr>
+                                <a:rPr lang="en-US">
+                                  <a:latin typeface="Cambria Math" panose="02040503050406030204" pitchFamily="18" charset="0"/>
+                                </a:rPr>
+                                <m:t>FF</m:t>
+                              </m:r>
+                              <m:r>
+                                <a:rPr lang="en-US">
+                                  <a:latin typeface="Cambria Math" panose="02040503050406030204" pitchFamily="18" charset="0"/>
+                                </a:rPr>
+                                <m:t> </m:t>
+                              </m:r>
+                            </m:e>
+                          </m:mr>
+                          <m:mr>
+                            <m:e>
+                              <m:r>
+                                <m:rPr>
+                                  <m:sty m:val="p"/>
+                                </m:rPr>
+                                <a:rPr lang="en-US">
+                                  <a:latin typeface="Cambria Math" panose="02040503050406030204" pitchFamily="18" charset="0"/>
+                                </a:rPr>
+                                <m:t>Diesel</m:t>
+                              </m:r>
+                              <m:r>
+                                <a:rPr lang="en-US">
+                                  <a:latin typeface="Cambria Math" panose="02040503050406030204" pitchFamily="18" charset="0"/>
+                                </a:rPr>
+                                <m:t>_</m:t>
+                              </m:r>
+                              <m:r>
+                                <m:rPr>
+                                  <m:sty m:val="p"/>
+                                </m:rPr>
+                                <a:rPr lang="en-US">
+                                  <a:latin typeface="Cambria Math" panose="02040503050406030204" pitchFamily="18" charset="0"/>
+                                </a:rPr>
+                                <m:t>fuel</m:t>
+                              </m:r>
+                              <m:r>
+                                <a:rPr lang="en-US">
+                                  <a:latin typeface="Cambria Math" panose="02040503050406030204" pitchFamily="18" charset="0"/>
+                                </a:rPr>
+                                <m:t>_</m:t>
+                              </m:r>
+                              <m:r>
+                                <m:rPr>
+                                  <m:sty m:val="p"/>
+                                </m:rPr>
+                                <a:rPr lang="en-US">
+                                  <a:latin typeface="Cambria Math" panose="02040503050406030204" pitchFamily="18" charset="0"/>
+                                </a:rPr>
+                                <m:t>FF</m:t>
+                              </m:r>
+                              <m:r>
+                                <a:rPr lang="en-US">
+                                  <a:latin typeface="Cambria Math" panose="02040503050406030204" pitchFamily="18" charset="0"/>
+                                </a:rPr>
+                                <m:t> </m:t>
+                              </m:r>
+                            </m:e>
+                          </m:mr>
+                          <m:mr>
+                            <m:e>
+                              <m:r>
+                                <m:rPr>
+                                  <m:sty m:val="p"/>
+                                </m:rPr>
+                                <a:rPr lang="en-US">
+                                  <a:latin typeface="Cambria Math" panose="02040503050406030204" pitchFamily="18" charset="0"/>
+                                </a:rPr>
+                                <m:t>Ammonia</m:t>
+                              </m:r>
+                              <m:r>
+                                <a:rPr lang="en-US">
+                                  <a:latin typeface="Cambria Math" panose="02040503050406030204" pitchFamily="18" charset="0"/>
+                                </a:rPr>
+                                <m:t>_</m:t>
+                              </m:r>
+                              <m:r>
+                                <m:rPr>
+                                  <m:sty m:val="p"/>
+                                </m:rPr>
+                                <a:rPr lang="en-US">
+                                  <a:latin typeface="Cambria Math" panose="02040503050406030204" pitchFamily="18" charset="0"/>
+                                </a:rPr>
+                                <m:t>fuel</m:t>
+                              </m:r>
+                              <m:r>
+                                <a:rPr lang="en-US">
+                                  <a:latin typeface="Cambria Math" panose="02040503050406030204" pitchFamily="18" charset="0"/>
+                                </a:rPr>
+                                <m:t>_</m:t>
+                              </m:r>
+                              <m:r>
+                                <m:rPr>
+                                  <m:sty m:val="p"/>
+                                </m:rPr>
+                                <a:rPr lang="en-US">
+                                  <a:latin typeface="Cambria Math" panose="02040503050406030204" pitchFamily="18" charset="0"/>
+                                </a:rPr>
+                                <m:t>FF</m:t>
+                              </m:r>
+                              <m:r>
+                                <a:rPr lang="en-US">
+                                  <a:latin typeface="Cambria Math" panose="02040503050406030204" pitchFamily="18" charset="0"/>
+                                </a:rPr>
+                                <m:t> </m:t>
+                              </m:r>
+                            </m:e>
+                          </m:mr>
+                          <m:mr>
+                            <m:e>
+                              <m:r>
+                                <m:rPr>
+                                  <m:sty m:val="p"/>
+                                </m:rPr>
+                                <a:rPr lang="en-US">
+                                  <a:latin typeface="Cambria Math" panose="02040503050406030204" pitchFamily="18" charset="0"/>
+                                </a:rPr>
+                                <m:t>Fresh</m:t>
+                              </m:r>
+                              <m:r>
+                                <a:rPr lang="en-US">
+                                  <a:latin typeface="Cambria Math" panose="02040503050406030204" pitchFamily="18" charset="0"/>
+                                </a:rPr>
+                                <m:t>_</m:t>
+                              </m:r>
+                              <m:r>
+                                <m:rPr>
+                                  <m:sty m:val="p"/>
+                                </m:rPr>
+                                <a:rPr lang="en-US">
+                                  <a:latin typeface="Cambria Math" panose="02040503050406030204" pitchFamily="18" charset="0"/>
+                                </a:rPr>
+                                <m:t>air</m:t>
+                              </m:r>
+                              <m:r>
+                                <a:rPr lang="en-US">
+                                  <a:latin typeface="Cambria Math" panose="02040503050406030204" pitchFamily="18" charset="0"/>
+                                </a:rPr>
+                                <m:t>_</m:t>
+                              </m:r>
+                              <m:r>
+                                <m:rPr>
+                                  <m:sty m:val="p"/>
+                                </m:rPr>
+                                <a:rPr lang="en-US">
+                                  <a:latin typeface="Cambria Math" panose="02040503050406030204" pitchFamily="18" charset="0"/>
+                                </a:rPr>
+                                <m:t>FF</m:t>
+                              </m:r>
+                              <m:r>
+                                <a:rPr lang="en-US">
+                                  <a:latin typeface="Cambria Math" panose="02040503050406030204" pitchFamily="18" charset="0"/>
+                                </a:rPr>
+                                <m:t> </m:t>
+                              </m:r>
+                            </m:e>
+                          </m:mr>
+                        </m:m>
+                      </m:e>
+                    </m:d>
+                  </m:oMath>
+                </a14:m>
+                <a:endParaRPr lang="en-US" dirty="0">
+                  <a:latin typeface="+mn-lt"/>
+                </a:endParaRPr>
+              </a:p>
+            </p:txBody>
+          </p:sp>
+        </mc:Choice>
+        <mc:Fallback>
+          <p:sp>
+            <p:nvSpPr>
+              <p:cNvPr id="6" name="TextBox 5">
+                <a:extLst>
+                  <a:ext uri="{FF2B5EF4-FFF2-40B4-BE49-F238E27FC236}">
+                    <a16:creationId xmlns:a16="http://schemas.microsoft.com/office/drawing/2014/main" id="{05DE7C85-2484-F543-CBA1-FE424FB09B95}"/>
+                  </a:ext>
+                </a:extLst>
+              </p:cNvPr>
+              <p:cNvSpPr txBox="1">
+                <a:spLocks noRot="1" noChangeAspect="1" noMove="1" noResize="1" noEditPoints="1" noAdjustHandles="1" noChangeArrowheads="1" noChangeShapeType="1" noTextEdit="1"/>
+              </p:cNvSpPr>
+              <p:nvPr/>
+            </p:nvSpPr>
+            <p:spPr>
+              <a:xfrm>
+                <a:off x="424206" y="5307291"/>
+                <a:ext cx="5937395" cy="1036246"/>
+              </a:xfrm>
+              <a:prstGeom prst="rect">
+                <a:avLst/>
+              </a:prstGeom>
+              <a:blipFill>
+                <a:blip r:embed="rId3"/>
+                <a:stretch>
+                  <a:fillRect l="-853" t="-7317" b="-9756"/>
+                </a:stretch>
+              </a:blipFill>
+            </p:spPr>
+            <p:txBody>
+              <a:bodyPr/>
+              <a:lstStyle/>
+              <a:p>
+                <a:r>
+                  <a:rPr lang="en-US">
+                    <a:noFill/>
+                  </a:rPr>
+                  <a:t> </a:t>
+                </a:r>
+              </a:p>
+            </p:txBody>
+          </p:sp>
+        </mc:Fallback>
+      </mc:AlternateContent>
+      <mc:AlternateContent xmlns:mc="http://schemas.openxmlformats.org/markup-compatibility/2006">
+        <mc:Choice xmlns:a14="http://schemas.microsoft.com/office/drawing/2010/main" Requires="a14">
+          <p:sp>
+            <p:nvSpPr>
+              <p:cNvPr id="7" name="TextBox 6">
+                <a:extLst>
+                  <a:ext uri="{FF2B5EF4-FFF2-40B4-BE49-F238E27FC236}">
+                    <a16:creationId xmlns:a16="http://schemas.microsoft.com/office/drawing/2014/main" id="{F2F97238-3665-548D-8B15-3054F9AE62BA}"/>
+                  </a:ext>
+                </a:extLst>
+              </p:cNvPr>
+              <p:cNvSpPr txBox="1"/>
+              <p:nvPr/>
+            </p:nvSpPr>
+            <p:spPr>
+              <a:xfrm>
+                <a:off x="7107603" y="5563002"/>
+                <a:ext cx="3972882" cy="524824"/>
+              </a:xfrm>
+              <a:prstGeom prst="rect">
+                <a:avLst/>
+              </a:prstGeom>
+              <a:noFill/>
+            </p:spPr>
+            <p:txBody>
+              <a:bodyPr wrap="none" rtlCol="0">
+                <a:spAutoFit/>
+              </a:bodyPr>
+              <a:lstStyle/>
+              <a:p>
+                <a:pPr algn="l">
+                  <a:lnSpc>
+                    <a:spcPct val="90000"/>
+                  </a:lnSpc>
+                </a:pPr>
+                <a:r>
+                  <a:rPr lang="en-US" dirty="0">
+                    <a:latin typeface="+mn-lt"/>
+                  </a:rPr>
+                  <a:t>Network output: </a:t>
+                </a:r>
+                <a14:m>
+                  <m:oMath xmlns:m="http://schemas.openxmlformats.org/officeDocument/2006/math">
+                    <m:d>
+                      <m:dPr>
+                        <m:begChr m:val="["/>
+                        <m:endChr m:val="]"/>
+                        <m:ctrlPr>
+                          <a:rPr lang="en-US" i="1" smtClean="0">
+                            <a:latin typeface="Cambria Math" panose="02040503050406030204" pitchFamily="18" charset="0"/>
+                          </a:rPr>
+                        </m:ctrlPr>
+                      </m:dPr>
+                      <m:e>
+                        <m:m>
+                          <m:mPr>
+                            <m:mcs>
+                              <m:mc>
+                                <m:mcPr>
+                                  <m:count m:val="1"/>
+                                  <m:mcJc m:val="center"/>
+                                </m:mcPr>
+                              </m:mc>
+                            </m:mcs>
+                            <m:ctrlPr>
+                              <a:rPr lang="en-US" i="1" smtClean="0">
+                                <a:latin typeface="Cambria Math" panose="02040503050406030204" pitchFamily="18" charset="0"/>
+                              </a:rPr>
+                            </m:ctrlPr>
+                          </m:mPr>
+                          <m:mr>
+                            <m:e>
+                              <m:r>
+                                <m:rPr>
+                                  <m:sty m:val="p"/>
+                                  <m:brk m:alnAt="7"/>
+                                </m:rPr>
+                                <a:rPr lang="en-US" i="0">
+                                  <a:latin typeface="Cambria Math" panose="02040503050406030204" pitchFamily="18" charset="0"/>
+                                </a:rPr>
+                                <m:t>D</m:t>
+                              </m:r>
+                              <m:r>
+                                <m:rPr>
+                                  <m:sty m:val="p"/>
+                                </m:rPr>
+                                <a:rPr lang="en-US" i="0">
+                                  <a:latin typeface="Cambria Math" panose="02040503050406030204" pitchFamily="18" charset="0"/>
+                                </a:rPr>
+                                <m:t>iesel</m:t>
+                              </m:r>
+                              <m:r>
+                                <a:rPr lang="en-US" i="0">
+                                  <a:latin typeface="Cambria Math" panose="02040503050406030204" pitchFamily="18" charset="0"/>
+                                </a:rPr>
+                                <m:t>_</m:t>
+                              </m:r>
+                              <m:r>
+                                <m:rPr>
+                                  <m:sty m:val="p"/>
+                                </m:rPr>
+                                <a:rPr lang="en-US" i="0">
+                                  <a:latin typeface="Cambria Math" panose="02040503050406030204" pitchFamily="18" charset="0"/>
+                                </a:rPr>
+                                <m:t>SOI</m:t>
+                              </m:r>
+                              <m:r>
+                                <a:rPr lang="en-US" i="0">
+                                  <a:latin typeface="Cambria Math" panose="02040503050406030204" pitchFamily="18" charset="0"/>
+                                </a:rPr>
+                                <m:t>_</m:t>
+                              </m:r>
+                              <m:r>
+                                <m:rPr>
+                                  <m:sty m:val="p"/>
+                                </m:rPr>
+                                <a:rPr lang="en-US" i="0">
+                                  <a:latin typeface="Cambria Math" panose="02040503050406030204" pitchFamily="18" charset="0"/>
+                                </a:rPr>
+                                <m:t>EONS</m:t>
+                              </m:r>
+                              <m:r>
+                                <a:rPr lang="en-US" i="0">
+                                  <a:latin typeface="Cambria Math" panose="02040503050406030204" pitchFamily="18" charset="0"/>
+                                </a:rPr>
+                                <m:t> </m:t>
+                              </m:r>
+                            </m:e>
+                          </m:mr>
+                          <m:mr>
+                            <m:e>
+                              <m:r>
+                                <m:rPr>
+                                  <m:sty m:val="p"/>
+                                </m:rPr>
+                                <a:rPr lang="en-US" i="0">
+                                  <a:latin typeface="Cambria Math" panose="02040503050406030204" pitchFamily="18" charset="0"/>
+                                </a:rPr>
+                                <m:t>Diesel</m:t>
+                              </m:r>
+                              <m:r>
+                                <a:rPr lang="en-US" i="0">
+                                  <a:latin typeface="Cambria Math" panose="02040503050406030204" pitchFamily="18" charset="0"/>
+                                </a:rPr>
+                                <m:t>_</m:t>
+                              </m:r>
+                              <m:r>
+                                <m:rPr>
+                                  <m:sty m:val="p"/>
+                                </m:rPr>
+                                <a:rPr lang="en-US" i="0">
+                                  <a:latin typeface="Cambria Math" panose="02040503050406030204" pitchFamily="18" charset="0"/>
+                                </a:rPr>
+                                <m:t>fuel</m:t>
+                              </m:r>
+                              <m:r>
+                                <a:rPr lang="en-US" i="0">
+                                  <a:latin typeface="Cambria Math" panose="02040503050406030204" pitchFamily="18" charset="0"/>
+                                </a:rPr>
+                                <m:t>_</m:t>
+                              </m:r>
+                              <m:r>
+                                <m:rPr>
+                                  <m:sty m:val="p"/>
+                                </m:rPr>
+                                <a:rPr lang="en-US" i="0">
+                                  <a:latin typeface="Cambria Math" panose="02040503050406030204" pitchFamily="18" charset="0"/>
+                                </a:rPr>
+                                <m:t>EONS</m:t>
+                              </m:r>
+                              <m:r>
+                                <a:rPr lang="en-US" i="0">
+                                  <a:latin typeface="Cambria Math" panose="02040503050406030204" pitchFamily="18" charset="0"/>
+                                </a:rPr>
+                                <m:t> </m:t>
+                              </m:r>
+                            </m:e>
+                          </m:mr>
+                        </m:m>
+                      </m:e>
+                    </m:d>
+                  </m:oMath>
+                </a14:m>
+                <a:endParaRPr lang="en-US" dirty="0">
+                  <a:latin typeface="+mn-lt"/>
+                </a:endParaRPr>
+              </a:p>
+            </p:txBody>
+          </p:sp>
+        </mc:Choice>
+        <mc:Fallback>
+          <p:sp>
+            <p:nvSpPr>
+              <p:cNvPr id="7" name="TextBox 6">
+                <a:extLst>
+                  <a:ext uri="{FF2B5EF4-FFF2-40B4-BE49-F238E27FC236}">
+                    <a16:creationId xmlns:a16="http://schemas.microsoft.com/office/drawing/2014/main" id="{F2F97238-3665-548D-8B15-3054F9AE62BA}"/>
+                  </a:ext>
+                </a:extLst>
+              </p:cNvPr>
+              <p:cNvSpPr txBox="1">
+                <a:spLocks noRot="1" noChangeAspect="1" noMove="1" noResize="1" noEditPoints="1" noAdjustHandles="1" noChangeArrowheads="1" noChangeShapeType="1" noTextEdit="1"/>
+              </p:cNvSpPr>
+              <p:nvPr/>
+            </p:nvSpPr>
+            <p:spPr>
+              <a:xfrm>
+                <a:off x="7107603" y="5563002"/>
+                <a:ext cx="3972882" cy="524824"/>
+              </a:xfrm>
+              <a:prstGeom prst="rect">
+                <a:avLst/>
+              </a:prstGeom>
+              <a:blipFill>
+                <a:blip r:embed="rId4"/>
+                <a:stretch>
+                  <a:fillRect l="-1274" t="-7143" b="-21429"/>
+                </a:stretch>
+              </a:blipFill>
+            </p:spPr>
+            <p:txBody>
+              <a:bodyPr/>
+              <a:lstStyle/>
+              <a:p>
+                <a:r>
+                  <a:rPr lang="en-US">
+                    <a:noFill/>
+                  </a:rPr>
+                  <a:t> </a:t>
+                </a:r>
+              </a:p>
+            </p:txBody>
+          </p:sp>
+        </mc:Fallback>
+      </mc:AlternateContent>
+    </p:spTree>
+    <p:extLst>
+      <p:ext uri="{BB962C8B-B14F-4D97-AF65-F5344CB8AC3E}">
+        <p14:creationId xmlns:p14="http://schemas.microsoft.com/office/powerpoint/2010/main" val="3851614005"/>
+      </p:ext>
+    </p:extLst>
+  </p:cSld>
+  <p:clrMapOvr>
+    <a:masterClrMapping/>
+  </p:clrMapOvr>
+</p:sld>
+</file>
+
+<file path=ppt/slides/slide3.xml><?xml version="1.0" encoding="utf-8"?>
+<p:sld xmlns:a="http://schemas.openxmlformats.org/drawingml/2006/main" xmlns:r="http://schemas.openxmlformats.org/officeDocument/2006/relationships" xmlns:p="http://schemas.openxmlformats.org/presentationml/2006/main">
+  <p:cSld>
+    <p:spTree>
+      <p:nvGrpSpPr>
+        <p:cNvPr id="1" name=""/>
+        <p:cNvGrpSpPr/>
+        <p:nvPr/>
+      </p:nvGrpSpPr>
+      <p:grpSpPr>
+        <a:xfrm>
+          <a:off x="0" y="0"/>
+          <a:ext cx="0" cy="0"/>
+          <a:chOff x="0" y="0"/>
+          <a:chExt cx="0" cy="0"/>
+        </a:xfrm>
+      </p:grpSpPr>
+      <p:sp>
+        <p:nvSpPr>
+          <p:cNvPr id="2" name="Title 1">
+            <a:extLst>
+              <a:ext uri="{FF2B5EF4-FFF2-40B4-BE49-F238E27FC236}">
+                <a16:creationId xmlns:a16="http://schemas.microsoft.com/office/drawing/2014/main" id="{22797BF7-158A-802A-AABE-CBF1248DD3CD}"/>
+              </a:ext>
+            </a:extLst>
+          </p:cNvPr>
+          <p:cNvSpPr>
+            <a:spLocks noGrp="1"/>
+          </p:cNvSpPr>
+          <p:nvPr>
+            <p:ph type="title"/>
+          </p:nvPr>
+        </p:nvSpPr>
+        <p:spPr/>
+        <p:txBody>
+          <a:bodyPr/>
+          <a:lstStyle/>
+          <a:p>
+            <a:r>
+              <a:rPr lang="en-US" dirty="0"/>
+              <a:t>CAN frames</a:t>
+            </a:r>
+          </a:p>
+        </p:txBody>
+      </p:sp>
+      <p:sp>
+        <p:nvSpPr>
+          <p:cNvPr id="3" name="Content Placeholder 2">
+            <a:extLst>
+              <a:ext uri="{FF2B5EF4-FFF2-40B4-BE49-F238E27FC236}">
+                <a16:creationId xmlns:a16="http://schemas.microsoft.com/office/drawing/2014/main" id="{7567AA9B-B5D6-F5C2-36B2-49F5710BC5E4}"/>
+              </a:ext>
+            </a:extLst>
+          </p:cNvPr>
+          <p:cNvSpPr>
+            <a:spLocks noGrp="1"/>
+          </p:cNvSpPr>
+          <p:nvPr>
+            <p:ph idx="1"/>
+          </p:nvPr>
+        </p:nvSpPr>
+        <p:spPr>
+          <a:xfrm>
+            <a:off x="448055" y="1476970"/>
+            <a:ext cx="5849050" cy="4707013"/>
+          </a:xfrm>
+        </p:spPr>
+        <p:txBody>
+          <a:bodyPr/>
+          <a:lstStyle/>
+          <a:p>
+            <a:r>
+              <a:rPr lang="en-US" sz="1600" dirty="0"/>
+              <a:t>ID 1: STATE_1, 8 byte IEEE Float (ORCAS to EONS)</a:t>
+            </a:r>
+          </a:p>
+          <a:p>
+            <a:pPr lvl="1"/>
+            <a:r>
+              <a:rPr lang="en-US" sz="1100" dirty="0"/>
+              <a:t>                Bits 0-64: FUEL_MASS_SCALED</a:t>
+            </a:r>
+            <a:endParaRPr lang="en-US" sz="1800" dirty="0"/>
+          </a:p>
+          <a:p>
+            <a:r>
+              <a:rPr lang="en-US" sz="1600" dirty="0"/>
+              <a:t>ID 2: STATE_2, 8 byte IEEE Float (ORCAS to EONS)</a:t>
+            </a:r>
+          </a:p>
+          <a:p>
+            <a:pPr lvl="1"/>
+            <a:r>
+              <a:rPr lang="en-US" sz="1100" dirty="0"/>
+              <a:t>                Bits 0-64: AIR_MASS_SCALED</a:t>
+            </a:r>
+            <a:endParaRPr lang="en-US" sz="1800" dirty="0"/>
+          </a:p>
+          <a:p>
+            <a:r>
+              <a:rPr lang="en-US" sz="1600" dirty="0"/>
+              <a:t>ID 3: STATE_3, 8 byte IEEE Float (ORCAS to EONS)</a:t>
+            </a:r>
+          </a:p>
+          <a:p>
+            <a:pPr lvl="1"/>
+            <a:r>
+              <a:rPr lang="en-US" sz="1100" dirty="0"/>
+              <a:t>                Bits 0-64: CA50_SCALED</a:t>
+            </a:r>
+            <a:endParaRPr lang="en-US" sz="1800" dirty="0"/>
+          </a:p>
+          <a:p>
+            <a:r>
+              <a:rPr lang="en-US" sz="1600" dirty="0"/>
+              <a:t>ID 4: COST_STAGE, 8 byte IEEE Float (ORCAS to EONS)</a:t>
+            </a:r>
+          </a:p>
+          <a:p>
+            <a:pPr lvl="1"/>
+            <a:r>
+              <a:rPr lang="en-US" sz="1100" dirty="0"/>
+              <a:t>                Bits 0-64: COST_C</a:t>
+            </a:r>
+            <a:endParaRPr lang="en-US" sz="1800" dirty="0"/>
+          </a:p>
+          <a:p>
+            <a:r>
+              <a:rPr lang="en-US" sz="1600" dirty="0"/>
+              <a:t>ID 5: CONTROL, 8 byte IEEE Float (EONS to ORCAS)</a:t>
+            </a:r>
+          </a:p>
+          <a:p>
+            <a:pPr lvl="1"/>
+            <a:r>
+              <a:rPr lang="en-US" sz="1100" dirty="0"/>
+              <a:t>                Bits 0-31: DIESEL_SOI_EONS</a:t>
+            </a:r>
+          </a:p>
+          <a:p>
+            <a:pPr lvl="1"/>
+            <a:r>
+              <a:rPr lang="en-US" sz="1100" dirty="0"/>
+              <a:t>                Bits 32-64: DIESEL_FUEL_EONS</a:t>
+            </a:r>
+            <a:endParaRPr lang="en-US" sz="1800" dirty="0"/>
+          </a:p>
+          <a:p>
+            <a:r>
+              <a:rPr lang="en-US" sz="1600" dirty="0"/>
+              <a:t>ID 6: NET_ID, 8 byte Unsigned Integer (EONS to ORCAS)</a:t>
+            </a:r>
+          </a:p>
+          <a:p>
+            <a:pPr lvl="1"/>
+            <a:r>
+              <a:rPr lang="en-US" sz="1100" dirty="0"/>
+              <a:t>Bits 0-31: NET_ID_START</a:t>
+            </a:r>
+          </a:p>
+          <a:p>
+            <a:pPr lvl="1"/>
+            <a:r>
+              <a:rPr lang="en-US" sz="1100" dirty="0"/>
+              <a:t>Bits 32-64: NET_ID_STOP</a:t>
+            </a:r>
+          </a:p>
+        </p:txBody>
+      </p:sp>
+      <p:sp>
+        <p:nvSpPr>
+          <p:cNvPr id="5" name="Content Placeholder 2">
+            <a:extLst>
+              <a:ext uri="{FF2B5EF4-FFF2-40B4-BE49-F238E27FC236}">
+                <a16:creationId xmlns:a16="http://schemas.microsoft.com/office/drawing/2014/main" id="{6AE9BEB6-D3A2-C368-BC96-3DF16C9A5A4B}"/>
+              </a:ext>
+            </a:extLst>
+          </p:cNvPr>
+          <p:cNvSpPr txBox="1">
+            <a:spLocks/>
+          </p:cNvSpPr>
+          <p:nvPr/>
+        </p:nvSpPr>
+        <p:spPr bwMode="auto">
+          <a:xfrm>
+            <a:off x="6297105" y="1476970"/>
+            <a:ext cx="5849050" cy="4707013"/>
+          </a:xfrm>
+          <a:prstGeom prst="rect">
+            <a:avLst/>
+          </a:prstGeom>
+          <a:noFill/>
+          <a:ln w="9525">
+            <a:noFill/>
+            <a:miter lim="800000"/>
+            <a:headEnd/>
+            <a:tailEnd/>
+          </a:ln>
+        </p:spPr>
+        <p:txBody>
+          <a:bodyPr vert="horz" wrap="square" lIns="91440" tIns="45720" rIns="91440" bIns="45720" numCol="1" anchor="t" anchorCtr="0" compatLnSpc="1">
+            <a:prstTxWarp prst="textNoShape">
+              <a:avLst/>
+            </a:prstTxWarp>
+            <a:noAutofit/>
+          </a:bodyPr>
+          <a:lstStyle>
+            <a:lvl1pPr marL="288925" indent="-288925" algn="l" rtl="0" eaLnBrk="1" fontAlgn="base" hangingPunct="1">
+              <a:lnSpc>
+                <a:spcPct val="90000"/>
+              </a:lnSpc>
+              <a:spcBef>
+                <a:spcPts val="1800"/>
+              </a:spcBef>
+              <a:spcAft>
+                <a:spcPct val="0"/>
+              </a:spcAft>
+              <a:buClr>
+                <a:schemeClr val="tx1"/>
+              </a:buClr>
+              <a:buSzPct val="90000"/>
+              <a:buFont typeface="Century Gothic" panose="020B0502020202020204" pitchFamily="34" charset="0"/>
+              <a:buChar char="•"/>
+              <a:defRPr lang="en-US" sz="2800" kern="1200" dirty="0">
+                <a:solidFill>
+                  <a:schemeClr val="tx1"/>
+                </a:solidFill>
+                <a:latin typeface="Century Gothic" panose="020B0502020202020204" pitchFamily="34" charset="0"/>
+                <a:ea typeface="+mn-ea"/>
+                <a:cs typeface="+mn-cs"/>
+              </a:defRPr>
+            </a:lvl1pPr>
+            <a:lvl2pPr marL="687388" indent="-288925" algn="l" rtl="0" eaLnBrk="1" fontAlgn="base" hangingPunct="1">
+              <a:lnSpc>
+                <a:spcPct val="90000"/>
+              </a:lnSpc>
+              <a:spcBef>
+                <a:spcPts val="800"/>
+              </a:spcBef>
+              <a:spcAft>
+                <a:spcPct val="0"/>
+              </a:spcAft>
+              <a:buClr>
+                <a:schemeClr val="tx1"/>
+              </a:buClr>
+              <a:buSzPct val="90000"/>
+              <a:buFont typeface="Century Gothic" panose="020B0502020202020204" pitchFamily="34" charset="0"/>
+              <a:buChar char="–"/>
+              <a:defRPr sz="2400" kern="1200">
+                <a:solidFill>
+                  <a:schemeClr val="tx1"/>
+                </a:solidFill>
+                <a:latin typeface="+mn-lt"/>
+                <a:ea typeface="+mn-ea"/>
+                <a:cs typeface="Arial" panose="020B0604020202020204" pitchFamily="34" charset="0"/>
+              </a:defRPr>
+            </a:lvl2pPr>
+            <a:lvl3pPr marL="1031875" indent="-288925" algn="l" rtl="0" eaLnBrk="1" fontAlgn="base" hangingPunct="1">
+              <a:lnSpc>
+                <a:spcPct val="90000"/>
+              </a:lnSpc>
+              <a:spcBef>
+                <a:spcPts val="800"/>
+              </a:spcBef>
+              <a:spcAft>
+                <a:spcPct val="0"/>
+              </a:spcAft>
+              <a:buClr>
+                <a:schemeClr val="tx1"/>
+              </a:buClr>
+              <a:buSzPct val="90000"/>
+              <a:buFont typeface="Century Gothic" panose="020B0502020202020204" pitchFamily="34" charset="0"/>
+              <a:buChar char="•"/>
+              <a:defRPr sz="2000" kern="1200">
+                <a:solidFill>
+                  <a:schemeClr val="tx1"/>
+                </a:solidFill>
+                <a:latin typeface="+mn-lt"/>
+                <a:ea typeface="+mn-ea"/>
+                <a:cs typeface="Arial" panose="020B0604020202020204" pitchFamily="34" charset="0"/>
+              </a:defRPr>
+            </a:lvl3pPr>
+            <a:lvl4pPr marL="1144588" indent="-173038" algn="l" rtl="0" eaLnBrk="1" fontAlgn="base" hangingPunct="1">
+              <a:lnSpc>
+                <a:spcPct val="90000"/>
+              </a:lnSpc>
+              <a:spcBef>
+                <a:spcPts val="800"/>
+              </a:spcBef>
+              <a:spcAft>
+                <a:spcPct val="0"/>
+              </a:spcAft>
+              <a:buClr>
+                <a:schemeClr val="tx1"/>
+              </a:buClr>
+              <a:buFont typeface="Arial" charset="0"/>
+              <a:buChar char="–"/>
+              <a:defRPr sz="1800" kern="1200">
+                <a:solidFill>
+                  <a:schemeClr val="tx1"/>
+                </a:solidFill>
+                <a:latin typeface="+mn-lt"/>
+                <a:ea typeface="+mn-ea"/>
+                <a:cs typeface="Arial" panose="020B0604020202020204" pitchFamily="34" charset="0"/>
+              </a:defRPr>
+            </a:lvl4pPr>
+            <a:lvl5pPr marL="1482725" indent="-222250" algn="l" rtl="0" eaLnBrk="1" fontAlgn="base" hangingPunct="1">
+              <a:lnSpc>
+                <a:spcPct val="90000"/>
+              </a:lnSpc>
+              <a:spcBef>
+                <a:spcPts val="600"/>
+              </a:spcBef>
+              <a:spcAft>
+                <a:spcPct val="0"/>
+              </a:spcAft>
+              <a:buClr>
+                <a:schemeClr val="tx1"/>
+              </a:buClr>
+              <a:buFont typeface="Arial" panose="020B0604020202020204" pitchFamily="34" charset="0"/>
+              <a:buChar char="•"/>
+              <a:defRPr sz="1800" kern="1200">
+                <a:solidFill>
+                  <a:schemeClr val="tx1"/>
+                </a:solidFill>
+                <a:latin typeface="+mn-lt"/>
+                <a:ea typeface="+mn-ea"/>
+                <a:cs typeface="Arial" panose="020B0604020202020204" pitchFamily="34" charset="0"/>
+              </a:defRPr>
+            </a:lvl5pPr>
+            <a:lvl6pPr marL="2514600" indent="-228600" algn="l" defTabSz="914400" rtl="0" eaLnBrk="1" latinLnBrk="0" hangingPunct="1">
+              <a:spcBef>
+                <a:spcPct val="20000"/>
+              </a:spcBef>
+              <a:buFont typeface="Arial" pitchFamily="34" charset="0"/>
+              <a:buChar char="•"/>
+              <a:defRPr sz="2000" kern="1200">
+                <a:solidFill>
+                  <a:schemeClr val="tx1"/>
+                </a:solidFill>
+                <a:latin typeface="+mn-lt"/>
+                <a:ea typeface="+mn-ea"/>
+                <a:cs typeface="+mn-cs"/>
+              </a:defRPr>
+            </a:lvl6pPr>
+            <a:lvl7pPr marL="2971800" indent="-228600" algn="l" defTabSz="914400" rtl="0" eaLnBrk="1" latinLnBrk="0" hangingPunct="1">
+              <a:spcBef>
+                <a:spcPct val="20000"/>
+              </a:spcBef>
+              <a:buFont typeface="Arial" pitchFamily="34" charset="0"/>
+              <a:buChar char="•"/>
+              <a:defRPr sz="2000" kern="1200">
+                <a:solidFill>
+                  <a:schemeClr val="tx1"/>
+                </a:solidFill>
+                <a:latin typeface="+mn-lt"/>
+                <a:ea typeface="+mn-ea"/>
+                <a:cs typeface="+mn-cs"/>
+              </a:defRPr>
+            </a:lvl7pPr>
+            <a:lvl8pPr marL="3429000" indent="-228600" algn="l" defTabSz="914400" rtl="0" eaLnBrk="1" latinLnBrk="0" hangingPunct="1">
+              <a:spcBef>
+                <a:spcPct val="20000"/>
+              </a:spcBef>
+              <a:buFont typeface="Arial" pitchFamily="34" charset="0"/>
+              <a:buChar char="•"/>
+              <a:defRPr sz="2000" kern="1200">
+                <a:solidFill>
+                  <a:schemeClr val="tx1"/>
+                </a:solidFill>
+                <a:latin typeface="+mn-lt"/>
+                <a:ea typeface="+mn-ea"/>
+                <a:cs typeface="+mn-cs"/>
+              </a:defRPr>
+            </a:lvl8pPr>
+            <a:lvl9pPr marL="3886200" indent="-228600" algn="l" defTabSz="914400" rtl="0" eaLnBrk="1" latinLnBrk="0" hangingPunct="1">
+              <a:spcBef>
+                <a:spcPct val="20000"/>
+              </a:spcBef>
+              <a:buFont typeface="Arial" pitchFamily="34" charset="0"/>
+              <a:buChar char="•"/>
+              <a:defRPr sz="2000" kern="1200">
+                <a:solidFill>
+                  <a:schemeClr val="tx1"/>
+                </a:solidFill>
+                <a:latin typeface="+mn-lt"/>
+                <a:ea typeface="+mn-ea"/>
+                <a:cs typeface="+mn-cs"/>
+              </a:defRPr>
+            </a:lvl9pPr>
+          </a:lstStyle>
+          <a:p>
+            <a:r>
+              <a:rPr lang="en-US" sz="1600" dirty="0"/>
+              <a:t>ID 7: FF_SOI, 8 byte IEEE Float (ORCAS to EONS)</a:t>
+            </a:r>
+          </a:p>
+          <a:p>
+            <a:pPr lvl="1"/>
+            <a:r>
+              <a:rPr lang="en-US" sz="1200" dirty="0"/>
+              <a:t>Bits 0-64: DIESEL_SOI_FF</a:t>
+            </a:r>
+            <a:endParaRPr lang="en-US" sz="2000" dirty="0"/>
+          </a:p>
+          <a:p>
+            <a:r>
+              <a:rPr lang="en-US" sz="1600" dirty="0"/>
+              <a:t>ID 8: FF_DIESEL, 8 byte IEEE Float (ORCAS to EONS)</a:t>
+            </a:r>
+          </a:p>
+          <a:p>
+            <a:pPr lvl="1"/>
+            <a:r>
+              <a:rPr lang="en-US" sz="1200" dirty="0"/>
+              <a:t>Bits 0-64: DIESEL_FUEL_FF </a:t>
+            </a:r>
+            <a:endParaRPr lang="en-US" sz="1600" dirty="0"/>
+          </a:p>
+          <a:p>
+            <a:r>
+              <a:rPr lang="en-US" sz="1600" dirty="0"/>
+              <a:t>ID 9: FF_AMMONIA, 8 byte IEEE Float (ORCAS to EONS)</a:t>
+            </a:r>
+          </a:p>
+          <a:p>
+            <a:pPr lvl="1"/>
+            <a:r>
+              <a:rPr lang="en-US" sz="1200" dirty="0"/>
+              <a:t>Bits 0-64: AMMONIA_FUEL_FF </a:t>
+            </a:r>
+          </a:p>
+          <a:p>
+            <a:r>
+              <a:rPr lang="en-US" sz="1600" dirty="0"/>
+              <a:t>ID 10: FF_AIR, 8 byte IEEE Float (ORCAS to EONS)</a:t>
+            </a:r>
+          </a:p>
+          <a:p>
+            <a:pPr lvl="1"/>
+            <a:r>
+              <a:rPr lang="en-US" sz="1200" dirty="0"/>
+              <a:t>Bits 0-64: FRESH_AIR_FF </a:t>
+            </a:r>
+            <a:endParaRPr lang="en-US" sz="1600" dirty="0"/>
           </a:p>
         </p:txBody>
       </p:sp>
     </p:spTree>
     <p:extLst>
       <p:ext uri="{BB962C8B-B14F-4D97-AF65-F5344CB8AC3E}">
-        <p14:creationId xmlns:p14="http://schemas.microsoft.com/office/powerpoint/2010/main" val="3420588093"/>
+        <p14:creationId xmlns:p14="http://schemas.microsoft.com/office/powerpoint/2010/main" val="326043842"/>
       </p:ext>
     </p:extLst>
   </p:cSld>
